--- a/Medical AI.pptx
+++ b/Medical AI.pptx
@@ -1,25 +1,25 @@
 
 <file path=ppt/presentation.xml><?xml version="1.0" encoding="utf-8"?>
-<p:presentation xmlns:a="http://schemas.openxmlformats.org/drawingml/2006/main" xmlns:r="http://schemas.openxmlformats.org/officeDocument/2006/relationships" xmlns:p="http://schemas.openxmlformats.org/presentationml/2006/main" saveSubsetFonts="1">
+<p:presentation xmlns:r="http://schemas.openxmlformats.org/officeDocument/2006/relationships" xmlns:c="http://schemas.openxmlformats.org/drawingml/2006/chart" xmlns:a="http://schemas.openxmlformats.org/drawingml/2006/main" xmlns:dgm="http://schemas.openxmlformats.org/drawingml/2006/diagram" xmlns:dsp="http://schemas.microsoft.com/office/drawing/2008/diagram" xmlns:p="http://schemas.openxmlformats.org/presentationml/2006/main">
   <p:sldMasterIdLst>
-    <p:sldMasterId id="2147483672" r:id="rId1"/>
+    <p:sldMasterId id="2147483684" r:id="rId1"/>
   </p:sldMasterIdLst>
   <p:notesMasterIdLst>
-    <p:notesMasterId r:id="rId14"/>
+    <p:notesMasterId r:id="rId2"/>
   </p:notesMasterIdLst>
   <p:sldIdLst>
-    <p:sldId id="256" r:id="rId2"/>
-    <p:sldId id="261" r:id="rId3"/>
-    <p:sldId id="262" r:id="rId4"/>
-    <p:sldId id="263" r:id="rId5"/>
-    <p:sldId id="266" r:id="rId6"/>
-    <p:sldId id="270" r:id="rId7"/>
-    <p:sldId id="271" r:id="rId8"/>
-    <p:sldId id="264" r:id="rId9"/>
-    <p:sldId id="272" r:id="rId10"/>
-    <p:sldId id="267" r:id="rId11"/>
-    <p:sldId id="268" r:id="rId12"/>
-    <p:sldId id="269" r:id="rId13"/>
+    <p:sldId id="256" r:id="rId3"/>
+    <p:sldId id="261" r:id="rId4"/>
+    <p:sldId id="262" r:id="rId5"/>
+    <p:sldId id="263" r:id="rId6"/>
+    <p:sldId id="266" r:id="rId7"/>
+    <p:sldId id="273" r:id="rId8"/>
+    <p:sldId id="274" r:id="rId9"/>
+    <p:sldId id="275" r:id="rId10"/>
+    <p:sldId id="276" r:id="rId11"/>
+    <p:sldId id="277" r:id="rId12"/>
+    <p:sldId id="268" r:id="rId13"/>
+    <p:sldId id="269" r:id="rId14"/>
   </p:sldIdLst>
   <p:sldSz cx="9144000" cy="6858000" type="screen4x3"/>
   <p:notesSz cx="6858000" cy="9144000"/>
@@ -122,7 +122,7 @@
 </file>
 
 <file path=ppt/notesMasters/notesMaster1.xml><?xml version="1.0" encoding="utf-8"?>
-<p:notesMaster xmlns:a="http://schemas.openxmlformats.org/drawingml/2006/main" xmlns:r="http://schemas.openxmlformats.org/officeDocument/2006/relationships" xmlns:p="http://schemas.openxmlformats.org/presentationml/2006/main">
+<p:notesMaster xmlns:r="http://schemas.openxmlformats.org/officeDocument/2006/relationships" xmlns:c="http://schemas.openxmlformats.org/drawingml/2006/chart" xmlns:a="http://schemas.openxmlformats.org/drawingml/2006/main" xmlns:dgm="http://schemas.openxmlformats.org/drawingml/2006/diagram" xmlns:dsp="http://schemas.microsoft.com/office/drawing/2008/diagram" xmlns:p="http://schemas.openxmlformats.org/presentationml/2006/main">
   <p:cSld>
     <p:bg>
       <p:bgRef idx="1001">
@@ -150,7 +150,7 @@
             <a:spLocks noGrp="1"/>
           </p:cNvSpPr>
           <p:nvPr>
-            <p:ph type="hdr" sz="quarter"/>
+            <p:ph type="hdr" sz="quarter" idx="0"/>
           </p:nvPr>
         </p:nvSpPr>
         <p:spPr>
@@ -163,14 +163,21 @@
           </a:prstGeom>
         </p:spPr>
         <p:txBody>
-          <a:bodyPr vert="horz" lIns="91440" tIns="45720" rIns="91440" bIns="45720" rtlCol="0"/>
+          <a:bodyPr vert="horz" lIns="91440" tIns="45720" rIns="91440" bIns="45720"/>
           <a:lstStyle>
             <a:lvl1pPr algn="l">
               <a:defRPr sz="1200"/>
             </a:lvl1pPr>
           </a:lstStyle>
           <a:p>
-            <a:endParaRPr lang="en-US"/>
+            <a:pPr lvl="0">
+              <a:defRPr/>
+            </a:pPr>
+            <a:r>
+              <a:rPr lang="ko-KR" altLang="en-US"/>
+              <a:t/>
+            </a:r>
+            <a:endParaRPr lang="ko-KR" altLang="en-US"/>
           </a:p>
         </p:txBody>
       </p:sp>
@@ -194,16 +201,22 @@
           </a:prstGeom>
         </p:spPr>
         <p:txBody>
-          <a:bodyPr vert="horz" lIns="91440" tIns="45720" rIns="91440" bIns="45720" rtlCol="0"/>
+          <a:bodyPr vert="horz" lIns="91440" tIns="45720" rIns="91440" bIns="45720"/>
           <a:lstStyle>
             <a:lvl1pPr algn="r">
               <a:defRPr sz="1200"/>
             </a:lvl1pPr>
           </a:lstStyle>
           <a:p>
-            <a:fld id="{CABE6F34-B544-40D9-86F7-4419AE4628AF}" type="datetimeFigureOut">
-              <a:rPr lang="en-US" smtClean="0"/>
-              <a:t>2024-02-22</a:t>
+            <a:pPr lvl="0">
+              <a:defRPr/>
+            </a:pPr>
+            <a:fld id="{CABE6F34-B544-40D9-86F7-4419AE4628AF}" type="datetime1">
+              <a:rPr lang="en-US"/>
+              <a:pPr lvl="0">
+                <a:defRPr/>
+              </a:pPr>
+              <a:t>2/22/2024</a:t>
             </a:fld>
             <a:endParaRPr lang="en-US"/>
           </a:p>
@@ -213,7 +226,7 @@
         <p:nvSpPr>
           <p:cNvPr id="4" name="Slide Image Placeholder 3"/>
           <p:cNvSpPr>
-            <a:spLocks noGrp="1" noRot="1" noChangeAspect="1"/>
+            <a:spLocks noGrp="1" noRot="1" noChangeAspect="1" noTextEdit="1"/>
           </p:cNvSpPr>
           <p:nvPr>
             <p:ph type="sldImg" idx="2"/>
@@ -235,9 +248,12 @@
           </a:ln>
         </p:spPr>
         <p:txBody>
-          <a:bodyPr vert="horz" lIns="91440" tIns="45720" rIns="91440" bIns="45720" rtlCol="0" anchor="ctr"/>
+          <a:bodyPr vert="horz" lIns="91440" tIns="45720" rIns="91440" bIns="45720" anchor="ctr"/>
           <a:lstStyle/>
           <a:p>
+            <a:pPr lvl="0">
+              <a:defRPr/>
+            </a:pPr>
             <a:endParaRPr lang="en-US"/>
           </a:p>
         </p:txBody>
@@ -262,42 +278,57 @@
           </a:prstGeom>
         </p:spPr>
         <p:txBody>
-          <a:bodyPr vert="horz" lIns="91440" tIns="45720" rIns="91440" bIns="45720" rtlCol="0"/>
+          <a:bodyPr vert="horz" lIns="91440" tIns="45720" rIns="91440" bIns="45720"/>
           <a:lstStyle/>
           <a:p>
-            <a:pPr lvl="0"/>
+            <a:pPr lvl="0">
+              <a:defRPr/>
+            </a:pPr>
             <a:r>
               <a:rPr lang="en-US"/>
               <a:t>Click to edit Master text styles</a:t>
             </a:r>
-          </a:p>
-          <a:p>
-            <a:pPr lvl="1"/>
+            <a:endParaRPr lang="en-US"/>
+          </a:p>
+          <a:p>
+            <a:pPr lvl="1">
+              <a:defRPr/>
+            </a:pPr>
             <a:r>
               <a:rPr lang="en-US"/>
               <a:t>Second level</a:t>
             </a:r>
-          </a:p>
-          <a:p>
-            <a:pPr lvl="2"/>
+            <a:endParaRPr lang="en-US"/>
+          </a:p>
+          <a:p>
+            <a:pPr lvl="2">
+              <a:defRPr/>
+            </a:pPr>
             <a:r>
               <a:rPr lang="en-US"/>
               <a:t>Third level</a:t>
             </a:r>
-          </a:p>
-          <a:p>
-            <a:pPr lvl="3"/>
+            <a:endParaRPr lang="en-US"/>
+          </a:p>
+          <a:p>
+            <a:pPr lvl="3">
+              <a:defRPr/>
+            </a:pPr>
             <a:r>
               <a:rPr lang="en-US"/>
               <a:t>Fourth level</a:t>
             </a:r>
-          </a:p>
-          <a:p>
-            <a:pPr lvl="4"/>
+            <a:endParaRPr lang="en-US"/>
+          </a:p>
+          <a:p>
+            <a:pPr lvl="4">
+              <a:defRPr/>
+            </a:pPr>
             <a:r>
               <a:rPr lang="en-US"/>
               <a:t>Fifth level</a:t>
             </a:r>
+            <a:endParaRPr lang="en-US"/>
           </a:p>
         </p:txBody>
       </p:sp>
@@ -321,14 +352,21 @@
           </a:prstGeom>
         </p:spPr>
         <p:txBody>
-          <a:bodyPr vert="horz" lIns="91440" tIns="45720" rIns="91440" bIns="45720" rtlCol="0" anchor="b"/>
+          <a:bodyPr vert="horz" lIns="91440" tIns="45720" rIns="91440" bIns="45720" anchor="b"/>
           <a:lstStyle>
             <a:lvl1pPr algn="l">
               <a:defRPr sz="1200"/>
             </a:lvl1pPr>
           </a:lstStyle>
           <a:p>
-            <a:endParaRPr lang="en-US"/>
+            <a:pPr lvl="0">
+              <a:defRPr/>
+            </a:pPr>
+            <a:r>
+              <a:rPr lang="ko-KR" altLang="en-US"/>
+              <a:t/>
+            </a:r>
+            <a:endParaRPr lang="ko-KR" altLang="en-US"/>
           </a:p>
         </p:txBody>
       </p:sp>
@@ -352,15 +390,21 @@
           </a:prstGeom>
         </p:spPr>
         <p:txBody>
-          <a:bodyPr vert="horz" lIns="91440" tIns="45720" rIns="91440" bIns="45720" rtlCol="0" anchor="b"/>
+          <a:bodyPr vert="horz" lIns="91440" tIns="45720" rIns="91440" bIns="45720" anchor="b"/>
           <a:lstStyle>
             <a:lvl1pPr algn="r">
               <a:defRPr sz="1200"/>
             </a:lvl1pPr>
           </a:lstStyle>
           <a:p>
+            <a:pPr lvl="0">
+              <a:defRPr/>
+            </a:pPr>
             <a:fld id="{1B5D126C-C773-4C24-B48A-A0FD99A0E4A8}" type="slidenum">
-              <a:rPr lang="en-US" smtClean="0"/>
+              <a:rPr lang="en-US"/>
+              <a:pPr lvl="0">
+                <a:defRPr/>
+              </a:pPr>
               <a:t>‹#›</a:t>
             </a:fld>
             <a:endParaRPr lang="en-US"/>
@@ -368,13 +412,9 @@
         </p:txBody>
       </p:sp>
     </p:spTree>
-    <p:extLst>
-      <p:ext uri="{BB962C8B-B14F-4D97-AF65-F5344CB8AC3E}">
-        <p14:creationId xmlns:p14="http://schemas.microsoft.com/office/powerpoint/2010/main" val="620602531"/>
-      </p:ext>
-    </p:extLst>
   </p:cSld>
   <p:clrMap bg1="lt1" tx1="dk1" bg2="lt2" tx2="dk2" accent1="accent1" accent2="accent2" accent3="accent3" accent4="accent4" accent5="accent5" accent6="accent6" hlink="hlink" folHlink="folHlink"/>
+  <p:hf hdr="0" ftr="0" dt="0"/>
   <p:notesStyle>
     <a:lvl1pPr marL="0" algn="l" defTabSz="914400" rtl="0" eaLnBrk="1" latinLnBrk="0" hangingPunct="1">
       <a:defRPr sz="1200" kern="1200">
@@ -4845,17 +4885,11 @@
 </file>
 
 <file path=ppt/slides/slide10.xml><?xml version="1.0" encoding="utf-8"?>
-<p:sld xmlns:a="http://schemas.openxmlformats.org/drawingml/2006/main" xmlns:r="http://schemas.openxmlformats.org/officeDocument/2006/relationships" xmlns:p="http://schemas.openxmlformats.org/presentationml/2006/main">
+<p:sld xmlns:r="http://schemas.openxmlformats.org/officeDocument/2006/relationships" xmlns:c="http://schemas.openxmlformats.org/drawingml/2006/chart" xmlns:a="http://schemas.openxmlformats.org/drawingml/2006/main" xmlns:dgm="http://schemas.openxmlformats.org/drawingml/2006/diagram" xmlns:dsp="http://schemas.microsoft.com/office/drawing/2008/diagram" xmlns:p="http://schemas.openxmlformats.org/presentationml/2006/main">
   <p:cSld>
     <p:spTree>
       <p:nvGrpSpPr>
-        <p:cNvPr id="1" name="">
-          <a:extLst>
-            <a:ext uri="{FF2B5EF4-FFF2-40B4-BE49-F238E27FC236}">
-              <a16:creationId xmlns:a16="http://schemas.microsoft.com/office/drawing/2014/main" id="{88FD41BA-7E46-C19E-471D-516AB34D95A5}"/>
-            </a:ext>
-          </a:extLst>
-        </p:cNvPr>
+        <p:cNvPr id="1" name=""/>
         <p:cNvGrpSpPr/>
         <p:nvPr/>
       </p:nvGrpSpPr>
@@ -4869,13 +4903,7 @@
       </p:grpSpPr>
       <p:sp>
         <p:nvSpPr>
-          <p:cNvPr id="4" name="Slide Number Placeholder 3">
-            <a:extLst>
-              <a:ext uri="{FF2B5EF4-FFF2-40B4-BE49-F238E27FC236}">
-                <a16:creationId xmlns:a16="http://schemas.microsoft.com/office/drawing/2014/main" id="{EE7159CD-6858-2FE9-A0B1-094BE25A96B1}"/>
-              </a:ext>
-            </a:extLst>
-          </p:cNvPr>
+          <p:cNvPr id="4" name="Slide Number Placeholder 3"/>
           <p:cNvSpPr>
             <a:spLocks noGrp="1"/>
           </p:cNvSpPr>
@@ -4888,8 +4916,14 @@
           <a:bodyPr/>
           <a:lstStyle/>
           <a:p>
+            <a:pPr lvl="0">
+              <a:defRPr/>
+            </a:pPr>
             <a:fld id="{5692316A-719A-48D9-85D6-6D363263384A}" type="slidenum">
-              <a:rPr lang="en-US" smtClean="0"/>
+              <a:rPr lang="en-US"/>
+              <a:pPr lvl="0">
+                <a:defRPr/>
+              </a:pPr>
               <a:t>10</a:t>
             </a:fld>
             <a:endParaRPr lang="en-US"/>
@@ -4898,23 +4932,17 @@
       </p:sp>
       <p:sp>
         <p:nvSpPr>
-          <p:cNvPr id="5" name="Title 1">
-            <a:extLst>
-              <a:ext uri="{FF2B5EF4-FFF2-40B4-BE49-F238E27FC236}">
-                <a16:creationId xmlns:a16="http://schemas.microsoft.com/office/drawing/2014/main" id="{17C0430B-4FB3-7396-9661-E5E007650C82}"/>
-              </a:ext>
-            </a:extLst>
-          </p:cNvPr>
-          <p:cNvSpPr>
-            <a:spLocks noGrp="1"/>
-          </p:cNvSpPr>
-          <p:nvPr>
-            <p:ph type="title"/>
+          <p:cNvPr id="5" name="Title 1"/>
+          <p:cNvSpPr>
+            <a:spLocks noGrp="1"/>
+          </p:cNvSpPr>
+          <p:nvPr>
+            <p:ph type="title" idx="0"/>
           </p:nvPr>
         </p:nvSpPr>
         <p:spPr>
           <a:xfrm>
-            <a:off x="685800" y="337988"/>
+            <a:off x="685800" y="286033"/>
             <a:ext cx="7772400" cy="921474"/>
           </a:xfrm>
         </p:spPr>
@@ -4922,23 +4950,92 @@
           <a:bodyPr/>
           <a:lstStyle/>
           <a:p>
-            <a:pPr algn="ctr"/>
-            <a:r>
-              <a:rPr lang="en-US"/>
-              <a:t>CLASSIFICATION: RESULTS</a:t>
-            </a:r>
-          </a:p>
-        </p:txBody>
-      </p:sp>
-      <p:sp>
-        <p:nvSpPr>
-          <p:cNvPr id="2" name="Content Placeholder 2">
-            <a:extLst>
-              <a:ext uri="{FF2B5EF4-FFF2-40B4-BE49-F238E27FC236}">
-                <a16:creationId xmlns:a16="http://schemas.microsoft.com/office/drawing/2014/main" id="{428F34DA-93E7-0C5E-507D-31EAC8E63461}"/>
-              </a:ext>
-            </a:extLst>
-          </p:cNvPr>
+            <a:pPr algn="ctr">
+              <a:defRPr/>
+            </a:pPr>
+            <a:r>
+              <a:rPr lang="en-US" altLang="ko-KR"/>
+              <a:t>Isolate plot</a:t>
+            </a:r>
+            <a:endParaRPr lang="en-US" altLang="ko-KR"/>
+          </a:p>
+        </p:txBody>
+      </p:sp>
+      <p:pic>
+        <p:nvPicPr>
+          <p:cNvPr id="13" name=""/>
+          <p:cNvPicPr>
+            <a:picLocks noChangeAspect="1"/>
+          </p:cNvPicPr>
+          <p:nvPr/>
+        </p:nvPicPr>
+        <p:blipFill rotWithShape="1">
+          <a:blip r:embed="rId2"/>
+          <a:stretch>
+            <a:fillRect/>
+          </a:stretch>
+        </p:blipFill>
+        <p:spPr>
+          <a:xfrm>
+            <a:off x="0" y="1500860"/>
+            <a:ext cx="6318317" cy="2187913"/>
+          </a:xfrm>
+          <a:prstGeom prst="rect">
+            <a:avLst/>
+          </a:prstGeom>
+        </p:spPr>
+      </p:pic>
+      <p:pic>
+        <p:nvPicPr>
+          <p:cNvPr id="14" name=""/>
+          <p:cNvPicPr>
+            <a:picLocks noChangeAspect="1"/>
+          </p:cNvPicPr>
+          <p:nvPr/>
+        </p:nvPicPr>
+        <p:blipFill rotWithShape="1">
+          <a:blip r:embed="rId3"/>
+          <a:stretch>
+            <a:fillRect/>
+          </a:stretch>
+        </p:blipFill>
+        <p:spPr>
+          <a:xfrm>
+            <a:off x="0" y="3923981"/>
+            <a:ext cx="6495915" cy="2357776"/>
+          </a:xfrm>
+          <a:prstGeom prst="rect">
+            <a:avLst/>
+          </a:prstGeom>
+        </p:spPr>
+      </p:pic>
+      <p:pic>
+        <p:nvPicPr>
+          <p:cNvPr id="15" name=""/>
+          <p:cNvPicPr>
+            <a:picLocks noChangeAspect="1"/>
+          </p:cNvPicPr>
+          <p:nvPr/>
+        </p:nvPicPr>
+        <p:blipFill rotWithShape="1">
+          <a:blip r:embed="rId4"/>
+          <a:stretch>
+            <a:fillRect/>
+          </a:stretch>
+        </p:blipFill>
+        <p:spPr>
+          <a:xfrm>
+            <a:off x="6248400" y="4058200"/>
+            <a:ext cx="2895600" cy="2333625"/>
+          </a:xfrm>
+          <a:prstGeom prst="rect">
+            <a:avLst/>
+          </a:prstGeom>
+        </p:spPr>
+      </p:pic>
+      <p:sp>
+        <p:nvSpPr>
+          <p:cNvPr id="16" name="Content Placeholder 2"/>
           <p:cNvSpPr>
             <a:spLocks noGrp="1"/>
           </p:cNvSpPr>
@@ -4948,69 +5045,61 @@
         </p:nvSpPr>
         <p:spPr>
           <a:xfrm>
-            <a:off x="685800" y="1523928"/>
-            <a:ext cx="3257550" cy="4648272"/>
+            <a:off x="6372225" y="2005408"/>
+            <a:ext cx="2936297" cy="1149999"/>
           </a:xfrm>
         </p:spPr>
         <p:txBody>
-          <a:bodyPr>
+          <a:bodyPr vert="horz" lIns="91440" tIns="45720" rIns="91440" bIns="45720">
             <a:normAutofit/>
           </a:bodyPr>
           <a:lstStyle/>
           <a:p>
             <a:pPr marL="0" indent="0">
               <a:buNone/>
-            </a:pPr>
-            <a:endParaRPr lang="en-US" sz="1800" b="1"/>
-          </a:p>
-          <a:p>
-            <a:endParaRPr lang="en-US" sz="1800" b="1"/>
-          </a:p>
-          <a:p>
-            <a:r>
-              <a:rPr lang="en-US" sz="1800" b="1"/>
-              <a:t>Accuracy</a:t>
-            </a:r>
-          </a:p>
-          <a:p>
-            <a:r>
-              <a:rPr lang="en-US" sz="1800" b="1"/>
-              <a:t>Parameter weight</a:t>
-            </a:r>
-          </a:p>
-          <a:p>
-            <a:r>
-              <a:rPr lang="en-US" sz="1800" b="1"/>
-              <a:t>Decision tree</a:t>
-            </a:r>
+              <a:defRPr/>
+            </a:pPr>
+            <a:r>
+              <a:rPr lang="en-US" altLang="ko-KR" sz="1800" b="1"/>
+              <a:t>Index: 33</a:t>
+            </a:r>
+            <a:endParaRPr lang="en-US" altLang="ko-KR" sz="1800" b="1"/>
+          </a:p>
+          <a:p>
+            <a:pPr marL="0" indent="0">
+              <a:buNone/>
+              <a:defRPr/>
+            </a:pPr>
+            <a:r>
+              <a:rPr lang="en-US" altLang="ko-KR" sz="1800" b="1"/>
+              <a:t>can detect the ‘normal’ label</a:t>
+            </a:r>
+            <a:endParaRPr lang="en-US" altLang="ko-KR" sz="1800" b="1"/>
           </a:p>
         </p:txBody>
       </p:sp>
     </p:spTree>
-    <p:extLst>
-      <p:ext uri="{BB962C8B-B14F-4D97-AF65-F5344CB8AC3E}">
-        <p14:creationId xmlns:p14="http://schemas.microsoft.com/office/powerpoint/2010/main" val="4183407988"/>
-      </p:ext>
-    </p:extLst>
   </p:cSld>
   <p:clrMapOvr>
     <a:masterClrMapping/>
   </p:clrMapOvr>
+  <mc:AlternateContent xmlns:mc="http://schemas.openxmlformats.org/markup-compatibility/2006">
+    <mc:Choice xmlns:p14="http://schemas.microsoft.com/office/powerpoint/2010/main" Requires="p14">
+      <p:transition xmlns:mc="http://schemas.openxmlformats.org/markup-compatibility/2006" xmlns:p14="http://schemas.microsoft.com/office/powerpoint/2010/main" mc:Ignorable="p14" p14:dur="500"/>
+    </mc:Choice>
+    <mc:Fallback>
+      <p:transition/>
+    </mc:Fallback>
+  </mc:AlternateContent>
 </p:sld>
 </file>
 
 <file path=ppt/slides/slide11.xml><?xml version="1.0" encoding="utf-8"?>
-<p:sld xmlns:a="http://schemas.openxmlformats.org/drawingml/2006/main" xmlns:r="http://schemas.openxmlformats.org/officeDocument/2006/relationships" xmlns:p="http://schemas.openxmlformats.org/presentationml/2006/main">
+<p:sld xmlns:r="http://schemas.openxmlformats.org/officeDocument/2006/relationships" xmlns:c="http://schemas.openxmlformats.org/drawingml/2006/chart" xmlns:a="http://schemas.openxmlformats.org/drawingml/2006/main" xmlns:dgm="http://schemas.openxmlformats.org/drawingml/2006/diagram" xmlns:dsp="http://schemas.microsoft.com/office/drawing/2008/diagram" xmlns:p="http://schemas.openxmlformats.org/presentationml/2006/main">
   <p:cSld>
     <p:spTree>
       <p:nvGrpSpPr>
-        <p:cNvPr id="1" name="">
-          <a:extLst>
-            <a:ext uri="{FF2B5EF4-FFF2-40B4-BE49-F238E27FC236}">
-              <a16:creationId xmlns:a16="http://schemas.microsoft.com/office/drawing/2014/main" id="{D59AD999-0A64-20AB-00FA-2DF59F4F1A2A}"/>
-            </a:ext>
-          </a:extLst>
-        </p:cNvPr>
+        <p:cNvPr id="1" name=""/>
         <p:cNvGrpSpPr/>
         <p:nvPr/>
       </p:nvGrpSpPr>
@@ -5024,13 +5113,7 @@
       </p:grpSpPr>
       <p:sp>
         <p:nvSpPr>
-          <p:cNvPr id="4" name="Slide Number Placeholder 3">
-            <a:extLst>
-              <a:ext uri="{FF2B5EF4-FFF2-40B4-BE49-F238E27FC236}">
-                <a16:creationId xmlns:a16="http://schemas.microsoft.com/office/drawing/2014/main" id="{575D2402-492C-22C8-542B-1CDA481AFE6C}"/>
-              </a:ext>
-            </a:extLst>
-          </p:cNvPr>
+          <p:cNvPr id="4" name="Slide Number Placeholder 3"/>
           <p:cNvSpPr>
             <a:spLocks noGrp="1"/>
           </p:cNvSpPr>
@@ -5043,9 +5126,15 @@
           <a:bodyPr/>
           <a:lstStyle/>
           <a:p>
+            <a:pPr lvl="0">
+              <a:defRPr/>
+            </a:pPr>
             <a:fld id="{5692316A-719A-48D9-85D6-6D363263384A}" type="slidenum">
-              <a:rPr lang="en-US" smtClean="0"/>
-              <a:t>11</a:t>
+              <a:rPr lang="en-US"/>
+              <a:pPr lvl="0">
+                <a:defRPr/>
+              </a:pPr>
+              <a:t>8</a:t>
             </a:fld>
             <a:endParaRPr lang="en-US"/>
           </a:p>
@@ -5053,18 +5142,12 @@
       </p:sp>
       <p:sp>
         <p:nvSpPr>
-          <p:cNvPr id="5" name="Title 1">
-            <a:extLst>
-              <a:ext uri="{FF2B5EF4-FFF2-40B4-BE49-F238E27FC236}">
-                <a16:creationId xmlns:a16="http://schemas.microsoft.com/office/drawing/2014/main" id="{63DE4570-184B-1DAE-F93E-F16B6B53DF7D}"/>
-              </a:ext>
-            </a:extLst>
-          </p:cNvPr>
-          <p:cNvSpPr>
-            <a:spLocks noGrp="1"/>
-          </p:cNvSpPr>
-          <p:nvPr>
-            <p:ph type="title"/>
+          <p:cNvPr id="5" name="Title 1"/>
+          <p:cNvSpPr>
+            <a:spLocks noGrp="1"/>
+          </p:cNvSpPr>
+          <p:nvPr>
+            <p:ph type="title" idx="0"/>
           </p:nvPr>
         </p:nvSpPr>
         <p:spPr>
@@ -5074,26 +5157,25 @@
           </a:xfrm>
         </p:spPr>
         <p:txBody>
-          <a:bodyPr/>
+          <a:bodyPr>
+            <a:normAutofit fontScale="90000"/>
+          </a:bodyPr>
           <a:lstStyle/>
           <a:p>
-            <a:pPr algn="ctr"/>
+            <a:pPr algn="ctr">
+              <a:defRPr/>
+            </a:pPr>
             <a:r>
               <a:rPr lang="en-US"/>
               <a:t>Regression: Random forest</a:t>
             </a:r>
-          </a:p>
-        </p:txBody>
-      </p:sp>
-      <p:sp>
-        <p:nvSpPr>
-          <p:cNvPr id="2" name="Content Placeholder 2">
-            <a:extLst>
-              <a:ext uri="{FF2B5EF4-FFF2-40B4-BE49-F238E27FC236}">
-                <a16:creationId xmlns:a16="http://schemas.microsoft.com/office/drawing/2014/main" id="{2EA542D0-BADD-B168-7B67-ADF2DECB3919}"/>
-              </a:ext>
-            </a:extLst>
-          </p:cNvPr>
+            <a:endParaRPr lang="en-US"/>
+          </a:p>
+        </p:txBody>
+      </p:sp>
+      <p:sp>
+        <p:nvSpPr>
+          <p:cNvPr id="2" name="Content Placeholder 2"/>
           <p:cNvSpPr>
             <a:spLocks noGrp="1"/>
           </p:cNvSpPr>
@@ -5113,46 +5195,60 @@
           </a:bodyPr>
           <a:lstStyle/>
           <a:p>
+            <a:pPr lvl="0">
+              <a:defRPr/>
+            </a:pPr>
             <a:r>
               <a:rPr lang="en-US" sz="1800"/>
               <a:t>Regression models the relationship between variables.</a:t>
             </a:r>
-          </a:p>
-          <a:p>
+            <a:endParaRPr lang="en-US" sz="1800"/>
+          </a:p>
+          <a:p>
+            <a:pPr lvl="0">
+              <a:defRPr/>
+            </a:pPr>
             <a:r>
               <a:rPr lang="en-US" sz="1800"/>
               <a:t>It assumes a linear relationship.</a:t>
             </a:r>
-          </a:p>
-          <a:p>
+            <a:endParaRPr lang="en-US" sz="1800"/>
+          </a:p>
+          <a:p>
+            <a:pPr lvl="0">
+              <a:defRPr/>
+            </a:pPr>
             <a:r>
               <a:rPr lang="en-US" sz="1800"/>
               <a:t>It aims to minimize the difference between observed and predicted values.</a:t>
             </a:r>
-          </a:p>
-          <a:p>
+            <a:endParaRPr lang="en-US" sz="1800"/>
+          </a:p>
+          <a:p>
+            <a:pPr lvl="0">
+              <a:defRPr/>
+            </a:pPr>
             <a:r>
               <a:rPr lang="en-US" sz="1800"/>
               <a:t>Parameters like slope and intercept are estimated.</a:t>
             </a:r>
-          </a:p>
-          <a:p>
+            <a:endParaRPr lang="en-US" sz="1800"/>
+          </a:p>
+          <a:p>
+            <a:pPr lvl="0">
+              <a:defRPr/>
+            </a:pPr>
             <a:r>
               <a:rPr lang="en-US" sz="1800"/>
               <a:t>Widely used in predictive modeling and understanding correlations.</a:t>
             </a:r>
+            <a:endParaRPr lang="en-US" sz="1800"/>
           </a:p>
         </p:txBody>
       </p:sp>
       <p:pic>
         <p:nvPicPr>
-          <p:cNvPr id="3" name="Picture 2">
-            <a:extLst>
-              <a:ext uri="{FF2B5EF4-FFF2-40B4-BE49-F238E27FC236}">
-                <a16:creationId xmlns:a16="http://schemas.microsoft.com/office/drawing/2014/main" id="{BA382AA3-45B2-3AED-7715-D4C9D65D71E1}"/>
-              </a:ext>
-            </a:extLst>
-          </p:cNvPr>
+          <p:cNvPr id="3" name="Picture 2"/>
           <p:cNvPicPr>
             <a:picLocks noChangeAspect="1"/>
           </p:cNvPicPr>
@@ -5167,20 +5263,11 @@
               </a:schemeClr>
               <a:prstClr val="white"/>
             </a:duotone>
-            <a:extLst>
-              <a:ext uri="{BEBA8EAE-BF5A-486C-A8C5-ECC9F3942E4B}">
-                <a14:imgProps xmlns:a14="http://schemas.microsoft.com/office/drawing/2010/main">
-                  <a14:imgLayer r:embed="rId3">
-                    <a14:imgEffect>
-                      <a14:brightnessContrast bright="40000" contrast="40000"/>
-                    </a14:imgEffect>
-                  </a14:imgLayer>
-                </a14:imgProps>
-              </a:ext>
-            </a:extLst>
           </a:blip>
-          <a:srcRect l="56122" t="10124" b="9751"/>
-          <a:stretch/>
+          <a:srcRect l="56120" t="10120" b="9750"/>
+          <a:stretch>
+            <a:fillRect/>
+          </a:stretch>
         </p:blipFill>
         <p:spPr>
           <a:xfrm>
@@ -5197,15 +5284,18 @@
         </p:spPr>
       </p:pic>
     </p:spTree>
-    <p:extLst>
-      <p:ext uri="{BB962C8B-B14F-4D97-AF65-F5344CB8AC3E}">
-        <p14:creationId xmlns:p14="http://schemas.microsoft.com/office/powerpoint/2010/main" val="736330508"/>
-      </p:ext>
-    </p:extLst>
   </p:cSld>
   <p:clrMapOvr>
     <a:masterClrMapping/>
   </p:clrMapOvr>
+  <mc:AlternateContent xmlns:mc="http://schemas.openxmlformats.org/markup-compatibility/2006">
+    <mc:Choice xmlns:p14="http://schemas.microsoft.com/office/powerpoint/2010/main" Requires="p14">
+      <p:transition xmlns:mc="http://schemas.openxmlformats.org/markup-compatibility/2006" xmlns:p14="http://schemas.microsoft.com/office/powerpoint/2010/main" mc:Ignorable="p14" p14:dur="500"/>
+    </mc:Choice>
+    <mc:Fallback>
+      <p:transition/>
+    </mc:Fallback>
+  </mc:AlternateContent>
 </p:sld>
 </file>
 
@@ -5344,477 +5434,7 @@
 </file>
 
 <file path=ppt/slides/slide2.xml><?xml version="1.0" encoding="utf-8"?>
-<p:sld xmlns:a="http://schemas.openxmlformats.org/drawingml/2006/main" xmlns:r="http://schemas.openxmlformats.org/officeDocument/2006/relationships" xmlns:p="http://schemas.openxmlformats.org/presentationml/2006/main">
-  <p:cSld>
-    <p:spTree>
-      <p:nvGrpSpPr>
-        <p:cNvPr id="1" name="">
-          <a:extLst>
-            <a:ext uri="{FF2B5EF4-FFF2-40B4-BE49-F238E27FC236}">
-              <a16:creationId xmlns:a16="http://schemas.microsoft.com/office/drawing/2014/main" id="{75A78A45-78B4-1465-41E6-CD33FCFC6219}"/>
-            </a:ext>
-          </a:extLst>
-        </p:cNvPr>
-        <p:cNvGrpSpPr/>
-        <p:nvPr/>
-      </p:nvGrpSpPr>
-      <p:grpSpPr>
-        <a:xfrm>
-          <a:off x="0" y="0"/>
-          <a:ext cx="0" cy="0"/>
-          <a:chOff x="0" y="0"/>
-          <a:chExt cx="0" cy="0"/>
-        </a:xfrm>
-      </p:grpSpPr>
-      <p:sp>
-        <p:nvSpPr>
-          <p:cNvPr id="2" name="Title 1">
-            <a:extLst>
-              <a:ext uri="{FF2B5EF4-FFF2-40B4-BE49-F238E27FC236}">
-                <a16:creationId xmlns:a16="http://schemas.microsoft.com/office/drawing/2014/main" id="{5512386F-A222-7133-0789-23278577BF86}"/>
-              </a:ext>
-            </a:extLst>
-          </p:cNvPr>
-          <p:cNvSpPr>
-            <a:spLocks noGrp="1"/>
-          </p:cNvSpPr>
-          <p:nvPr>
-            <p:ph type="title"/>
-          </p:nvPr>
-        </p:nvSpPr>
-        <p:spPr>
-          <a:xfrm>
-            <a:off x="685800" y="337988"/>
-            <a:ext cx="7772400" cy="921474"/>
-          </a:xfrm>
-        </p:spPr>
-        <p:txBody>
-          <a:bodyPr/>
-          <a:lstStyle/>
-          <a:p>
-            <a:pPr algn="ctr"/>
-            <a:r>
-              <a:rPr lang="en-US"/>
-              <a:t>Features from single data</a:t>
-            </a:r>
-          </a:p>
-        </p:txBody>
-      </p:sp>
-      <p:sp>
-        <p:nvSpPr>
-          <p:cNvPr id="4" name="Slide Number Placeholder 3">
-            <a:extLst>
-              <a:ext uri="{FF2B5EF4-FFF2-40B4-BE49-F238E27FC236}">
-                <a16:creationId xmlns:a16="http://schemas.microsoft.com/office/drawing/2014/main" id="{332D03D7-639B-00C5-70CF-EC803DBE3C5E}"/>
-              </a:ext>
-            </a:extLst>
-          </p:cNvPr>
-          <p:cNvSpPr>
-            <a:spLocks noGrp="1"/>
-          </p:cNvSpPr>
-          <p:nvPr>
-            <p:ph type="sldNum" sz="quarter" idx="12"/>
-          </p:nvPr>
-        </p:nvSpPr>
-        <p:spPr/>
-        <p:txBody>
-          <a:bodyPr/>
-          <a:lstStyle/>
-          <a:p>
-            <a:fld id="{5692316A-719A-48D9-85D6-6D363263384A}" type="slidenum">
-              <a:rPr lang="en-US" smtClean="0"/>
-              <a:t>2</a:t>
-            </a:fld>
-            <a:endParaRPr lang="en-US"/>
-          </a:p>
-        </p:txBody>
-      </p:sp>
-      <p:grpSp>
-        <p:nvGrpSpPr>
-          <p:cNvPr id="5" name="Group 4">
-            <a:extLst>
-              <a:ext uri="{FF2B5EF4-FFF2-40B4-BE49-F238E27FC236}">
-                <a16:creationId xmlns:a16="http://schemas.microsoft.com/office/drawing/2014/main" id="{EE484032-55EB-2E3F-2C83-E2144BD76DC1}"/>
-              </a:ext>
-            </a:extLst>
-          </p:cNvPr>
-          <p:cNvGrpSpPr>
-            <a:grpSpLocks noChangeAspect="1"/>
-          </p:cNvGrpSpPr>
-          <p:nvPr/>
-        </p:nvGrpSpPr>
-        <p:grpSpPr>
-          <a:xfrm>
-            <a:off x="996711" y="1254083"/>
-            <a:ext cx="7150577" cy="5383827"/>
-            <a:chOff x="517048" y="1585943"/>
-            <a:chExt cx="6599440" cy="4968864"/>
-          </a:xfrm>
-        </p:grpSpPr>
-        <p:pic>
-          <p:nvPicPr>
-            <p:cNvPr id="1032" name="Picture 8">
-              <a:extLst>
-                <a:ext uri="{FF2B5EF4-FFF2-40B4-BE49-F238E27FC236}">
-                  <a16:creationId xmlns:a16="http://schemas.microsoft.com/office/drawing/2014/main" id="{A693CBCD-B9BA-2013-9D9B-C7366471B466}"/>
-                </a:ext>
-              </a:extLst>
-            </p:cNvPr>
-            <p:cNvPicPr>
-              <a:picLocks noChangeAspect="1" noChangeArrowheads="1"/>
-            </p:cNvPicPr>
-            <p:nvPr/>
-          </p:nvPicPr>
-          <p:blipFill>
-            <a:blip r:embed="rId2">
-              <a:extLst>
-                <a:ext uri="{28A0092B-C50C-407E-A947-70E740481C1C}">
-                  <a14:useLocalDpi xmlns:a14="http://schemas.microsoft.com/office/drawing/2010/main" val="0"/>
-                </a:ext>
-              </a:extLst>
-            </a:blip>
-            <a:srcRect/>
-            <a:stretch>
-              <a:fillRect/>
-            </a:stretch>
-          </p:blipFill>
-          <p:spPr bwMode="auto">
-            <a:xfrm>
-              <a:off x="517048" y="1585943"/>
-              <a:ext cx="3299535" cy="2403708"/>
-            </a:xfrm>
-            <a:prstGeom prst="rect">
-              <a:avLst/>
-            </a:prstGeom>
-            <a:noFill/>
-            <a:extLst>
-              <a:ext uri="{909E8E84-426E-40DD-AFC4-6F175D3DCCD1}">
-                <a14:hiddenFill xmlns:a14="http://schemas.microsoft.com/office/drawing/2010/main">
-                  <a:solidFill>
-                    <a:srgbClr val="FFFFFF"/>
-                  </a:solidFill>
-                </a14:hiddenFill>
-              </a:ext>
-            </a:extLst>
-          </p:spPr>
-        </p:pic>
-        <p:pic>
-          <p:nvPicPr>
-            <p:cNvPr id="1034" name="Picture 10">
-              <a:extLst>
-                <a:ext uri="{FF2B5EF4-FFF2-40B4-BE49-F238E27FC236}">
-                  <a16:creationId xmlns:a16="http://schemas.microsoft.com/office/drawing/2014/main" id="{E3FE218A-6B75-2E1E-6751-58DC49F115B5}"/>
-                </a:ext>
-              </a:extLst>
-            </p:cNvPr>
-            <p:cNvPicPr>
-              <a:picLocks noChangeAspect="1" noChangeArrowheads="1"/>
-            </p:cNvPicPr>
-            <p:nvPr/>
-          </p:nvPicPr>
-          <p:blipFill>
-            <a:blip r:embed="rId3">
-              <a:extLst>
-                <a:ext uri="{28A0092B-C50C-407E-A947-70E740481C1C}">
-                  <a14:useLocalDpi xmlns:a14="http://schemas.microsoft.com/office/drawing/2010/main" val="0"/>
-                </a:ext>
-              </a:extLst>
-            </a:blip>
-            <a:srcRect/>
-            <a:stretch>
-              <a:fillRect/>
-            </a:stretch>
-          </p:blipFill>
-          <p:spPr bwMode="auto">
-            <a:xfrm>
-              <a:off x="3816583" y="1585943"/>
-              <a:ext cx="3299535" cy="2403708"/>
-            </a:xfrm>
-            <a:prstGeom prst="rect">
-              <a:avLst/>
-            </a:prstGeom>
-            <a:noFill/>
-            <a:extLst>
-              <a:ext uri="{909E8E84-426E-40DD-AFC4-6F175D3DCCD1}">
-                <a14:hiddenFill xmlns:a14="http://schemas.microsoft.com/office/drawing/2010/main">
-                  <a:solidFill>
-                    <a:srgbClr val="FFFFFF"/>
-                  </a:solidFill>
-                </a14:hiddenFill>
-              </a:ext>
-            </a:extLst>
-          </p:spPr>
-        </p:pic>
-        <p:pic>
-          <p:nvPicPr>
-            <p:cNvPr id="1038" name="Picture 14">
-              <a:extLst>
-                <a:ext uri="{FF2B5EF4-FFF2-40B4-BE49-F238E27FC236}">
-                  <a16:creationId xmlns:a16="http://schemas.microsoft.com/office/drawing/2014/main" id="{6BF27BDF-3F69-A54F-7715-FF97F3137709}"/>
-                </a:ext>
-              </a:extLst>
-            </p:cNvPr>
-            <p:cNvPicPr>
-              <a:picLocks noChangeAspect="1" noChangeArrowheads="1"/>
-            </p:cNvPicPr>
-            <p:nvPr/>
-          </p:nvPicPr>
-          <p:blipFill>
-            <a:blip r:embed="rId4">
-              <a:extLst>
-                <a:ext uri="{28A0092B-C50C-407E-A947-70E740481C1C}">
-                  <a14:useLocalDpi xmlns:a14="http://schemas.microsoft.com/office/drawing/2010/main" val="0"/>
-                </a:ext>
-              </a:extLst>
-            </a:blip>
-            <a:srcRect/>
-            <a:stretch>
-              <a:fillRect/>
-            </a:stretch>
-          </p:blipFill>
-          <p:spPr bwMode="auto">
-            <a:xfrm>
-              <a:off x="517048" y="4022839"/>
-              <a:ext cx="3299535" cy="2531684"/>
-            </a:xfrm>
-            <a:prstGeom prst="rect">
-              <a:avLst/>
-            </a:prstGeom>
-            <a:noFill/>
-            <a:extLst>
-              <a:ext uri="{909E8E84-426E-40DD-AFC4-6F175D3DCCD1}">
-                <a14:hiddenFill xmlns:a14="http://schemas.microsoft.com/office/drawing/2010/main">
-                  <a:solidFill>
-                    <a:srgbClr val="FFFFFF"/>
-                  </a:solidFill>
-                </a14:hiddenFill>
-              </a:ext>
-            </a:extLst>
-          </p:spPr>
-        </p:pic>
-        <p:pic>
-          <p:nvPicPr>
-            <p:cNvPr id="2050" name="Picture 2">
-              <a:extLst>
-                <a:ext uri="{FF2B5EF4-FFF2-40B4-BE49-F238E27FC236}">
-                  <a16:creationId xmlns:a16="http://schemas.microsoft.com/office/drawing/2014/main" id="{A8AFAAD3-AE53-1EAF-3664-B36FCC702259}"/>
-                </a:ext>
-              </a:extLst>
-            </p:cNvPr>
-            <p:cNvPicPr>
-              <a:picLocks noChangeAspect="1" noChangeArrowheads="1"/>
-            </p:cNvPicPr>
-            <p:nvPr/>
-          </p:nvPicPr>
-          <p:blipFill>
-            <a:blip r:embed="rId5">
-              <a:extLst>
-                <a:ext uri="{28A0092B-C50C-407E-A947-70E740481C1C}">
-                  <a14:useLocalDpi xmlns:a14="http://schemas.microsoft.com/office/drawing/2010/main" val="0"/>
-                </a:ext>
-              </a:extLst>
-            </a:blip>
-            <a:srcRect/>
-            <a:stretch>
-              <a:fillRect/>
-            </a:stretch>
-          </p:blipFill>
-          <p:spPr bwMode="auto">
-            <a:xfrm>
-              <a:off x="3816583" y="4022839"/>
-              <a:ext cx="3299905" cy="2531968"/>
-            </a:xfrm>
-            <a:prstGeom prst="rect">
-              <a:avLst/>
-            </a:prstGeom>
-            <a:noFill/>
-            <a:extLst>
-              <a:ext uri="{909E8E84-426E-40DD-AFC4-6F175D3DCCD1}">
-                <a14:hiddenFill xmlns:a14="http://schemas.microsoft.com/office/drawing/2010/main">
-                  <a:solidFill>
-                    <a:srgbClr val="FFFFFF"/>
-                  </a:solidFill>
-                </a14:hiddenFill>
-              </a:ext>
-            </a:extLst>
-          </p:spPr>
-        </p:pic>
-      </p:grpSp>
-      <p:sp>
-        <p:nvSpPr>
-          <p:cNvPr id="6" name="TextBox 5">
-            <a:extLst>
-              <a:ext uri="{FF2B5EF4-FFF2-40B4-BE49-F238E27FC236}">
-                <a16:creationId xmlns:a16="http://schemas.microsoft.com/office/drawing/2014/main" id="{99952E18-A26A-68B6-135E-EFCD89E3E33F}"/>
-              </a:ext>
-            </a:extLst>
-          </p:cNvPr>
-          <p:cNvSpPr txBox="1"/>
-          <p:nvPr/>
-        </p:nvSpPr>
-        <p:spPr>
-          <a:xfrm>
-            <a:off x="1532019" y="1317583"/>
-            <a:ext cx="333375" cy="369332"/>
-          </a:xfrm>
-          <a:prstGeom prst="rect">
-            <a:avLst/>
-          </a:prstGeom>
-          <a:noFill/>
-        </p:spPr>
-        <p:txBody>
-          <a:bodyPr wrap="square" rtlCol="0">
-            <a:spAutoFit/>
-          </a:bodyPr>
-          <a:lstStyle/>
-          <a:p>
-            <a:pPr algn="ctr"/>
-            <a:r>
-              <a:rPr lang="en-US">
-                <a:solidFill>
-                  <a:srgbClr val="C00000"/>
-                </a:solidFill>
-              </a:rPr>
-              <a:t>1</a:t>
-            </a:r>
-          </a:p>
-        </p:txBody>
-      </p:sp>
-      <p:sp>
-        <p:nvSpPr>
-          <p:cNvPr id="7" name="TextBox 6">
-            <a:extLst>
-              <a:ext uri="{FF2B5EF4-FFF2-40B4-BE49-F238E27FC236}">
-                <a16:creationId xmlns:a16="http://schemas.microsoft.com/office/drawing/2014/main" id="{727E9184-147C-59E3-C803-1055485B48F2}"/>
-              </a:ext>
-            </a:extLst>
-          </p:cNvPr>
-          <p:cNvSpPr txBox="1"/>
-          <p:nvPr/>
-        </p:nvSpPr>
-        <p:spPr>
-          <a:xfrm>
-            <a:off x="5107107" y="1317583"/>
-            <a:ext cx="333375" cy="369332"/>
-          </a:xfrm>
-          <a:prstGeom prst="rect">
-            <a:avLst/>
-          </a:prstGeom>
-          <a:noFill/>
-        </p:spPr>
-        <p:txBody>
-          <a:bodyPr wrap="square" rtlCol="0">
-            <a:spAutoFit/>
-          </a:bodyPr>
-          <a:lstStyle/>
-          <a:p>
-            <a:pPr algn="ctr"/>
-            <a:r>
-              <a:rPr lang="en-US">
-                <a:solidFill>
-                  <a:srgbClr val="C00000"/>
-                </a:solidFill>
-              </a:rPr>
-              <a:t>2</a:t>
-            </a:r>
-          </a:p>
-        </p:txBody>
-      </p:sp>
-      <p:sp>
-        <p:nvSpPr>
-          <p:cNvPr id="8" name="TextBox 7">
-            <a:extLst>
-              <a:ext uri="{FF2B5EF4-FFF2-40B4-BE49-F238E27FC236}">
-                <a16:creationId xmlns:a16="http://schemas.microsoft.com/office/drawing/2014/main" id="{87A764BE-0B26-9C96-DC25-97D657BB74F3}"/>
-              </a:ext>
-            </a:extLst>
-          </p:cNvPr>
-          <p:cNvSpPr txBox="1"/>
-          <p:nvPr/>
-        </p:nvSpPr>
-        <p:spPr>
-          <a:xfrm>
-            <a:off x="1532019" y="4091263"/>
-            <a:ext cx="333375" cy="369332"/>
-          </a:xfrm>
-          <a:prstGeom prst="rect">
-            <a:avLst/>
-          </a:prstGeom>
-          <a:noFill/>
-        </p:spPr>
-        <p:txBody>
-          <a:bodyPr wrap="square" rtlCol="0">
-            <a:spAutoFit/>
-          </a:bodyPr>
-          <a:lstStyle/>
-          <a:p>
-            <a:pPr algn="ctr"/>
-            <a:r>
-              <a:rPr lang="en-US">
-                <a:solidFill>
-                  <a:srgbClr val="C00000"/>
-                </a:solidFill>
-              </a:rPr>
-              <a:t>3</a:t>
-            </a:r>
-          </a:p>
-        </p:txBody>
-      </p:sp>
-      <p:sp>
-        <p:nvSpPr>
-          <p:cNvPr id="9" name="TextBox 8">
-            <a:extLst>
-              <a:ext uri="{FF2B5EF4-FFF2-40B4-BE49-F238E27FC236}">
-                <a16:creationId xmlns:a16="http://schemas.microsoft.com/office/drawing/2014/main" id="{2CDE974E-592A-8B28-0FB8-CD8E9A56D491}"/>
-              </a:ext>
-            </a:extLst>
-          </p:cNvPr>
-          <p:cNvSpPr txBox="1"/>
-          <p:nvPr/>
-        </p:nvSpPr>
-        <p:spPr>
-          <a:xfrm>
-            <a:off x="5107107" y="4091263"/>
-            <a:ext cx="333375" cy="369332"/>
-          </a:xfrm>
-          <a:prstGeom prst="rect">
-            <a:avLst/>
-          </a:prstGeom>
-          <a:noFill/>
-        </p:spPr>
-        <p:txBody>
-          <a:bodyPr wrap="square" rtlCol="0">
-            <a:spAutoFit/>
-          </a:bodyPr>
-          <a:lstStyle/>
-          <a:p>
-            <a:pPr algn="ctr"/>
-            <a:r>
-              <a:rPr lang="en-US">
-                <a:solidFill>
-                  <a:srgbClr val="C00000"/>
-                </a:solidFill>
-              </a:rPr>
-              <a:t>4</a:t>
-            </a:r>
-          </a:p>
-        </p:txBody>
-      </p:sp>
-    </p:spTree>
-    <p:extLst>
-      <p:ext uri="{BB962C8B-B14F-4D97-AF65-F5344CB8AC3E}">
-        <p14:creationId xmlns:p14="http://schemas.microsoft.com/office/powerpoint/2010/main" val="557078964"/>
-      </p:ext>
-    </p:extLst>
-  </p:cSld>
-  <p:clrMapOvr>
-    <a:masterClrMapping/>
-  </p:clrMapOvr>
-</p:sld>
-</file>
-
-<file path=ppt/slides/slide3.xml><?xml version="1.0" encoding="utf-8"?>
-<p:sld xmlns:a="http://schemas.openxmlformats.org/drawingml/2006/main" xmlns:r="http://schemas.openxmlformats.org/officeDocument/2006/relationships" xmlns:p="http://schemas.openxmlformats.org/presentationml/2006/main">
+<p:sld xmlns:r="http://schemas.openxmlformats.org/officeDocument/2006/relationships" xmlns:c="http://schemas.openxmlformats.org/drawingml/2006/chart" xmlns:a="http://schemas.openxmlformats.org/drawingml/2006/main" xmlns:dgm="http://schemas.openxmlformats.org/drawingml/2006/diagram" xmlns:dsp="http://schemas.microsoft.com/office/drawing/2008/diagram" xmlns:p="http://schemas.openxmlformats.org/presentationml/2006/main">
   <p:cSld>
     <p:spTree>
       <p:nvGrpSpPr>
@@ -5832,13 +5452,40 @@
       </p:grpSpPr>
       <p:sp>
         <p:nvSpPr>
-          <p:cNvPr id="4" name="Slide Number Placeholder 3">
-            <a:extLst>
-              <a:ext uri="{FF2B5EF4-FFF2-40B4-BE49-F238E27FC236}">
-                <a16:creationId xmlns:a16="http://schemas.microsoft.com/office/drawing/2014/main" id="{A6A9C35C-8461-4B5E-BEEB-8A9A12D29625}"/>
-              </a:ext>
-            </a:extLst>
-          </p:cNvPr>
+          <p:cNvPr id="2" name="Title 1"/>
+          <p:cNvSpPr>
+            <a:spLocks noGrp="1"/>
+          </p:cNvSpPr>
+          <p:nvPr>
+            <p:ph type="title" idx="0"/>
+          </p:nvPr>
+        </p:nvSpPr>
+        <p:spPr>
+          <a:xfrm>
+            <a:off x="685800" y="337988"/>
+            <a:ext cx="7772400" cy="921474"/>
+          </a:xfrm>
+        </p:spPr>
+        <p:txBody>
+          <a:bodyPr>
+            <a:normAutofit fontScale="90000"/>
+          </a:bodyPr>
+          <a:lstStyle/>
+          <a:p>
+            <a:pPr algn="ctr">
+              <a:defRPr/>
+            </a:pPr>
+            <a:r>
+              <a:rPr lang="en-US"/>
+              <a:t>Features from single data</a:t>
+            </a:r>
+            <a:endParaRPr lang="en-US"/>
+          </a:p>
+        </p:txBody>
+      </p:sp>
+      <p:sp>
+        <p:nvSpPr>
+          <p:cNvPr id="4" name="Slide Number Placeholder 3"/>
           <p:cNvSpPr>
             <a:spLocks noGrp="1"/>
           </p:cNvSpPr>
@@ -5851,64 +5498,151 @@
           <a:bodyPr/>
           <a:lstStyle/>
           <a:p>
+            <a:pPr lvl="0">
+              <a:defRPr/>
+            </a:pPr>
             <a:fld id="{5692316A-719A-48D9-85D6-6D363263384A}" type="slidenum">
-              <a:rPr lang="en-US" smtClean="0"/>
-              <a:t>3</a:t>
+              <a:rPr lang="en-US"/>
+              <a:pPr lvl="0">
+                <a:defRPr/>
+              </a:pPr>
+              <a:t>2</a:t>
             </a:fld>
             <a:endParaRPr lang="en-US"/>
           </a:p>
         </p:txBody>
       </p:sp>
-      <p:sp>
-        <p:nvSpPr>
-          <p:cNvPr id="5" name="Title 1">
-            <a:extLst>
-              <a:ext uri="{FF2B5EF4-FFF2-40B4-BE49-F238E27FC236}">
-                <a16:creationId xmlns:a16="http://schemas.microsoft.com/office/drawing/2014/main" id="{5AA1EDDE-0257-7B32-8FA3-DE3546E3601C}"/>
-              </a:ext>
-            </a:extLst>
-          </p:cNvPr>
-          <p:cNvSpPr>
-            <a:spLocks noGrp="1"/>
-          </p:cNvSpPr>
-          <p:nvPr>
-            <p:ph type="title"/>
-          </p:nvPr>
-        </p:nvSpPr>
-        <p:spPr>
-          <a:xfrm>
-            <a:off x="685800" y="337988"/>
-            <a:ext cx="7772400" cy="921474"/>
-          </a:xfrm>
-        </p:spPr>
-        <p:txBody>
-          <a:bodyPr/>
-          <a:lstStyle/>
-          <a:p>
-            <a:pPr algn="ctr"/>
-            <a:r>
-              <a:rPr lang="en-US"/>
-              <a:t>stack whole data</a:t>
-            </a:r>
-          </a:p>
-        </p:txBody>
-      </p:sp>
-      <p:sp>
-        <p:nvSpPr>
-          <p:cNvPr id="6" name="TextBox 5">
-            <a:extLst>
-              <a:ext uri="{FF2B5EF4-FFF2-40B4-BE49-F238E27FC236}">
-                <a16:creationId xmlns:a16="http://schemas.microsoft.com/office/drawing/2014/main" id="{F8414CBD-EB1F-0B04-CEAF-A2AC1FC2E39B}"/>
-              </a:ext>
-            </a:extLst>
-          </p:cNvPr>
+      <p:grpSp>
+        <p:nvGrpSpPr>
+          <p:cNvPr id="5" name="Group 4"/>
+          <p:cNvGrpSpPr>
+            <a:grpSpLocks noChangeAspect="1"/>
+          </p:cNvGrpSpPr>
+          <p:nvPr/>
+        </p:nvGrpSpPr>
+        <p:grpSpPr>
+          <a:xfrm rot="0">
+            <a:off x="996711" y="1254083"/>
+            <a:ext cx="7150577" cy="5383827"/>
+            <a:chOff x="517048" y="1585943"/>
+            <a:chExt cx="6599440" cy="4968864"/>
+          </a:xfrm>
+        </p:grpSpPr>
+        <p:pic>
+          <p:nvPicPr>
+            <p:cNvPr id="1032" name="Picture 8"/>
+            <p:cNvPicPr>
+              <a:picLocks noChangeAspect="1" noChangeArrowheads="1"/>
+            </p:cNvPicPr>
+            <p:nvPr/>
+          </p:nvPicPr>
+          <p:blipFill rotWithShape="1">
+            <a:blip r:embed="rId2"/>
+            <a:srcRect/>
+            <a:stretch>
+              <a:fillRect/>
+            </a:stretch>
+          </p:blipFill>
+          <p:spPr>
+            <a:xfrm>
+              <a:off x="517048" y="1585943"/>
+              <a:ext cx="3299535" cy="2403708"/>
+            </a:xfrm>
+            <a:prstGeom prst="rect">
+              <a:avLst/>
+            </a:prstGeom>
+            <a:noFill/>
+          </p:spPr>
+        </p:pic>
+        <p:pic>
+          <p:nvPicPr>
+            <p:cNvPr id="1034" name="Picture 10"/>
+            <p:cNvPicPr>
+              <a:picLocks noChangeAspect="1" noChangeArrowheads="1"/>
+            </p:cNvPicPr>
+            <p:nvPr/>
+          </p:nvPicPr>
+          <p:blipFill rotWithShape="1">
+            <a:blip r:embed="rId3"/>
+            <a:srcRect/>
+            <a:stretch>
+              <a:fillRect/>
+            </a:stretch>
+          </p:blipFill>
+          <p:spPr>
+            <a:xfrm>
+              <a:off x="3816583" y="1585943"/>
+              <a:ext cx="3299535" cy="2403708"/>
+            </a:xfrm>
+            <a:prstGeom prst="rect">
+              <a:avLst/>
+            </a:prstGeom>
+            <a:noFill/>
+          </p:spPr>
+        </p:pic>
+        <p:pic>
+          <p:nvPicPr>
+            <p:cNvPr id="1038" name="Picture 14"/>
+            <p:cNvPicPr>
+              <a:picLocks noChangeAspect="1" noChangeArrowheads="1"/>
+            </p:cNvPicPr>
+            <p:nvPr/>
+          </p:nvPicPr>
+          <p:blipFill rotWithShape="1">
+            <a:blip r:embed="rId4"/>
+            <a:srcRect/>
+            <a:stretch>
+              <a:fillRect/>
+            </a:stretch>
+          </p:blipFill>
+          <p:spPr>
+            <a:xfrm>
+              <a:off x="517048" y="4022839"/>
+              <a:ext cx="3299535" cy="2531684"/>
+            </a:xfrm>
+            <a:prstGeom prst="rect">
+              <a:avLst/>
+            </a:prstGeom>
+            <a:noFill/>
+          </p:spPr>
+        </p:pic>
+        <p:pic>
+          <p:nvPicPr>
+            <p:cNvPr id="2050" name="Picture 2"/>
+            <p:cNvPicPr>
+              <a:picLocks noChangeAspect="1" noChangeArrowheads="1"/>
+            </p:cNvPicPr>
+            <p:nvPr/>
+          </p:nvPicPr>
+          <p:blipFill rotWithShape="1">
+            <a:blip r:embed="rId5"/>
+            <a:srcRect/>
+            <a:stretch>
+              <a:fillRect/>
+            </a:stretch>
+          </p:blipFill>
+          <p:spPr>
+            <a:xfrm>
+              <a:off x="3816583" y="4022839"/>
+              <a:ext cx="3299905" cy="2531968"/>
+            </a:xfrm>
+            <a:prstGeom prst="rect">
+              <a:avLst/>
+            </a:prstGeom>
+            <a:noFill/>
+          </p:spPr>
+        </p:pic>
+      </p:grpSp>
+      <p:sp>
+        <p:nvSpPr>
+          <p:cNvPr id="6" name="TextBox 5"/>
           <p:cNvSpPr txBox="1"/>
           <p:nvPr/>
         </p:nvSpPr>
         <p:spPr>
           <a:xfrm>
-            <a:off x="5555411" y="2603422"/>
-            <a:ext cx="3338423" cy="369332"/>
+            <a:off x="1532019" y="1317583"/>
+            <a:ext cx="333375" cy="369332"/>
           </a:xfrm>
           <a:prstGeom prst="rect">
             <a:avLst/>
@@ -5916,114 +5650,40 @@
           <a:noFill/>
         </p:spPr>
         <p:txBody>
-          <a:bodyPr wrap="square" rtlCol="0">
+          <a:bodyPr wrap="square">
             <a:spAutoFit/>
           </a:bodyPr>
           <a:lstStyle/>
           <a:p>
-            <a:r>
-              <a:rPr lang="en-US"/>
-              <a:t>[x</a:t>
-            </a:r>
-            <a:r>
-              <a:rPr lang="en-US" baseline="-25000"/>
-              <a:t>1 </a:t>
-            </a:r>
-            <a:r>
-              <a:rPr lang="en-US"/>
-              <a:t>x</a:t>
-            </a:r>
-            <a:r>
-              <a:rPr lang="en-US" baseline="-25000"/>
-              <a:t>2</a:t>
-            </a:r>
-            <a:r>
-              <a:rPr lang="en-US"/>
-              <a:t> x</a:t>
-            </a:r>
-            <a:r>
-              <a:rPr lang="en-US" baseline="-25000"/>
-              <a:t>3</a:t>
-            </a:r>
-            <a:r>
-              <a:rPr lang="en-US"/>
-              <a:t> x</a:t>
-            </a:r>
-            <a:r>
-              <a:rPr lang="en-US" baseline="-25000"/>
-              <a:t>4</a:t>
-            </a:r>
-            <a:r>
-              <a:rPr lang="en-US"/>
-              <a:t> x</a:t>
-            </a:r>
-            <a:r>
-              <a:rPr lang="en-US" baseline="-25000"/>
-              <a:t>5</a:t>
-            </a:r>
-            <a:r>
-              <a:rPr lang="en-US"/>
-              <a:t> y</a:t>
-            </a:r>
-            <a:r>
-              <a:rPr lang="en-US" baseline="-25000"/>
+            <a:pPr algn="ctr">
+              <a:defRPr/>
+            </a:pPr>
+            <a:r>
+              <a:rPr lang="en-US">
+                <a:solidFill>
+                  <a:srgbClr val="c00000"/>
+                </a:solidFill>
+              </a:rPr>
               <a:t>1</a:t>
             </a:r>
-            <a:r>
-              <a:rPr lang="en-US"/>
-              <a:t> y</a:t>
-            </a:r>
-            <a:r>
-              <a:rPr lang="en-US" baseline="-25000"/>
-              <a:t>2</a:t>
-            </a:r>
-            <a:r>
-              <a:rPr lang="en-US"/>
-              <a:t> y</a:t>
-            </a:r>
-            <a:r>
-              <a:rPr lang="en-US" baseline="-25000"/>
-              <a:t>3</a:t>
-            </a:r>
-            <a:r>
-              <a:rPr lang="en-US"/>
-              <a:t> y</a:t>
-            </a:r>
-            <a:r>
-              <a:rPr lang="en-US" baseline="-25000"/>
-              <a:t>4</a:t>
-            </a:r>
-            <a:r>
-              <a:rPr lang="en-US"/>
-              <a:t> y</a:t>
-            </a:r>
-            <a:r>
-              <a:rPr lang="en-US" baseline="-25000"/>
-              <a:t>5</a:t>
-            </a:r>
-            <a:r>
-              <a:rPr lang="en-US"/>
-              <a:t>]</a:t>
-            </a:r>
-          </a:p>
-        </p:txBody>
-      </p:sp>
-      <p:sp>
-        <p:nvSpPr>
-          <p:cNvPr id="7" name="TextBox 6">
-            <a:extLst>
-              <a:ext uri="{FF2B5EF4-FFF2-40B4-BE49-F238E27FC236}">
-                <a16:creationId xmlns:a16="http://schemas.microsoft.com/office/drawing/2014/main" id="{30EE1911-9F1D-A789-132F-B2CB7F7813EB}"/>
-              </a:ext>
-            </a:extLst>
-          </p:cNvPr>
+            <a:endParaRPr lang="en-US">
+              <a:solidFill>
+                <a:srgbClr val="c00000"/>
+              </a:solidFill>
+            </a:endParaRPr>
+          </a:p>
+        </p:txBody>
+      </p:sp>
+      <p:sp>
+        <p:nvSpPr>
+          <p:cNvPr id="7" name="TextBox 6"/>
           <p:cNvSpPr txBox="1"/>
           <p:nvPr/>
         </p:nvSpPr>
         <p:spPr>
           <a:xfrm>
-            <a:off x="5555411" y="2234090"/>
-            <a:ext cx="1483743" cy="369332"/>
+            <a:off x="5107107" y="1317583"/>
+            <a:ext cx="333375" cy="369332"/>
           </a:xfrm>
           <a:prstGeom prst="rect">
             <a:avLst/>
@@ -6031,39 +5691,40 @@
           <a:noFill/>
         </p:spPr>
         <p:txBody>
-          <a:bodyPr wrap="square" rtlCol="0">
+          <a:bodyPr wrap="square">
             <a:spAutoFit/>
           </a:bodyPr>
           <a:lstStyle/>
           <a:p>
-            <a:r>
-              <a:rPr lang="en-US" b="1">
+            <a:pPr algn="ctr">
+              <a:defRPr/>
+            </a:pPr>
+            <a:r>
+              <a:rPr lang="en-US">
                 <a:solidFill>
-                  <a:srgbClr val="C00000"/>
+                  <a:srgbClr val="c00000"/>
                 </a:solidFill>
               </a:rPr>
-              <a:t>Single data</a:t>
-            </a:r>
-            <a:endParaRPr lang="en-US"/>
-          </a:p>
-        </p:txBody>
-      </p:sp>
-      <p:sp>
-        <p:nvSpPr>
-          <p:cNvPr id="10" name="TextBox 9">
-            <a:extLst>
-              <a:ext uri="{FF2B5EF4-FFF2-40B4-BE49-F238E27FC236}">
-                <a16:creationId xmlns:a16="http://schemas.microsoft.com/office/drawing/2014/main" id="{8BD79A12-8BFC-A85F-BCD5-168BB4885BB9}"/>
-              </a:ext>
-            </a:extLst>
-          </p:cNvPr>
+              <a:t>2</a:t>
+            </a:r>
+            <a:endParaRPr lang="en-US">
+              <a:solidFill>
+                <a:srgbClr val="c00000"/>
+              </a:solidFill>
+            </a:endParaRPr>
+          </a:p>
+        </p:txBody>
+      </p:sp>
+      <p:sp>
+        <p:nvSpPr>
+          <p:cNvPr id="8" name="TextBox 7"/>
           <p:cNvSpPr txBox="1"/>
           <p:nvPr/>
         </p:nvSpPr>
         <p:spPr>
           <a:xfrm>
-            <a:off x="5555410" y="3768137"/>
-            <a:ext cx="3338423" cy="1477328"/>
+            <a:off x="1532019" y="4091263"/>
+            <a:ext cx="333375" cy="369332"/>
           </a:xfrm>
           <a:prstGeom prst="rect">
             <a:avLst/>
@@ -6071,394 +5732,40 @@
           <a:noFill/>
         </p:spPr>
         <p:txBody>
-          <a:bodyPr wrap="square" rtlCol="0">
+          <a:bodyPr wrap="square">
             <a:spAutoFit/>
           </a:bodyPr>
           <a:lstStyle/>
           <a:p>
-            <a:r>
-              <a:rPr lang="en-US"/>
-              <a:t>[x</a:t>
-            </a:r>
-            <a:r>
-              <a:rPr lang="en-US" baseline="-25000"/>
-              <a:t>1 </a:t>
-            </a:r>
-            <a:r>
-              <a:rPr lang="en-US"/>
-              <a:t>x</a:t>
-            </a:r>
-            <a:r>
-              <a:rPr lang="en-US" baseline="-25000"/>
-              <a:t>2</a:t>
-            </a:r>
-            <a:r>
-              <a:rPr lang="en-US"/>
-              <a:t> x</a:t>
-            </a:r>
-            <a:r>
-              <a:rPr lang="en-US" baseline="-25000"/>
+            <a:pPr algn="ctr">
+              <a:defRPr/>
+            </a:pPr>
+            <a:r>
+              <a:rPr lang="en-US">
+                <a:solidFill>
+                  <a:srgbClr val="c00000"/>
+                </a:solidFill>
+              </a:rPr>
               <a:t>3</a:t>
             </a:r>
-            <a:r>
-              <a:rPr lang="en-US"/>
-              <a:t> x</a:t>
-            </a:r>
-            <a:r>
-              <a:rPr lang="en-US" baseline="-25000"/>
-              <a:t>4</a:t>
-            </a:r>
-            <a:r>
-              <a:rPr lang="en-US"/>
-              <a:t> x</a:t>
-            </a:r>
-            <a:r>
-              <a:rPr lang="en-US" baseline="-25000"/>
-              <a:t>5</a:t>
-            </a:r>
-            <a:r>
-              <a:rPr lang="en-US"/>
-              <a:t> y</a:t>
-            </a:r>
-            <a:r>
-              <a:rPr lang="en-US" baseline="-25000"/>
-              <a:t>1</a:t>
-            </a:r>
-            <a:r>
-              <a:rPr lang="en-US"/>
-              <a:t> y</a:t>
-            </a:r>
-            <a:r>
-              <a:rPr lang="en-US" baseline="-25000"/>
-              <a:t>2</a:t>
-            </a:r>
-            <a:r>
-              <a:rPr lang="en-US"/>
-              <a:t> y</a:t>
-            </a:r>
-            <a:r>
-              <a:rPr lang="en-US" baseline="-25000"/>
-              <a:t>3</a:t>
-            </a:r>
-            <a:r>
-              <a:rPr lang="en-US"/>
-              <a:t> y</a:t>
-            </a:r>
-            <a:r>
-              <a:rPr lang="en-US" baseline="-25000"/>
-              <a:t>4</a:t>
-            </a:r>
-            <a:r>
-              <a:rPr lang="en-US"/>
-              <a:t> y</a:t>
-            </a:r>
-            <a:r>
-              <a:rPr lang="en-US" baseline="-25000"/>
-              <a:t>5</a:t>
-            </a:r>
-            <a:r>
-              <a:rPr lang="en-US"/>
-              <a:t>] </a:t>
-            </a:r>
-            <a:r>
-              <a:rPr lang="en-US" baseline="-25000"/>
-              <a:t>1</a:t>
-            </a:r>
-          </a:p>
-          <a:p>
-            <a:r>
-              <a:rPr lang="en-US"/>
-              <a:t>[x</a:t>
-            </a:r>
-            <a:r>
-              <a:rPr lang="en-US" baseline="-25000"/>
-              <a:t>1 </a:t>
-            </a:r>
-            <a:r>
-              <a:rPr lang="en-US"/>
-              <a:t>x</a:t>
-            </a:r>
-            <a:r>
-              <a:rPr lang="en-US" baseline="-25000"/>
-              <a:t>2</a:t>
-            </a:r>
-            <a:r>
-              <a:rPr lang="en-US"/>
-              <a:t> x</a:t>
-            </a:r>
-            <a:r>
-              <a:rPr lang="en-US" baseline="-25000"/>
-              <a:t>3</a:t>
-            </a:r>
-            <a:r>
-              <a:rPr lang="en-US"/>
-              <a:t> x</a:t>
-            </a:r>
-            <a:r>
-              <a:rPr lang="en-US" baseline="-25000"/>
-              <a:t>4</a:t>
-            </a:r>
-            <a:r>
-              <a:rPr lang="en-US"/>
-              <a:t> x</a:t>
-            </a:r>
-            <a:r>
-              <a:rPr lang="en-US" baseline="-25000"/>
-              <a:t>5</a:t>
-            </a:r>
-            <a:r>
-              <a:rPr lang="en-US"/>
-              <a:t> y</a:t>
-            </a:r>
-            <a:r>
-              <a:rPr lang="en-US" baseline="-25000"/>
-              <a:t>1</a:t>
-            </a:r>
-            <a:r>
-              <a:rPr lang="en-US"/>
-              <a:t> y</a:t>
-            </a:r>
-            <a:r>
-              <a:rPr lang="en-US" baseline="-25000"/>
-              <a:t>2</a:t>
-            </a:r>
-            <a:r>
-              <a:rPr lang="en-US"/>
-              <a:t> y</a:t>
-            </a:r>
-            <a:r>
-              <a:rPr lang="en-US" baseline="-25000"/>
-              <a:t>3</a:t>
-            </a:r>
-            <a:r>
-              <a:rPr lang="en-US"/>
-              <a:t> y</a:t>
-            </a:r>
-            <a:r>
-              <a:rPr lang="en-US" baseline="-25000"/>
-              <a:t>4</a:t>
-            </a:r>
-            <a:r>
-              <a:rPr lang="en-US"/>
-              <a:t> y</a:t>
-            </a:r>
-            <a:r>
-              <a:rPr lang="en-US" baseline="-25000"/>
-              <a:t>5</a:t>
-            </a:r>
-            <a:r>
-              <a:rPr lang="en-US"/>
-              <a:t>] </a:t>
-            </a:r>
-            <a:r>
-              <a:rPr lang="en-US" baseline="-25000"/>
-              <a:t>2</a:t>
-            </a:r>
-          </a:p>
-          <a:p>
-            <a:r>
-              <a:rPr lang="en-US"/>
-              <a:t>………………………………</a:t>
-            </a:r>
-          </a:p>
-          <a:p>
-            <a:r>
-              <a:rPr lang="en-US"/>
-              <a:t>[x</a:t>
-            </a:r>
-            <a:r>
-              <a:rPr lang="en-US" baseline="-25000"/>
-              <a:t>1 </a:t>
-            </a:r>
-            <a:r>
-              <a:rPr lang="en-US"/>
-              <a:t>x</a:t>
-            </a:r>
-            <a:r>
-              <a:rPr lang="en-US" baseline="-25000"/>
-              <a:t>2</a:t>
-            </a:r>
-            <a:r>
-              <a:rPr lang="en-US"/>
-              <a:t> x</a:t>
-            </a:r>
-            <a:r>
-              <a:rPr lang="en-US" baseline="-25000"/>
-              <a:t>3</a:t>
-            </a:r>
-            <a:r>
-              <a:rPr lang="en-US"/>
-              <a:t> x</a:t>
-            </a:r>
-            <a:r>
-              <a:rPr lang="en-US" baseline="-25000"/>
-              <a:t>4</a:t>
-            </a:r>
-            <a:r>
-              <a:rPr lang="en-US"/>
-              <a:t> x</a:t>
-            </a:r>
-            <a:r>
-              <a:rPr lang="en-US" baseline="-25000"/>
-              <a:t>5</a:t>
-            </a:r>
-            <a:r>
-              <a:rPr lang="en-US"/>
-              <a:t> y</a:t>
-            </a:r>
-            <a:r>
-              <a:rPr lang="en-US" baseline="-25000"/>
-              <a:t>1</a:t>
-            </a:r>
-            <a:r>
-              <a:rPr lang="en-US"/>
-              <a:t> y</a:t>
-            </a:r>
-            <a:r>
-              <a:rPr lang="en-US" baseline="-25000"/>
-              <a:t>2</a:t>
-            </a:r>
-            <a:r>
-              <a:rPr lang="en-US"/>
-              <a:t> y</a:t>
-            </a:r>
-            <a:r>
-              <a:rPr lang="en-US" baseline="-25000"/>
-              <a:t>3</a:t>
-            </a:r>
-            <a:r>
-              <a:rPr lang="en-US"/>
-              <a:t> y</a:t>
-            </a:r>
-            <a:r>
-              <a:rPr lang="en-US" baseline="-25000"/>
-              <a:t>4</a:t>
-            </a:r>
-            <a:r>
-              <a:rPr lang="en-US"/>
-              <a:t> y</a:t>
-            </a:r>
-            <a:r>
-              <a:rPr lang="en-US" baseline="-25000"/>
-              <a:t>5</a:t>
-            </a:r>
-            <a:r>
-              <a:rPr lang="en-US"/>
-              <a:t>] </a:t>
-            </a:r>
-            <a:r>
-              <a:rPr lang="en-US" baseline="-25000"/>
-              <a:t>250</a:t>
-            </a:r>
-          </a:p>
-          <a:p>
-            <a:r>
-              <a:rPr lang="en-US"/>
-              <a:t>[x</a:t>
-            </a:r>
-            <a:r>
-              <a:rPr lang="en-US" baseline="-25000"/>
-              <a:t>1 </a:t>
-            </a:r>
-            <a:r>
-              <a:rPr lang="en-US"/>
-              <a:t>x</a:t>
-            </a:r>
-            <a:r>
-              <a:rPr lang="en-US" baseline="-25000"/>
-              <a:t>2</a:t>
-            </a:r>
-            <a:r>
-              <a:rPr lang="en-US"/>
-              <a:t> x</a:t>
-            </a:r>
-            <a:r>
-              <a:rPr lang="en-US" baseline="-25000"/>
-              <a:t>3</a:t>
-            </a:r>
-            <a:r>
-              <a:rPr lang="en-US"/>
-              <a:t> x</a:t>
-            </a:r>
-            <a:r>
-              <a:rPr lang="en-US" baseline="-25000"/>
-              <a:t>4</a:t>
-            </a:r>
-            <a:r>
-              <a:rPr lang="en-US"/>
-              <a:t> x</a:t>
-            </a:r>
-            <a:r>
-              <a:rPr lang="en-US" baseline="-25000"/>
-              <a:t>5</a:t>
-            </a:r>
-            <a:r>
-              <a:rPr lang="en-US"/>
-              <a:t> y</a:t>
-            </a:r>
-            <a:r>
-              <a:rPr lang="en-US" baseline="-25000"/>
-              <a:t>1</a:t>
-            </a:r>
-            <a:r>
-              <a:rPr lang="en-US"/>
-              <a:t> y</a:t>
-            </a:r>
-            <a:r>
-              <a:rPr lang="en-US" baseline="-25000"/>
-              <a:t>2</a:t>
-            </a:r>
-            <a:r>
-              <a:rPr lang="en-US"/>
-              <a:t> y</a:t>
-            </a:r>
-            <a:r>
-              <a:rPr lang="en-US" baseline="-25000"/>
-              <a:t>3</a:t>
-            </a:r>
-            <a:r>
-              <a:rPr lang="en-US"/>
-              <a:t> y</a:t>
-            </a:r>
-            <a:r>
-              <a:rPr lang="en-US" baseline="-25000"/>
-              <a:t>4</a:t>
-            </a:r>
-            <a:r>
-              <a:rPr lang="en-US"/>
-              <a:t> y</a:t>
-            </a:r>
-            <a:r>
-              <a:rPr lang="en-US" baseline="-25000"/>
-              <a:t>5</a:t>
-            </a:r>
-            <a:r>
-              <a:rPr lang="en-US"/>
-              <a:t>] </a:t>
-            </a:r>
-            <a:r>
-              <a:rPr lang="en-US" baseline="-25000"/>
-              <a:t>251</a:t>
-            </a:r>
-          </a:p>
-        </p:txBody>
-      </p:sp>
-      <p:sp>
-        <p:nvSpPr>
-          <p:cNvPr id="11" name="TextBox 10">
-            <a:extLst>
-              <a:ext uri="{FF2B5EF4-FFF2-40B4-BE49-F238E27FC236}">
-                <a16:creationId xmlns:a16="http://schemas.microsoft.com/office/drawing/2014/main" id="{77F0F156-B32F-69CE-D405-B24AB3725BE4}"/>
-              </a:ext>
-            </a:extLst>
-          </p:cNvPr>
+            <a:endParaRPr lang="en-US">
+              <a:solidFill>
+                <a:srgbClr val="c00000"/>
+              </a:solidFill>
+            </a:endParaRPr>
+          </a:p>
+        </p:txBody>
+      </p:sp>
+      <p:sp>
+        <p:nvSpPr>
+          <p:cNvPr id="9" name="TextBox 8"/>
           <p:cNvSpPr txBox="1"/>
           <p:nvPr/>
         </p:nvSpPr>
         <p:spPr>
           <a:xfrm>
-            <a:off x="5555411" y="3398805"/>
-            <a:ext cx="1483743" cy="369332"/>
+            <a:off x="5107107" y="4091263"/>
+            <a:ext cx="333375" cy="369332"/>
           </a:xfrm>
           <a:prstGeom prst="rect">
             <a:avLst/>
@@ -6466,11 +5773,707 @@
           <a:noFill/>
         </p:spPr>
         <p:txBody>
-          <a:bodyPr wrap="square" rtlCol="0">
+          <a:bodyPr wrap="square">
             <a:spAutoFit/>
           </a:bodyPr>
           <a:lstStyle/>
           <a:p>
+            <a:pPr algn="ctr">
+              <a:defRPr/>
+            </a:pPr>
+            <a:r>
+              <a:rPr lang="en-US">
+                <a:solidFill>
+                  <a:srgbClr val="c00000"/>
+                </a:solidFill>
+              </a:rPr>
+              <a:t>4</a:t>
+            </a:r>
+            <a:endParaRPr lang="en-US">
+              <a:solidFill>
+                <a:srgbClr val="c00000"/>
+              </a:solidFill>
+            </a:endParaRPr>
+          </a:p>
+        </p:txBody>
+      </p:sp>
+    </p:spTree>
+  </p:cSld>
+  <p:clrMapOvr>
+    <a:masterClrMapping/>
+  </p:clrMapOvr>
+  <mc:AlternateContent xmlns:mc="http://schemas.openxmlformats.org/markup-compatibility/2006">
+    <mc:Choice xmlns:p14="http://schemas.microsoft.com/office/powerpoint/2010/main" Requires="p14">
+      <p:transition xmlns:mc="http://schemas.openxmlformats.org/markup-compatibility/2006" xmlns:p14="http://schemas.microsoft.com/office/powerpoint/2010/main" mc:Ignorable="p14" p14:dur="500"/>
+    </mc:Choice>
+    <mc:Fallback>
+      <p:transition/>
+    </mc:Fallback>
+  </mc:AlternateContent>
+</p:sld>
+</file>
+
+<file path=ppt/slides/slide3.xml><?xml version="1.0" encoding="utf-8"?>
+<p:sld xmlns:r="http://schemas.openxmlformats.org/officeDocument/2006/relationships" xmlns:c="http://schemas.openxmlformats.org/drawingml/2006/chart" xmlns:a="http://schemas.openxmlformats.org/drawingml/2006/main" xmlns:dgm="http://schemas.openxmlformats.org/drawingml/2006/diagram" xmlns:dsp="http://schemas.microsoft.com/office/drawing/2008/diagram" xmlns:p="http://schemas.openxmlformats.org/presentationml/2006/main">
+  <p:cSld>
+    <p:spTree>
+      <p:nvGrpSpPr>
+        <p:cNvPr id="1" name=""/>
+        <p:cNvGrpSpPr/>
+        <p:nvPr/>
+      </p:nvGrpSpPr>
+      <p:grpSpPr>
+        <a:xfrm>
+          <a:off x="0" y="0"/>
+          <a:ext cx="0" cy="0"/>
+          <a:chOff x="0" y="0"/>
+          <a:chExt cx="0" cy="0"/>
+        </a:xfrm>
+      </p:grpSpPr>
+      <p:sp>
+        <p:nvSpPr>
+          <p:cNvPr id="4" name="Slide Number Placeholder 3"/>
+          <p:cNvSpPr>
+            <a:spLocks noGrp="1"/>
+          </p:cNvSpPr>
+          <p:nvPr>
+            <p:ph type="sldNum" sz="quarter" idx="12"/>
+          </p:nvPr>
+        </p:nvSpPr>
+        <p:spPr/>
+        <p:txBody>
+          <a:bodyPr/>
+          <a:lstStyle/>
+          <a:p>
+            <a:pPr lvl="0">
+              <a:defRPr/>
+            </a:pPr>
+            <a:fld id="{5692316A-719A-48D9-85D6-6D363263384A}" type="slidenum">
+              <a:rPr lang="en-US"/>
+              <a:pPr lvl="0">
+                <a:defRPr/>
+              </a:pPr>
+              <a:t>3</a:t>
+            </a:fld>
+            <a:endParaRPr lang="en-US"/>
+          </a:p>
+        </p:txBody>
+      </p:sp>
+      <p:sp>
+        <p:nvSpPr>
+          <p:cNvPr id="5" name="Title 1"/>
+          <p:cNvSpPr>
+            <a:spLocks noGrp="1"/>
+          </p:cNvSpPr>
+          <p:nvPr>
+            <p:ph type="title" idx="0"/>
+          </p:nvPr>
+        </p:nvSpPr>
+        <p:spPr>
+          <a:xfrm>
+            <a:off x="685800" y="337988"/>
+            <a:ext cx="7772400" cy="921474"/>
+          </a:xfrm>
+        </p:spPr>
+        <p:txBody>
+          <a:bodyPr/>
+          <a:lstStyle/>
+          <a:p>
+            <a:pPr algn="ctr">
+              <a:defRPr/>
+            </a:pPr>
+            <a:r>
+              <a:rPr lang="en-US"/>
+              <a:t>stack whole data</a:t>
+            </a:r>
+            <a:endParaRPr lang="en-US"/>
+          </a:p>
+        </p:txBody>
+      </p:sp>
+      <p:sp>
+        <p:nvSpPr>
+          <p:cNvPr id="6" name="TextBox 5"/>
+          <p:cNvSpPr txBox="1"/>
+          <p:nvPr/>
+        </p:nvSpPr>
+        <p:spPr>
+          <a:xfrm>
+            <a:off x="5555411" y="2603422"/>
+            <a:ext cx="3338423" cy="369332"/>
+          </a:xfrm>
+          <a:prstGeom prst="rect">
+            <a:avLst/>
+          </a:prstGeom>
+          <a:noFill/>
+        </p:spPr>
+        <p:txBody>
+          <a:bodyPr wrap="square">
+            <a:spAutoFit/>
+          </a:bodyPr>
+          <a:lstStyle/>
+          <a:p>
+            <a:pPr lvl="0">
+              <a:defRPr/>
+            </a:pPr>
+            <a:r>
+              <a:rPr lang="en-US"/>
+              <a:t>[x</a:t>
+            </a:r>
+            <a:r>
+              <a:rPr lang="en-US" baseline="-25000"/>
+              <a:t>1 </a:t>
+            </a:r>
+            <a:r>
+              <a:rPr lang="en-US"/>
+              <a:t>x</a:t>
+            </a:r>
+            <a:r>
+              <a:rPr lang="en-US" baseline="-25000"/>
+              <a:t>2</a:t>
+            </a:r>
+            <a:r>
+              <a:rPr lang="en-US"/>
+              <a:t> x</a:t>
+            </a:r>
+            <a:r>
+              <a:rPr lang="en-US" baseline="-25000"/>
+              <a:t>3</a:t>
+            </a:r>
+            <a:r>
+              <a:rPr lang="en-US"/>
+              <a:t> x</a:t>
+            </a:r>
+            <a:r>
+              <a:rPr lang="en-US" baseline="-25000"/>
+              <a:t>4</a:t>
+            </a:r>
+            <a:r>
+              <a:rPr lang="en-US"/>
+              <a:t> x</a:t>
+            </a:r>
+            <a:r>
+              <a:rPr lang="en-US" baseline="-25000"/>
+              <a:t>5</a:t>
+            </a:r>
+            <a:r>
+              <a:rPr lang="en-US"/>
+              <a:t> y</a:t>
+            </a:r>
+            <a:r>
+              <a:rPr lang="en-US" baseline="-25000"/>
+              <a:t>1</a:t>
+            </a:r>
+            <a:r>
+              <a:rPr lang="en-US"/>
+              <a:t> y</a:t>
+            </a:r>
+            <a:r>
+              <a:rPr lang="en-US" baseline="-25000"/>
+              <a:t>2</a:t>
+            </a:r>
+            <a:r>
+              <a:rPr lang="en-US"/>
+              <a:t> y</a:t>
+            </a:r>
+            <a:r>
+              <a:rPr lang="en-US" baseline="-25000"/>
+              <a:t>3</a:t>
+            </a:r>
+            <a:r>
+              <a:rPr lang="en-US"/>
+              <a:t> y</a:t>
+            </a:r>
+            <a:r>
+              <a:rPr lang="en-US" baseline="-25000"/>
+              <a:t>4</a:t>
+            </a:r>
+            <a:r>
+              <a:rPr lang="en-US"/>
+              <a:t> y</a:t>
+            </a:r>
+            <a:r>
+              <a:rPr lang="en-US" baseline="-25000"/>
+              <a:t>5</a:t>
+            </a:r>
+            <a:r>
+              <a:rPr lang="en-US"/>
+              <a:t>]</a:t>
+            </a:r>
+            <a:endParaRPr lang="en-US"/>
+          </a:p>
+        </p:txBody>
+      </p:sp>
+      <p:sp>
+        <p:nvSpPr>
+          <p:cNvPr id="7" name="TextBox 6"/>
+          <p:cNvSpPr txBox="1"/>
+          <p:nvPr/>
+        </p:nvSpPr>
+        <p:spPr>
+          <a:xfrm>
+            <a:off x="5555411" y="2234090"/>
+            <a:ext cx="1483743" cy="369332"/>
+          </a:xfrm>
+          <a:prstGeom prst="rect">
+            <a:avLst/>
+          </a:prstGeom>
+          <a:noFill/>
+        </p:spPr>
+        <p:txBody>
+          <a:bodyPr wrap="square">
+            <a:spAutoFit/>
+          </a:bodyPr>
+          <a:lstStyle/>
+          <a:p>
+            <a:pPr lvl="0">
+              <a:defRPr/>
+            </a:pPr>
+            <a:r>
+              <a:rPr lang="en-US" b="1">
+                <a:solidFill>
+                  <a:srgbClr val="c00000"/>
+                </a:solidFill>
+              </a:rPr>
+              <a:t>Single data</a:t>
+            </a:r>
+            <a:endParaRPr lang="en-US"/>
+          </a:p>
+        </p:txBody>
+      </p:sp>
+      <p:sp>
+        <p:nvSpPr>
+          <p:cNvPr id="10" name="TextBox 9"/>
+          <p:cNvSpPr txBox="1"/>
+          <p:nvPr/>
+        </p:nvSpPr>
+        <p:spPr>
+          <a:xfrm>
+            <a:off x="5555410" y="3768137"/>
+            <a:ext cx="3338423" cy="1477328"/>
+          </a:xfrm>
+          <a:prstGeom prst="rect">
+            <a:avLst/>
+          </a:prstGeom>
+          <a:noFill/>
+        </p:spPr>
+        <p:txBody>
+          <a:bodyPr wrap="square">
+            <a:spAutoFit/>
+          </a:bodyPr>
+          <a:lstStyle/>
+          <a:p>
+            <a:pPr lvl="0">
+              <a:defRPr/>
+            </a:pPr>
+            <a:r>
+              <a:rPr lang="en-US"/>
+              <a:t>[x</a:t>
+            </a:r>
+            <a:r>
+              <a:rPr lang="en-US" baseline="-25000"/>
+              <a:t>1 </a:t>
+            </a:r>
+            <a:r>
+              <a:rPr lang="en-US"/>
+              <a:t>x</a:t>
+            </a:r>
+            <a:r>
+              <a:rPr lang="en-US" baseline="-25000"/>
+              <a:t>2</a:t>
+            </a:r>
+            <a:r>
+              <a:rPr lang="en-US"/>
+              <a:t> x</a:t>
+            </a:r>
+            <a:r>
+              <a:rPr lang="en-US" baseline="-25000"/>
+              <a:t>3</a:t>
+            </a:r>
+            <a:r>
+              <a:rPr lang="en-US"/>
+              <a:t> x</a:t>
+            </a:r>
+            <a:r>
+              <a:rPr lang="en-US" baseline="-25000"/>
+              <a:t>4</a:t>
+            </a:r>
+            <a:r>
+              <a:rPr lang="en-US"/>
+              <a:t> x</a:t>
+            </a:r>
+            <a:r>
+              <a:rPr lang="en-US" baseline="-25000"/>
+              <a:t>5</a:t>
+            </a:r>
+            <a:r>
+              <a:rPr lang="en-US"/>
+              <a:t> y</a:t>
+            </a:r>
+            <a:r>
+              <a:rPr lang="en-US" baseline="-25000"/>
+              <a:t>1</a:t>
+            </a:r>
+            <a:r>
+              <a:rPr lang="en-US"/>
+              <a:t> y</a:t>
+            </a:r>
+            <a:r>
+              <a:rPr lang="en-US" baseline="-25000"/>
+              <a:t>2</a:t>
+            </a:r>
+            <a:r>
+              <a:rPr lang="en-US"/>
+              <a:t> y</a:t>
+            </a:r>
+            <a:r>
+              <a:rPr lang="en-US" baseline="-25000"/>
+              <a:t>3</a:t>
+            </a:r>
+            <a:r>
+              <a:rPr lang="en-US"/>
+              <a:t> y</a:t>
+            </a:r>
+            <a:r>
+              <a:rPr lang="en-US" baseline="-25000"/>
+              <a:t>4</a:t>
+            </a:r>
+            <a:r>
+              <a:rPr lang="en-US"/>
+              <a:t> y</a:t>
+            </a:r>
+            <a:r>
+              <a:rPr lang="en-US" baseline="-25000"/>
+              <a:t>5</a:t>
+            </a:r>
+            <a:r>
+              <a:rPr lang="en-US"/>
+              <a:t>] </a:t>
+            </a:r>
+            <a:r>
+              <a:rPr lang="en-US" baseline="-25000"/>
+              <a:t>1</a:t>
+            </a:r>
+            <a:endParaRPr lang="en-US" baseline="-25000"/>
+          </a:p>
+          <a:p>
+            <a:pPr lvl="0">
+              <a:defRPr/>
+            </a:pPr>
+            <a:r>
+              <a:rPr lang="en-US"/>
+              <a:t>[x</a:t>
+            </a:r>
+            <a:r>
+              <a:rPr lang="en-US" baseline="-25000"/>
+              <a:t>1 </a:t>
+            </a:r>
+            <a:r>
+              <a:rPr lang="en-US"/>
+              <a:t>x</a:t>
+            </a:r>
+            <a:r>
+              <a:rPr lang="en-US" baseline="-25000"/>
+              <a:t>2</a:t>
+            </a:r>
+            <a:r>
+              <a:rPr lang="en-US"/>
+              <a:t> x</a:t>
+            </a:r>
+            <a:r>
+              <a:rPr lang="en-US" baseline="-25000"/>
+              <a:t>3</a:t>
+            </a:r>
+            <a:r>
+              <a:rPr lang="en-US"/>
+              <a:t> x</a:t>
+            </a:r>
+            <a:r>
+              <a:rPr lang="en-US" baseline="-25000"/>
+              <a:t>4</a:t>
+            </a:r>
+            <a:r>
+              <a:rPr lang="en-US"/>
+              <a:t> x</a:t>
+            </a:r>
+            <a:r>
+              <a:rPr lang="en-US" baseline="-25000"/>
+              <a:t>5</a:t>
+            </a:r>
+            <a:r>
+              <a:rPr lang="en-US"/>
+              <a:t> y</a:t>
+            </a:r>
+            <a:r>
+              <a:rPr lang="en-US" baseline="-25000"/>
+              <a:t>1</a:t>
+            </a:r>
+            <a:r>
+              <a:rPr lang="en-US"/>
+              <a:t> y</a:t>
+            </a:r>
+            <a:r>
+              <a:rPr lang="en-US" baseline="-25000"/>
+              <a:t>2</a:t>
+            </a:r>
+            <a:r>
+              <a:rPr lang="en-US"/>
+              <a:t> y</a:t>
+            </a:r>
+            <a:r>
+              <a:rPr lang="en-US" baseline="-25000"/>
+              <a:t>3</a:t>
+            </a:r>
+            <a:r>
+              <a:rPr lang="en-US"/>
+              <a:t> y</a:t>
+            </a:r>
+            <a:r>
+              <a:rPr lang="en-US" baseline="-25000"/>
+              <a:t>4</a:t>
+            </a:r>
+            <a:r>
+              <a:rPr lang="en-US"/>
+              <a:t> y</a:t>
+            </a:r>
+            <a:r>
+              <a:rPr lang="en-US" baseline="-25000"/>
+              <a:t>5</a:t>
+            </a:r>
+            <a:r>
+              <a:rPr lang="en-US"/>
+              <a:t>] </a:t>
+            </a:r>
+            <a:r>
+              <a:rPr lang="en-US" baseline="-25000"/>
+              <a:t>2</a:t>
+            </a:r>
+            <a:endParaRPr lang="en-US" baseline="-25000"/>
+          </a:p>
+          <a:p>
+            <a:pPr lvl="0">
+              <a:defRPr/>
+            </a:pPr>
+            <a:r>
+              <a:rPr lang="en-US"/>
+              <a:t>………………………………</a:t>
+            </a:r>
+            <a:endParaRPr lang="en-US"/>
+          </a:p>
+          <a:p>
+            <a:pPr lvl="0">
+              <a:defRPr/>
+            </a:pPr>
+            <a:r>
+              <a:rPr lang="en-US"/>
+              <a:t>[x</a:t>
+            </a:r>
+            <a:r>
+              <a:rPr lang="en-US" baseline="-25000"/>
+              <a:t>1 </a:t>
+            </a:r>
+            <a:r>
+              <a:rPr lang="en-US"/>
+              <a:t>x</a:t>
+            </a:r>
+            <a:r>
+              <a:rPr lang="en-US" baseline="-25000"/>
+              <a:t>2</a:t>
+            </a:r>
+            <a:r>
+              <a:rPr lang="en-US"/>
+              <a:t> x</a:t>
+            </a:r>
+            <a:r>
+              <a:rPr lang="en-US" baseline="-25000"/>
+              <a:t>3</a:t>
+            </a:r>
+            <a:r>
+              <a:rPr lang="en-US"/>
+              <a:t> x</a:t>
+            </a:r>
+            <a:r>
+              <a:rPr lang="en-US" baseline="-25000"/>
+              <a:t>4</a:t>
+            </a:r>
+            <a:r>
+              <a:rPr lang="en-US"/>
+              <a:t> x</a:t>
+            </a:r>
+            <a:r>
+              <a:rPr lang="en-US" baseline="-25000"/>
+              <a:t>5</a:t>
+            </a:r>
+            <a:r>
+              <a:rPr lang="en-US"/>
+              <a:t> y</a:t>
+            </a:r>
+            <a:r>
+              <a:rPr lang="en-US" baseline="-25000"/>
+              <a:t>1</a:t>
+            </a:r>
+            <a:r>
+              <a:rPr lang="en-US"/>
+              <a:t> y</a:t>
+            </a:r>
+            <a:r>
+              <a:rPr lang="en-US" baseline="-25000"/>
+              <a:t>2</a:t>
+            </a:r>
+            <a:r>
+              <a:rPr lang="en-US"/>
+              <a:t> y</a:t>
+            </a:r>
+            <a:r>
+              <a:rPr lang="en-US" baseline="-25000"/>
+              <a:t>3</a:t>
+            </a:r>
+            <a:r>
+              <a:rPr lang="en-US"/>
+              <a:t> y</a:t>
+            </a:r>
+            <a:r>
+              <a:rPr lang="en-US" baseline="-25000"/>
+              <a:t>4</a:t>
+            </a:r>
+            <a:r>
+              <a:rPr lang="en-US"/>
+              <a:t> y</a:t>
+            </a:r>
+            <a:r>
+              <a:rPr lang="en-US" baseline="-25000"/>
+              <a:t>5</a:t>
+            </a:r>
+            <a:r>
+              <a:rPr lang="en-US"/>
+              <a:t>] </a:t>
+            </a:r>
+            <a:r>
+              <a:rPr lang="en-US" baseline="-25000"/>
+              <a:t>250</a:t>
+            </a:r>
+            <a:endParaRPr lang="en-US" baseline="-25000"/>
+          </a:p>
+          <a:p>
+            <a:pPr lvl="0">
+              <a:defRPr/>
+            </a:pPr>
+            <a:r>
+              <a:rPr lang="en-US"/>
+              <a:t>[x</a:t>
+            </a:r>
+            <a:r>
+              <a:rPr lang="en-US" baseline="-25000"/>
+              <a:t>1 </a:t>
+            </a:r>
+            <a:r>
+              <a:rPr lang="en-US"/>
+              <a:t>x</a:t>
+            </a:r>
+            <a:r>
+              <a:rPr lang="en-US" baseline="-25000"/>
+              <a:t>2</a:t>
+            </a:r>
+            <a:r>
+              <a:rPr lang="en-US"/>
+              <a:t> x</a:t>
+            </a:r>
+            <a:r>
+              <a:rPr lang="en-US" baseline="-25000"/>
+              <a:t>3</a:t>
+            </a:r>
+            <a:r>
+              <a:rPr lang="en-US"/>
+              <a:t> x</a:t>
+            </a:r>
+            <a:r>
+              <a:rPr lang="en-US" baseline="-25000"/>
+              <a:t>4</a:t>
+            </a:r>
+            <a:r>
+              <a:rPr lang="en-US"/>
+              <a:t> x</a:t>
+            </a:r>
+            <a:r>
+              <a:rPr lang="en-US" baseline="-25000"/>
+              <a:t>5</a:t>
+            </a:r>
+            <a:r>
+              <a:rPr lang="en-US"/>
+              <a:t> y</a:t>
+            </a:r>
+            <a:r>
+              <a:rPr lang="en-US" baseline="-25000"/>
+              <a:t>1</a:t>
+            </a:r>
+            <a:r>
+              <a:rPr lang="en-US"/>
+              <a:t> y</a:t>
+            </a:r>
+            <a:r>
+              <a:rPr lang="en-US" baseline="-25000"/>
+              <a:t>2</a:t>
+            </a:r>
+            <a:r>
+              <a:rPr lang="en-US"/>
+              <a:t> y</a:t>
+            </a:r>
+            <a:r>
+              <a:rPr lang="en-US" baseline="-25000"/>
+              <a:t>3</a:t>
+            </a:r>
+            <a:r>
+              <a:rPr lang="en-US"/>
+              <a:t> y</a:t>
+            </a:r>
+            <a:r>
+              <a:rPr lang="en-US" baseline="-25000"/>
+              <a:t>4</a:t>
+            </a:r>
+            <a:r>
+              <a:rPr lang="en-US"/>
+              <a:t> y</a:t>
+            </a:r>
+            <a:r>
+              <a:rPr lang="en-US" baseline="-25000"/>
+              <a:t>5</a:t>
+            </a:r>
+            <a:r>
+              <a:rPr lang="en-US"/>
+              <a:t>] </a:t>
+            </a:r>
+            <a:r>
+              <a:rPr lang="en-US" baseline="-25000"/>
+              <a:t>251</a:t>
+            </a:r>
+            <a:endParaRPr lang="en-US" baseline="-25000"/>
+          </a:p>
+        </p:txBody>
+      </p:sp>
+      <p:sp>
+        <p:nvSpPr>
+          <p:cNvPr id="11" name="TextBox 10"/>
+          <p:cNvSpPr txBox="1"/>
+          <p:nvPr/>
+        </p:nvSpPr>
+        <p:spPr>
+          <a:xfrm>
+            <a:off x="5555411" y="3398805"/>
+            <a:ext cx="1483743" cy="369332"/>
+          </a:xfrm>
+          <a:prstGeom prst="rect">
+            <a:avLst/>
+          </a:prstGeom>
+          <a:noFill/>
+        </p:spPr>
+        <p:txBody>
+          <a:bodyPr wrap="square">
+            <a:spAutoFit/>
+          </a:bodyPr>
+          <a:lstStyle/>
+          <a:p>
+            <a:pPr lvl="0">
+              <a:defRPr/>
+            </a:pPr>
             <a:r>
               <a:rPr lang="en-US" b="1">
                 <a:solidFill>
@@ -6485,101 +6488,34 @@
       </p:sp>
       <p:pic>
         <p:nvPicPr>
-          <p:cNvPr id="4098" name="Picture 2">
-            <a:extLst>
-              <a:ext uri="{FF2B5EF4-FFF2-40B4-BE49-F238E27FC236}">
-                <a16:creationId xmlns:a16="http://schemas.microsoft.com/office/drawing/2014/main" id="{E8255CED-E58A-F4A9-05B8-8EACCA0DF0ED}"/>
-              </a:ext>
-            </a:extLst>
-          </p:cNvPr>
+          <p:cNvPr id="4098" name="Picture 2"/>
           <p:cNvPicPr>
             <a:picLocks noChangeAspect="1" noChangeArrowheads="1"/>
           </p:cNvPicPr>
           <p:nvPr/>
         </p:nvPicPr>
-        <p:blipFill>
-          <a:blip r:embed="rId2">
-            <a:extLst>
-              <a:ext uri="{28A0092B-C50C-407E-A947-70E740481C1C}">
-                <a14:useLocalDpi xmlns:a14="http://schemas.microsoft.com/office/drawing/2010/main" val="0"/>
-              </a:ext>
-            </a:extLst>
-          </a:blip>
+        <p:blipFill rotWithShape="1">
+          <a:blip r:embed="rId2"/>
           <a:srcRect/>
           <a:stretch>
             <a:fillRect/>
           </a:stretch>
         </p:blipFill>
-        <p:spPr bwMode="auto">
+        <p:spPr>
           <a:xfrm>
             <a:off x="134697" y="1991589"/>
             <a:ext cx="4678842" cy="3590005"/>
-          </a:xfrm>
-          <a:prstGeom prst="rect">
-            <a:avLst/>
-          </a:prstGeom>
-          <a:noFill/>
-          <a:extLst>
-            <a:ext uri="{909E8E84-426E-40DD-AFC4-6F175D3DCCD1}">
-              <a14:hiddenFill xmlns:a14="http://schemas.microsoft.com/office/drawing/2010/main">
-                <a:solidFill>
-                  <a:srgbClr val="FFFFFF"/>
-                </a:solidFill>
-              </a14:hiddenFill>
-            </a:ext>
-          </a:extLst>
-        </p:spPr>
-      </p:pic>
-      <p:sp>
-        <p:nvSpPr>
-          <p:cNvPr id="14" name="TextBox 13">
-            <a:extLst>
-              <a:ext uri="{FF2B5EF4-FFF2-40B4-BE49-F238E27FC236}">
-                <a16:creationId xmlns:a16="http://schemas.microsoft.com/office/drawing/2014/main" id="{0CFA6A19-605D-482A-D91B-0F8C233412B9}"/>
-              </a:ext>
-            </a:extLst>
-          </p:cNvPr>
-          <p:cNvSpPr txBox="1"/>
-          <p:nvPr/>
-        </p:nvSpPr>
-        <p:spPr>
-          <a:xfrm>
-            <a:off x="5288995" y="3342086"/>
-            <a:ext cx="3720308" cy="2400657"/>
           </a:xfrm>
           <a:prstGeom prst="rect">
             <a:avLst/>
           </a:prstGeom>
           <a:noFill/>
         </p:spPr>
-        <p:txBody>
-          <a:bodyPr wrap="square" rtlCol="0">
-            <a:spAutoFit/>
-          </a:bodyPr>
-          <a:lstStyle/>
-          <a:p>
-            <a:pPr algn="ctr"/>
-            <a:r>
-              <a:rPr lang="en-US" sz="15000">
-                <a:latin typeface="The Hand" panose="03070502030502020204" pitchFamily="66" charset="0"/>
-                <a:cs typeface="TH SarabunPSK" panose="020B0502040204020203" pitchFamily="34" charset="-34"/>
-              </a:rPr>
-              <a:t>[        ]</a:t>
-            </a:r>
-          </a:p>
-        </p:txBody>
-      </p:sp>
+      </p:pic>
       <p:cxnSp>
         <p:nvCxnSpPr>
-          <p:cNvPr id="16" name="Straight Arrow Connector 15">
-            <a:extLst>
-              <a:ext uri="{FF2B5EF4-FFF2-40B4-BE49-F238E27FC236}">
-                <a16:creationId xmlns:a16="http://schemas.microsoft.com/office/drawing/2014/main" id="{DD23CF09-9FAE-C8A0-416A-371BD869DAEF}"/>
-              </a:ext>
-            </a:extLst>
-          </p:cNvPr>
+          <p:cNvPr id="16" name="Straight Arrow Connector 15"/>
           <p:cNvCxnSpPr>
-            <a:cxnSpLocks/>
             <a:stCxn id="19" idx="7"/>
             <a:endCxn id="7" idx="1"/>
           </p:cNvCxnSpPr>
@@ -6595,7 +6531,7 @@
           </a:prstGeom>
           <a:ln>
             <a:solidFill>
-              <a:srgbClr val="C00000"/>
+              <a:srgbClr val="c00000"/>
             </a:solidFill>
             <a:tailEnd type="triangle"/>
           </a:ln>
@@ -6617,13 +6553,7 @@
       </p:cxnSp>
       <p:sp>
         <p:nvSpPr>
-          <p:cNvPr id="19" name="Oval 18">
-            <a:extLst>
-              <a:ext uri="{FF2B5EF4-FFF2-40B4-BE49-F238E27FC236}">
-                <a16:creationId xmlns:a16="http://schemas.microsoft.com/office/drawing/2014/main" id="{547B9A27-CFFB-CA34-0095-E3CCA43CC42A}"/>
-              </a:ext>
-            </a:extLst>
-          </p:cNvPr>
+          <p:cNvPr id="19" name="Oval 18"/>
           <p:cNvSpPr/>
           <p:nvPr/>
         </p:nvSpPr>
@@ -6652,39 +6582,38 @@
           </a:fontRef>
         </p:style>
         <p:txBody>
-          <a:bodyPr rtlCol="0" anchor="ctr"/>
+          <a:bodyPr anchor="ctr"/>
           <a:lstStyle/>
           <a:p>
-            <a:pPr algn="ctr"/>
+            <a:pPr algn="ctr">
+              <a:defRPr/>
+            </a:pPr>
             <a:endParaRPr lang="en-US"/>
           </a:p>
         </p:txBody>
       </p:sp>
     </p:spTree>
-    <p:extLst>
-      <p:ext uri="{BB962C8B-B14F-4D97-AF65-F5344CB8AC3E}">
-        <p14:creationId xmlns:p14="http://schemas.microsoft.com/office/powerpoint/2010/main" val="677166105"/>
-      </p:ext>
-    </p:extLst>
   </p:cSld>
   <p:clrMapOvr>
     <a:masterClrMapping/>
   </p:clrMapOvr>
+  <mc:AlternateContent xmlns:mc="http://schemas.openxmlformats.org/markup-compatibility/2006">
+    <mc:Choice xmlns:p14="http://schemas.microsoft.com/office/powerpoint/2010/main" Requires="p14">
+      <p:transition xmlns:mc="http://schemas.openxmlformats.org/markup-compatibility/2006" xmlns:p14="http://schemas.microsoft.com/office/powerpoint/2010/main" mc:Ignorable="p14" p14:dur="500"/>
+    </mc:Choice>
+    <mc:Fallback>
+      <p:transition/>
+    </mc:Fallback>
+  </mc:AlternateContent>
 </p:sld>
 </file>
 
 <file path=ppt/slides/slide4.xml><?xml version="1.0" encoding="utf-8"?>
-<p:sld xmlns:a="http://schemas.openxmlformats.org/drawingml/2006/main" xmlns:r="http://schemas.openxmlformats.org/officeDocument/2006/relationships" xmlns:p="http://schemas.openxmlformats.org/presentationml/2006/main">
+<p:sld xmlns:r="http://schemas.openxmlformats.org/officeDocument/2006/relationships" xmlns:c="http://schemas.openxmlformats.org/drawingml/2006/chart" xmlns:a="http://schemas.openxmlformats.org/drawingml/2006/main" xmlns:dgm="http://schemas.openxmlformats.org/drawingml/2006/diagram" xmlns:dsp="http://schemas.microsoft.com/office/drawing/2008/diagram" xmlns:p="http://schemas.openxmlformats.org/presentationml/2006/main">
   <p:cSld>
     <p:spTree>
       <p:nvGrpSpPr>
-        <p:cNvPr id="1" name="">
-          <a:extLst>
-            <a:ext uri="{FF2B5EF4-FFF2-40B4-BE49-F238E27FC236}">
-              <a16:creationId xmlns:a16="http://schemas.microsoft.com/office/drawing/2014/main" id="{8D4E766F-0FDE-9839-C014-D51AE75CB2F2}"/>
-            </a:ext>
-          </a:extLst>
-        </p:cNvPr>
+        <p:cNvPr id="1" name=""/>
         <p:cNvGrpSpPr/>
         <p:nvPr/>
       </p:nvGrpSpPr>
@@ -6698,13 +6627,7 @@
       </p:grpSpPr>
       <p:sp>
         <p:nvSpPr>
-          <p:cNvPr id="4" name="Slide Number Placeholder 3">
-            <a:extLst>
-              <a:ext uri="{FF2B5EF4-FFF2-40B4-BE49-F238E27FC236}">
-                <a16:creationId xmlns:a16="http://schemas.microsoft.com/office/drawing/2014/main" id="{4E199D9E-11B6-8EED-4367-95B72B041AB6}"/>
-              </a:ext>
-            </a:extLst>
-          </p:cNvPr>
+          <p:cNvPr id="4" name="Slide Number Placeholder 3"/>
           <p:cNvSpPr>
             <a:spLocks noGrp="1"/>
           </p:cNvSpPr>
@@ -6717,8 +6640,14 @@
           <a:bodyPr/>
           <a:lstStyle/>
           <a:p>
+            <a:pPr lvl="0">
+              <a:defRPr/>
+            </a:pPr>
             <a:fld id="{5692316A-719A-48D9-85D6-6D363263384A}" type="slidenum">
-              <a:rPr lang="en-US" smtClean="0"/>
+              <a:rPr lang="en-US"/>
+              <a:pPr lvl="0">
+                <a:defRPr/>
+              </a:pPr>
               <a:t>4</a:t>
             </a:fld>
             <a:endParaRPr lang="en-US"/>
@@ -6727,18 +6656,12 @@
       </p:sp>
       <p:sp>
         <p:nvSpPr>
-          <p:cNvPr id="5" name="Title 1">
-            <a:extLst>
-              <a:ext uri="{FF2B5EF4-FFF2-40B4-BE49-F238E27FC236}">
-                <a16:creationId xmlns:a16="http://schemas.microsoft.com/office/drawing/2014/main" id="{DAE0205B-0A56-BF8B-1C8B-126A01279C52}"/>
-              </a:ext>
-            </a:extLst>
-          </p:cNvPr>
-          <p:cNvSpPr>
-            <a:spLocks noGrp="1"/>
-          </p:cNvSpPr>
-          <p:nvPr>
-            <p:ph type="title"/>
+          <p:cNvPr id="5" name="Title 1"/>
+          <p:cNvSpPr>
+            <a:spLocks noGrp="1"/>
+          </p:cNvSpPr>
+          <p:nvPr>
+            <p:ph type="title" idx="0"/>
           </p:nvPr>
         </p:nvSpPr>
         <p:spPr>
@@ -6751,29 +6674,26 @@
           <a:bodyPr/>
           <a:lstStyle/>
           <a:p>
-            <a:pPr algn="ctr"/>
+            <a:pPr algn="ctr">
+              <a:defRPr/>
+            </a:pPr>
             <a:r>
               <a:rPr lang="en-US"/>
               <a:t>Balancing dataset </a:t>
             </a:r>
-          </a:p>
-        </p:txBody>
-      </p:sp>
-      <p:sp>
-        <p:nvSpPr>
-          <p:cNvPr id="3" name="TextBox 2">
-            <a:extLst>
-              <a:ext uri="{FF2B5EF4-FFF2-40B4-BE49-F238E27FC236}">
-                <a16:creationId xmlns:a16="http://schemas.microsoft.com/office/drawing/2014/main" id="{C4F55DC0-B9D3-0E20-4827-BEEB618843D6}"/>
-              </a:ext>
-            </a:extLst>
-          </p:cNvPr>
+            <a:endParaRPr lang="en-US"/>
+          </a:p>
+        </p:txBody>
+      </p:sp>
+      <p:sp>
+        <p:nvSpPr>
+          <p:cNvPr id="3" name="TextBox 2"/>
           <p:cNvSpPr txBox="1"/>
           <p:nvPr/>
         </p:nvSpPr>
         <p:spPr>
           <a:xfrm>
-            <a:off x="1" y="1259462"/>
+            <a:off x="1437570" y="1700921"/>
             <a:ext cx="1457863" cy="1477328"/>
           </a:xfrm>
           <a:prstGeom prst="rect">
@@ -6787,6 +6707,9 @@
           </a:bodyPr>
           <a:lstStyle/>
           <a:p>
+            <a:pPr lvl="0">
+              <a:defRPr/>
+            </a:pPr>
             <a:r>
               <a:rPr lang="it-IT" b="1" i="0">
                 <a:solidFill>
@@ -6796,8 +6719,17 @@
               </a:rPr>
               <a:t>label 4: 144 </a:t>
             </a:r>
-          </a:p>
-          <a:p>
+            <a:endParaRPr lang="it-IT" b="1" i="0">
+              <a:solidFill>
+                <a:srgbClr val="212121"/>
+              </a:solidFill>
+              <a:effectLst/>
+            </a:endParaRPr>
+          </a:p>
+          <a:p>
+            <a:pPr lvl="0">
+              <a:defRPr/>
+            </a:pPr>
             <a:r>
               <a:rPr lang="it-IT" b="1" i="0">
                 <a:solidFill>
@@ -6807,8 +6739,17 @@
               </a:rPr>
               <a:t>label 2:  72 </a:t>
             </a:r>
-          </a:p>
-          <a:p>
+            <a:endParaRPr lang="it-IT" b="1" i="0">
+              <a:solidFill>
+                <a:srgbClr val="212121"/>
+              </a:solidFill>
+              <a:effectLst/>
+            </a:endParaRPr>
+          </a:p>
+          <a:p>
+            <a:pPr lvl="0">
+              <a:defRPr/>
+            </a:pPr>
             <a:r>
               <a:rPr lang="it-IT" b="1" i="0">
                 <a:solidFill>
@@ -6818,8 +6759,17 @@
               </a:rPr>
               <a:t>label 3:  12 </a:t>
             </a:r>
-          </a:p>
-          <a:p>
+            <a:endParaRPr lang="it-IT" b="1" i="0">
+              <a:solidFill>
+                <a:srgbClr val="212121"/>
+              </a:solidFill>
+              <a:effectLst/>
+            </a:endParaRPr>
+          </a:p>
+          <a:p>
+            <a:pPr lvl="0">
+              <a:defRPr/>
+            </a:pPr>
             <a:r>
               <a:rPr lang="it-IT" b="1" i="0">
                 <a:solidFill>
@@ -6829,8 +6779,17 @@
               </a:rPr>
               <a:t>label 1:  12 </a:t>
             </a:r>
-          </a:p>
-          <a:p>
+            <a:endParaRPr lang="it-IT" b="1" i="0">
+              <a:solidFill>
+                <a:srgbClr val="212121"/>
+              </a:solidFill>
+              <a:effectLst/>
+            </a:endParaRPr>
+          </a:p>
+          <a:p>
+            <a:pPr lvl="0">
+              <a:defRPr/>
+            </a:pPr>
             <a:r>
               <a:rPr lang="it-IT" b="1" i="0">
                 <a:solidFill>
@@ -6846,19 +6805,13 @@
       </p:sp>
       <p:sp>
         <p:nvSpPr>
-          <p:cNvPr id="8" name="TextBox 7">
-            <a:extLst>
-              <a:ext uri="{FF2B5EF4-FFF2-40B4-BE49-F238E27FC236}">
-                <a16:creationId xmlns:a16="http://schemas.microsoft.com/office/drawing/2014/main" id="{3BA87828-6A40-8C3B-8F0E-E091BA09C185}"/>
-              </a:ext>
-            </a:extLst>
-          </p:cNvPr>
+          <p:cNvPr id="8" name="TextBox 7"/>
           <p:cNvSpPr txBox="1"/>
           <p:nvPr/>
         </p:nvSpPr>
         <p:spPr>
           <a:xfrm>
-            <a:off x="1" y="3240976"/>
+            <a:off x="1437570" y="3682435"/>
             <a:ext cx="1457863" cy="1477328"/>
           </a:xfrm>
           <a:prstGeom prst="rect">
@@ -6872,6 +6825,9 @@
           </a:bodyPr>
           <a:lstStyle/>
           <a:p>
+            <a:pPr lvl="0">
+              <a:defRPr/>
+            </a:pPr>
             <a:r>
               <a:rPr lang="it-IT" b="1" i="0">
                 <a:solidFill>
@@ -6881,8 +6837,17 @@
               </a:rPr>
               <a:t>label 4: 144 </a:t>
             </a:r>
-          </a:p>
-          <a:p>
+            <a:endParaRPr lang="it-IT" b="1" i="0">
+              <a:solidFill>
+                <a:srgbClr val="212121"/>
+              </a:solidFill>
+              <a:effectLst/>
+            </a:endParaRPr>
+          </a:p>
+          <a:p>
+            <a:pPr lvl="0">
+              <a:defRPr/>
+            </a:pPr>
             <a:r>
               <a:rPr lang="it-IT" b="1" i="0">
                 <a:solidFill>
@@ -6892,8 +6857,17 @@
               </a:rPr>
               <a:t>label 2: 144 </a:t>
             </a:r>
-          </a:p>
-          <a:p>
+            <a:endParaRPr lang="it-IT" b="1" i="0">
+              <a:solidFill>
+                <a:srgbClr val="212121"/>
+              </a:solidFill>
+              <a:effectLst/>
+            </a:endParaRPr>
+          </a:p>
+          <a:p>
+            <a:pPr lvl="0">
+              <a:defRPr/>
+            </a:pPr>
             <a:r>
               <a:rPr lang="it-IT" b="1" i="0">
                 <a:solidFill>
@@ -6903,8 +6877,17 @@
               </a:rPr>
               <a:t>label 3: 144 </a:t>
             </a:r>
-          </a:p>
-          <a:p>
+            <a:endParaRPr lang="it-IT" b="1" i="0">
+              <a:solidFill>
+                <a:srgbClr val="212121"/>
+              </a:solidFill>
+              <a:effectLst/>
+            </a:endParaRPr>
+          </a:p>
+          <a:p>
+            <a:pPr lvl="0">
+              <a:defRPr/>
+            </a:pPr>
             <a:r>
               <a:rPr lang="it-IT" b="1" i="0">
                 <a:solidFill>
@@ -6914,8 +6897,17 @@
               </a:rPr>
               <a:t>label 1: 144 </a:t>
             </a:r>
-          </a:p>
-          <a:p>
+            <a:endParaRPr lang="it-IT" b="1" i="0">
+              <a:solidFill>
+                <a:srgbClr val="212121"/>
+              </a:solidFill>
+              <a:effectLst/>
+            </a:endParaRPr>
+          </a:p>
+          <a:p>
+            <a:pPr lvl="0">
+              <a:defRPr/>
+            </a:pPr>
             <a:r>
               <a:rPr lang="it-IT" b="1" i="0">
                 <a:solidFill>
@@ -6931,13 +6923,7 @@
       </p:sp>
       <p:pic>
         <p:nvPicPr>
-          <p:cNvPr id="12" name="Picture 11">
-            <a:extLst>
-              <a:ext uri="{FF2B5EF4-FFF2-40B4-BE49-F238E27FC236}">
-                <a16:creationId xmlns:a16="http://schemas.microsoft.com/office/drawing/2014/main" id="{414355A4-1661-7261-B0FF-1CB16F3A0B80}"/>
-              </a:ext>
-            </a:extLst>
-          </p:cNvPr>
+          <p:cNvPr id="12" name="Picture 11"/>
           <p:cNvPicPr>
             <a:picLocks noChangeAspect="1"/>
           </p:cNvPicPr>
@@ -6946,11 +6932,13 @@
         <p:blipFill rotWithShape="1">
           <a:blip r:embed="rId2"/>
           <a:srcRect t="50000"/>
-          <a:stretch/>
+          <a:stretch>
+            <a:fillRect/>
+          </a:stretch>
         </p:blipFill>
         <p:spPr>
           <a:xfrm>
-            <a:off x="3111700" y="3175565"/>
+            <a:off x="3579130" y="3429000"/>
             <a:ext cx="3942831" cy="1971416"/>
           </a:xfrm>
           <a:prstGeom prst="rect">
@@ -6960,26 +6948,22 @@
       </p:pic>
       <p:pic>
         <p:nvPicPr>
-          <p:cNvPr id="13" name="Picture 12">
-            <a:extLst>
-              <a:ext uri="{FF2B5EF4-FFF2-40B4-BE49-F238E27FC236}">
-                <a16:creationId xmlns:a16="http://schemas.microsoft.com/office/drawing/2014/main" id="{580C776A-0909-2DD3-16EF-1B70EA5A0682}"/>
-              </a:ext>
-            </a:extLst>
-          </p:cNvPr>
+          <p:cNvPr id="13" name="Picture 12"/>
           <p:cNvPicPr>
             <a:picLocks noChangeAspect="1"/>
           </p:cNvPicPr>
           <p:nvPr/>
         </p:nvPicPr>
         <p:blipFill rotWithShape="1">
-          <a:blip r:embed="rId2"/>
+          <a:blip r:embed="rId3"/>
           <a:srcRect b="50000"/>
-          <a:stretch/>
+          <a:stretch>
+            <a:fillRect/>
+          </a:stretch>
         </p:blipFill>
         <p:spPr>
           <a:xfrm>
-            <a:off x="3111700" y="1204151"/>
+            <a:off x="3579130" y="1457586"/>
             <a:ext cx="3942831" cy="1971414"/>
           </a:xfrm>
           <a:prstGeom prst="rect">
@@ -6989,23 +6973,20 @@
       </p:pic>
       <p:sp>
         <p:nvSpPr>
-          <p:cNvPr id="18" name="Arrow: Down 17">
-            <a:extLst>
-              <a:ext uri="{FF2B5EF4-FFF2-40B4-BE49-F238E27FC236}">
-                <a16:creationId xmlns:a16="http://schemas.microsoft.com/office/drawing/2014/main" id="{EC659706-5E53-C5F6-600E-7D468FFDCD3C}"/>
-              </a:ext>
-            </a:extLst>
-          </p:cNvPr>
+          <p:cNvPr id="18" name="Arrow: Down 17"/>
           <p:cNvSpPr/>
           <p:nvPr/>
         </p:nvSpPr>
         <p:spPr>
           <a:xfrm>
-            <a:off x="461513" y="2823050"/>
+            <a:off x="1899082" y="3264509"/>
             <a:ext cx="448574" cy="331666"/>
           </a:xfrm>
           <a:prstGeom prst="downArrow">
-            <a:avLst/>
+            <a:avLst>
+              <a:gd name="adj1" fmla="val 50000"/>
+              <a:gd name="adj2" fmla="val 50000"/>
+            </a:avLst>
           </a:prstGeom>
         </p:spPr>
         <p:style>
@@ -7025,39 +7006,38 @@
           </a:fontRef>
         </p:style>
         <p:txBody>
-          <a:bodyPr rtlCol="0" anchor="ctr"/>
+          <a:bodyPr anchor="ctr"/>
           <a:lstStyle/>
           <a:p>
-            <a:pPr algn="ctr"/>
+            <a:pPr algn="ctr">
+              <a:defRPr/>
+            </a:pPr>
             <a:endParaRPr lang="en-US"/>
           </a:p>
         </p:txBody>
       </p:sp>
     </p:spTree>
-    <p:extLst>
-      <p:ext uri="{BB962C8B-B14F-4D97-AF65-F5344CB8AC3E}">
-        <p14:creationId xmlns:p14="http://schemas.microsoft.com/office/powerpoint/2010/main" val="2228450197"/>
-      </p:ext>
-    </p:extLst>
   </p:cSld>
   <p:clrMapOvr>
     <a:masterClrMapping/>
   </p:clrMapOvr>
+  <mc:AlternateContent xmlns:mc="http://schemas.openxmlformats.org/markup-compatibility/2006">
+    <mc:Choice xmlns:p14="http://schemas.microsoft.com/office/powerpoint/2010/main" Requires="p14">
+      <p:transition xmlns:mc="http://schemas.openxmlformats.org/markup-compatibility/2006" xmlns:p14="http://schemas.microsoft.com/office/powerpoint/2010/main" mc:Ignorable="p14" p14:dur="500"/>
+    </mc:Choice>
+    <mc:Fallback>
+      <p:transition/>
+    </mc:Fallback>
+  </mc:AlternateContent>
 </p:sld>
 </file>
 
 <file path=ppt/slides/slide5.xml><?xml version="1.0" encoding="utf-8"?>
-<p:sld xmlns:a="http://schemas.openxmlformats.org/drawingml/2006/main" xmlns:r="http://schemas.openxmlformats.org/officeDocument/2006/relationships" xmlns:p="http://schemas.openxmlformats.org/presentationml/2006/main">
+<p:sld xmlns:r="http://schemas.openxmlformats.org/officeDocument/2006/relationships" xmlns:c="http://schemas.openxmlformats.org/drawingml/2006/chart" xmlns:a="http://schemas.openxmlformats.org/drawingml/2006/main" xmlns:dgm="http://schemas.openxmlformats.org/drawingml/2006/diagram" xmlns:dsp="http://schemas.microsoft.com/office/drawing/2008/diagram" xmlns:p="http://schemas.openxmlformats.org/presentationml/2006/main">
   <p:cSld>
     <p:spTree>
       <p:nvGrpSpPr>
-        <p:cNvPr id="1" name="">
-          <a:extLst>
-            <a:ext uri="{FF2B5EF4-FFF2-40B4-BE49-F238E27FC236}">
-              <a16:creationId xmlns:a16="http://schemas.microsoft.com/office/drawing/2014/main" id="{27735074-B51C-AC31-FEB8-16391CF2F55D}"/>
-            </a:ext>
-          </a:extLst>
-        </p:cNvPr>
+        <p:cNvPr id="1" name=""/>
         <p:cNvGrpSpPr/>
         <p:nvPr/>
       </p:nvGrpSpPr>
@@ -7071,13 +7051,7 @@
       </p:grpSpPr>
       <p:sp>
         <p:nvSpPr>
-          <p:cNvPr id="4" name="Slide Number Placeholder 3">
-            <a:extLst>
-              <a:ext uri="{FF2B5EF4-FFF2-40B4-BE49-F238E27FC236}">
-                <a16:creationId xmlns:a16="http://schemas.microsoft.com/office/drawing/2014/main" id="{3F487E83-4803-21AE-642B-757F5804C754}"/>
-              </a:ext>
-            </a:extLst>
-          </p:cNvPr>
+          <p:cNvPr id="4" name="Slide Number Placeholder 3"/>
           <p:cNvSpPr>
             <a:spLocks noGrp="1"/>
           </p:cNvSpPr>
@@ -7090,8 +7064,14 @@
           <a:bodyPr/>
           <a:lstStyle/>
           <a:p>
+            <a:pPr lvl="0">
+              <a:defRPr/>
+            </a:pPr>
             <a:fld id="{5692316A-719A-48D9-85D6-6D363263384A}" type="slidenum">
-              <a:rPr lang="en-US" smtClean="0"/>
+              <a:rPr lang="en-US"/>
+              <a:pPr lvl="0">
+                <a:defRPr/>
+              </a:pPr>
               <a:t>5</a:t>
             </a:fld>
             <a:endParaRPr lang="en-US"/>
@@ -7100,18 +7080,12 @@
       </p:sp>
       <p:sp>
         <p:nvSpPr>
-          <p:cNvPr id="5" name="Title 1">
-            <a:extLst>
-              <a:ext uri="{FF2B5EF4-FFF2-40B4-BE49-F238E27FC236}">
-                <a16:creationId xmlns:a16="http://schemas.microsoft.com/office/drawing/2014/main" id="{4DCEF208-69A9-1398-9D48-AA5EF4D4D7B7}"/>
-              </a:ext>
-            </a:extLst>
-          </p:cNvPr>
-          <p:cNvSpPr>
-            <a:spLocks noGrp="1"/>
-          </p:cNvSpPr>
-          <p:nvPr>
-            <p:ph type="title"/>
+          <p:cNvPr id="5" name="Title 1"/>
+          <p:cNvSpPr>
+            <a:spLocks noGrp="1"/>
+          </p:cNvSpPr>
+          <p:nvPr>
+            <p:ph type="title" idx="0"/>
           </p:nvPr>
         </p:nvSpPr>
         <p:spPr>
@@ -7124,29 +7098,26 @@
           <a:bodyPr/>
           <a:lstStyle/>
           <a:p>
-            <a:pPr algn="ctr"/>
+            <a:pPr algn="ctr">
+              <a:defRPr/>
+            </a:pPr>
             <a:r>
               <a:rPr lang="en-US"/>
               <a:t>Balancing dataset </a:t>
             </a:r>
-          </a:p>
-        </p:txBody>
-      </p:sp>
-      <p:sp>
-        <p:nvSpPr>
-          <p:cNvPr id="3" name="TextBox 2">
-            <a:extLst>
-              <a:ext uri="{FF2B5EF4-FFF2-40B4-BE49-F238E27FC236}">
-                <a16:creationId xmlns:a16="http://schemas.microsoft.com/office/drawing/2014/main" id="{4FF0AD1D-C880-B8CC-A3AB-0360412A3516}"/>
-              </a:ext>
-            </a:extLst>
-          </p:cNvPr>
+            <a:endParaRPr lang="en-US"/>
+          </a:p>
+        </p:txBody>
+      </p:sp>
+      <p:sp>
+        <p:nvSpPr>
+          <p:cNvPr id="3" name="TextBox 2"/>
           <p:cNvSpPr txBox="1"/>
           <p:nvPr/>
         </p:nvSpPr>
         <p:spPr>
           <a:xfrm>
-            <a:off x="1" y="1259462"/>
+            <a:off x="1349376" y="1865411"/>
             <a:ext cx="1457863" cy="1477328"/>
           </a:xfrm>
           <a:prstGeom prst="rect">
@@ -7160,6 +7131,9 @@
           </a:bodyPr>
           <a:lstStyle/>
           <a:p>
+            <a:pPr lvl="0">
+              <a:defRPr/>
+            </a:pPr>
             <a:r>
               <a:rPr lang="it-IT" b="1" i="0">
                 <a:solidFill>
@@ -7169,8 +7143,17 @@
               </a:rPr>
               <a:t>label 4: 144 </a:t>
             </a:r>
-          </a:p>
-          <a:p>
+            <a:endParaRPr lang="it-IT" b="1" i="0">
+              <a:solidFill>
+                <a:srgbClr val="212121"/>
+              </a:solidFill>
+              <a:effectLst/>
+            </a:endParaRPr>
+          </a:p>
+          <a:p>
+            <a:pPr lvl="0">
+              <a:defRPr/>
+            </a:pPr>
             <a:r>
               <a:rPr lang="it-IT" b="1" i="0">
                 <a:solidFill>
@@ -7180,8 +7163,17 @@
               </a:rPr>
               <a:t>label 2:  72 </a:t>
             </a:r>
-          </a:p>
-          <a:p>
+            <a:endParaRPr lang="it-IT" b="1" i="0">
+              <a:solidFill>
+                <a:srgbClr val="212121"/>
+              </a:solidFill>
+              <a:effectLst/>
+            </a:endParaRPr>
+          </a:p>
+          <a:p>
+            <a:pPr lvl="0">
+              <a:defRPr/>
+            </a:pPr>
             <a:r>
               <a:rPr lang="it-IT" b="1" i="0">
                 <a:solidFill>
@@ -7191,8 +7183,17 @@
               </a:rPr>
               <a:t>label 3:  12 </a:t>
             </a:r>
-          </a:p>
-          <a:p>
+            <a:endParaRPr lang="it-IT" b="1" i="0">
+              <a:solidFill>
+                <a:srgbClr val="212121"/>
+              </a:solidFill>
+              <a:effectLst/>
+            </a:endParaRPr>
+          </a:p>
+          <a:p>
+            <a:pPr lvl="0">
+              <a:defRPr/>
+            </a:pPr>
             <a:r>
               <a:rPr lang="it-IT" b="1" i="0">
                 <a:solidFill>
@@ -7202,8 +7203,17 @@
               </a:rPr>
               <a:t>label 1:  12 </a:t>
             </a:r>
-          </a:p>
-          <a:p>
+            <a:endParaRPr lang="it-IT" b="1" i="0">
+              <a:solidFill>
+                <a:srgbClr val="212121"/>
+              </a:solidFill>
+              <a:effectLst/>
+            </a:endParaRPr>
+          </a:p>
+          <a:p>
+            <a:pPr lvl="0">
+              <a:defRPr/>
+            </a:pPr>
             <a:r>
               <a:rPr lang="it-IT" b="1" i="0">
                 <a:solidFill>
@@ -7219,19 +7229,13 @@
       </p:sp>
       <p:sp>
         <p:nvSpPr>
-          <p:cNvPr id="8" name="TextBox 7">
-            <a:extLst>
-              <a:ext uri="{FF2B5EF4-FFF2-40B4-BE49-F238E27FC236}">
-                <a16:creationId xmlns:a16="http://schemas.microsoft.com/office/drawing/2014/main" id="{11B7E4CA-CF82-B26B-EE81-C16EAF419E52}"/>
-              </a:ext>
-            </a:extLst>
-          </p:cNvPr>
+          <p:cNvPr id="8" name="TextBox 7"/>
           <p:cNvSpPr txBox="1"/>
           <p:nvPr/>
         </p:nvSpPr>
         <p:spPr>
           <a:xfrm>
-            <a:off x="1" y="3240976"/>
+            <a:off x="1349376" y="3846926"/>
             <a:ext cx="1457863" cy="1477328"/>
           </a:xfrm>
           <a:prstGeom prst="rect">
@@ -7245,6 +7249,9 @@
           </a:bodyPr>
           <a:lstStyle/>
           <a:p>
+            <a:pPr lvl="0">
+              <a:defRPr/>
+            </a:pPr>
             <a:r>
               <a:rPr lang="it-IT" b="1" i="0">
                 <a:solidFill>
@@ -7254,8 +7261,17 @@
               </a:rPr>
               <a:t>label 4: 144 </a:t>
             </a:r>
-          </a:p>
-          <a:p>
+            <a:endParaRPr lang="it-IT" b="1" i="0">
+              <a:solidFill>
+                <a:srgbClr val="212121"/>
+              </a:solidFill>
+              <a:effectLst/>
+            </a:endParaRPr>
+          </a:p>
+          <a:p>
+            <a:pPr lvl="0">
+              <a:defRPr/>
+            </a:pPr>
             <a:r>
               <a:rPr lang="it-IT" b="1" i="0">
                 <a:solidFill>
@@ -7265,8 +7281,17 @@
               </a:rPr>
               <a:t>label 2: 144 </a:t>
             </a:r>
-          </a:p>
-          <a:p>
+            <a:endParaRPr lang="it-IT" b="1" i="0">
+              <a:solidFill>
+                <a:srgbClr val="212121"/>
+              </a:solidFill>
+              <a:effectLst/>
+            </a:endParaRPr>
+          </a:p>
+          <a:p>
+            <a:pPr lvl="0">
+              <a:defRPr/>
+            </a:pPr>
             <a:r>
               <a:rPr lang="it-IT" b="1" i="0">
                 <a:solidFill>
@@ -7276,8 +7301,17 @@
               </a:rPr>
               <a:t>label 3: 144 </a:t>
             </a:r>
-          </a:p>
-          <a:p>
+            <a:endParaRPr lang="it-IT" b="1" i="0">
+              <a:solidFill>
+                <a:srgbClr val="212121"/>
+              </a:solidFill>
+              <a:effectLst/>
+            </a:endParaRPr>
+          </a:p>
+          <a:p>
+            <a:pPr lvl="0">
+              <a:defRPr/>
+            </a:pPr>
             <a:r>
               <a:rPr lang="it-IT" b="1" i="0">
                 <a:solidFill>
@@ -7287,8 +7321,17 @@
               </a:rPr>
               <a:t>label 1: 144 </a:t>
             </a:r>
-          </a:p>
-          <a:p>
+            <a:endParaRPr lang="it-IT" b="1" i="0">
+              <a:solidFill>
+                <a:srgbClr val="212121"/>
+              </a:solidFill>
+              <a:effectLst/>
+            </a:endParaRPr>
+          </a:p>
+          <a:p>
+            <a:pPr lvl="0">
+              <a:defRPr/>
+            </a:pPr>
             <a:r>
               <a:rPr lang="it-IT" b="1" i="0">
                 <a:solidFill>
@@ -7304,23 +7347,20 @@
       </p:sp>
       <p:sp>
         <p:nvSpPr>
-          <p:cNvPr id="18" name="Arrow: Down 17">
-            <a:extLst>
-              <a:ext uri="{FF2B5EF4-FFF2-40B4-BE49-F238E27FC236}">
-                <a16:creationId xmlns:a16="http://schemas.microsoft.com/office/drawing/2014/main" id="{87E9297D-1B3E-D946-6676-377E9A02B9F6}"/>
-              </a:ext>
-            </a:extLst>
-          </p:cNvPr>
+          <p:cNvPr id="18" name="Arrow: Down 17"/>
           <p:cNvSpPr/>
           <p:nvPr/>
         </p:nvSpPr>
         <p:spPr>
           <a:xfrm>
-            <a:off x="461513" y="2823050"/>
+            <a:off x="1810888" y="3429000"/>
             <a:ext cx="448574" cy="331666"/>
           </a:xfrm>
           <a:prstGeom prst="downArrow">
-            <a:avLst/>
+            <a:avLst>
+              <a:gd name="adj1" fmla="val 50000"/>
+              <a:gd name="adj2" fmla="val 50000"/>
+            </a:avLst>
           </a:prstGeom>
         </p:spPr>
         <p:style>
@@ -7340,86 +7380,64 @@
           </a:fontRef>
         </p:style>
         <p:txBody>
-          <a:bodyPr rtlCol="0" anchor="ctr"/>
+          <a:bodyPr anchor="ctr"/>
           <a:lstStyle/>
           <a:p>
-            <a:pPr algn="ctr"/>
+            <a:pPr algn="ctr">
+              <a:defRPr/>
+            </a:pPr>
             <a:endParaRPr lang="en-US"/>
           </a:p>
         </p:txBody>
       </p:sp>
       <p:pic>
         <p:nvPicPr>
-          <p:cNvPr id="7174" name="Picture 6" descr="SMOTE for Imbalanced Classification with Python">
-            <a:extLst>
-              <a:ext uri="{FF2B5EF4-FFF2-40B4-BE49-F238E27FC236}">
-                <a16:creationId xmlns:a16="http://schemas.microsoft.com/office/drawing/2014/main" id="{EB6CED5F-0612-EE00-1BCD-C85E93563B03}"/>
-              </a:ext>
-            </a:extLst>
-          </p:cNvPr>
+          <p:cNvPr id="7174" name="Picture 6" descr="SMOTE for Imbalanced Classification with Python"/>
           <p:cNvPicPr>
             <a:picLocks noChangeAspect="1" noChangeArrowheads="1"/>
           </p:cNvPicPr>
           <p:nvPr/>
         </p:nvPicPr>
-        <p:blipFill>
-          <a:blip r:embed="rId2">
-            <a:extLst>
-              <a:ext uri="{28A0092B-C50C-407E-A947-70E740481C1C}">
-                <a14:useLocalDpi xmlns:a14="http://schemas.microsoft.com/office/drawing/2010/main" val="0"/>
-              </a:ext>
-            </a:extLst>
-          </a:blip>
+        <p:blipFill rotWithShape="1">
+          <a:blip r:embed="rId2"/>
           <a:srcRect/>
           <a:stretch>
             <a:fillRect/>
           </a:stretch>
         </p:blipFill>
-        <p:spPr bwMode="auto">
-          <a:xfrm>
-            <a:off x="4302474" y="1121426"/>
+        <p:spPr>
+          <a:xfrm>
+            <a:off x="3226501" y="1979468"/>
             <a:ext cx="4773327" cy="3230728"/>
           </a:xfrm>
           <a:prstGeom prst="rect">
             <a:avLst/>
           </a:prstGeom>
           <a:noFill/>
-          <a:extLst>
-            <a:ext uri="{909E8E84-426E-40DD-AFC4-6F175D3DCCD1}">
-              <a14:hiddenFill xmlns:a14="http://schemas.microsoft.com/office/drawing/2010/main">
-                <a:solidFill>
-                  <a:srgbClr val="FFFFFF"/>
-                </a:solidFill>
-              </a14:hiddenFill>
-            </a:ext>
-          </a:extLst>
         </p:spPr>
       </p:pic>
     </p:spTree>
-    <p:extLst>
-      <p:ext uri="{BB962C8B-B14F-4D97-AF65-F5344CB8AC3E}">
-        <p14:creationId xmlns:p14="http://schemas.microsoft.com/office/powerpoint/2010/main" val="3296317990"/>
-      </p:ext>
-    </p:extLst>
   </p:cSld>
   <p:clrMapOvr>
     <a:masterClrMapping/>
   </p:clrMapOvr>
+  <mc:AlternateContent xmlns:mc="http://schemas.openxmlformats.org/markup-compatibility/2006">
+    <mc:Choice xmlns:p14="http://schemas.microsoft.com/office/powerpoint/2010/main" Requires="p14">
+      <p:transition xmlns:mc="http://schemas.openxmlformats.org/markup-compatibility/2006" xmlns:p14="http://schemas.microsoft.com/office/powerpoint/2010/main" mc:Ignorable="p14" p14:dur="500"/>
+    </mc:Choice>
+    <mc:Fallback>
+      <p:transition/>
+    </mc:Fallback>
+  </mc:AlternateContent>
 </p:sld>
 </file>
 
 <file path=ppt/slides/slide6.xml><?xml version="1.0" encoding="utf-8"?>
-<p:sld xmlns:a="http://schemas.openxmlformats.org/drawingml/2006/main" xmlns:r="http://schemas.openxmlformats.org/officeDocument/2006/relationships" xmlns:p="http://schemas.openxmlformats.org/presentationml/2006/main">
+<p:sld xmlns:r="http://schemas.openxmlformats.org/officeDocument/2006/relationships" xmlns:c="http://schemas.openxmlformats.org/drawingml/2006/chart" xmlns:a="http://schemas.openxmlformats.org/drawingml/2006/main" xmlns:dgm="http://schemas.openxmlformats.org/drawingml/2006/diagram" xmlns:dsp="http://schemas.microsoft.com/office/drawing/2008/diagram" xmlns:p="http://schemas.openxmlformats.org/presentationml/2006/main">
   <p:cSld>
     <p:spTree>
       <p:nvGrpSpPr>
-        <p:cNvPr id="1" name="">
-          <a:extLst>
-            <a:ext uri="{FF2B5EF4-FFF2-40B4-BE49-F238E27FC236}">
-              <a16:creationId xmlns:a16="http://schemas.microsoft.com/office/drawing/2014/main" id="{E1C31892-CBC0-513C-F981-B62EA811C9F4}"/>
-            </a:ext>
-          </a:extLst>
-        </p:cNvPr>
+        <p:cNvPr id="1" name=""/>
         <p:cNvGrpSpPr/>
         <p:nvPr/>
       </p:nvGrpSpPr>
@@ -7433,13 +7451,7 @@
       </p:grpSpPr>
       <p:sp>
         <p:nvSpPr>
-          <p:cNvPr id="4" name="Slide Number Placeholder 3">
-            <a:extLst>
-              <a:ext uri="{FF2B5EF4-FFF2-40B4-BE49-F238E27FC236}">
-                <a16:creationId xmlns:a16="http://schemas.microsoft.com/office/drawing/2014/main" id="{8DB759D1-9CFE-FB71-4F2F-C628F7FF8682}"/>
-              </a:ext>
-            </a:extLst>
-          </p:cNvPr>
+          <p:cNvPr id="4" name="Slide Number Placeholder 3"/>
           <p:cNvSpPr>
             <a:spLocks noGrp="1"/>
           </p:cNvSpPr>
@@ -7452,8 +7464,14 @@
           <a:bodyPr/>
           <a:lstStyle/>
           <a:p>
+            <a:pPr lvl="0">
+              <a:defRPr/>
+            </a:pPr>
             <a:fld id="{5692316A-719A-48D9-85D6-6D363263384A}" type="slidenum">
-              <a:rPr lang="en-US" smtClean="0"/>
+              <a:rPr lang="en-US"/>
+              <a:pPr lvl="0">
+                <a:defRPr/>
+              </a:pPr>
               <a:t>6</a:t>
             </a:fld>
             <a:endParaRPr lang="en-US"/>
@@ -7462,18 +7480,12 @@
       </p:sp>
       <p:sp>
         <p:nvSpPr>
-          <p:cNvPr id="5" name="Title 1">
-            <a:extLst>
-              <a:ext uri="{FF2B5EF4-FFF2-40B4-BE49-F238E27FC236}">
-                <a16:creationId xmlns:a16="http://schemas.microsoft.com/office/drawing/2014/main" id="{31E519D1-65C0-4838-7AB2-DB0632F1D0DF}"/>
-              </a:ext>
-            </a:extLst>
-          </p:cNvPr>
-          <p:cNvSpPr>
-            <a:spLocks noGrp="1"/>
-          </p:cNvSpPr>
-          <p:nvPr>
-            <p:ph type="title"/>
+          <p:cNvPr id="5" name="Title 1"/>
+          <p:cNvSpPr>
+            <a:spLocks noGrp="1"/>
+          </p:cNvSpPr>
+          <p:nvPr>
+            <p:ph type="title" idx="0"/>
           </p:nvPr>
         </p:nvSpPr>
         <p:spPr>
@@ -7483,196 +7495,318 @@
           </a:xfrm>
         </p:spPr>
         <p:txBody>
-          <a:bodyPr>
-            <a:normAutofit/>
-          </a:bodyPr>
+          <a:bodyPr/>
           <a:lstStyle/>
           <a:p>
-            <a:pPr algn="ctr"/>
-            <a:r>
-              <a:rPr lang="en-US"/>
-              <a:t>CLASSIFICATION: K-NEAREST NEIGHBORS </a:t>
-            </a:r>
-          </a:p>
-        </p:txBody>
-      </p:sp>
-      <p:sp>
-        <p:nvSpPr>
-          <p:cNvPr id="2" name="Content Placeholder 2">
-            <a:extLst>
-              <a:ext uri="{FF2B5EF4-FFF2-40B4-BE49-F238E27FC236}">
-                <a16:creationId xmlns:a16="http://schemas.microsoft.com/office/drawing/2014/main" id="{0ECC6A08-6EDF-CCFA-1491-069054F17D54}"/>
-              </a:ext>
-            </a:extLst>
-          </p:cNvPr>
-          <p:cNvSpPr>
-            <a:spLocks noGrp="1"/>
-          </p:cNvSpPr>
-          <p:nvPr>
-            <p:ph idx="1"/>
-          </p:nvPr>
+            <a:pPr algn="ctr">
+              <a:defRPr/>
+            </a:pPr>
+            <a:r>
+              <a:rPr lang="en-US" altLang="ko-KR"/>
+              <a:t>Final </a:t>
+            </a:r>
+            <a:r>
+              <a:rPr lang="en-US"/>
+              <a:t>dataset </a:t>
+            </a:r>
+            <a:endParaRPr lang="en-US"/>
+          </a:p>
+        </p:txBody>
+      </p:sp>
+      <p:sp>
+        <p:nvSpPr>
+          <p:cNvPr id="7175" name=""/>
+          <p:cNvSpPr txBox="1"/>
+          <p:nvPr/>
         </p:nvSpPr>
         <p:spPr>
           <a:xfrm>
-            <a:off x="685799" y="1523928"/>
-            <a:ext cx="3774057" cy="4648272"/>
-          </a:xfrm>
-        </p:spPr>
-        <p:txBody>
-          <a:bodyPr>
-            <a:noAutofit/>
-          </a:bodyPr>
-          <a:lstStyle/>
-          <a:p>
-            <a:pPr marL="0" indent="0" algn="just">
-              <a:buNone/>
-            </a:pPr>
-            <a:r>
-              <a:rPr lang="en-US" sz="1800" b="1"/>
-              <a:t>K-NEAREST NEIGHBORS </a:t>
-            </a:r>
-          </a:p>
-          <a:p>
-            <a:pPr algn="just"/>
-            <a:r>
-              <a:rPr lang="en-US" sz="1800"/>
-              <a:t>It makes predictions based on the majority class of its k nearest neighbors in feature space.</a:t>
-            </a:r>
-          </a:p>
-          <a:p>
-            <a:pPr algn="just"/>
-            <a:r>
-              <a:rPr lang="en-US" sz="1800"/>
-              <a:t>Non-parametric, doesn't make assumptions about the underlying data distribution.</a:t>
-            </a:r>
-          </a:p>
-          <a:p>
-            <a:pPr algn="just"/>
-            <a:r>
-              <a:rPr lang="en-US" sz="1800"/>
-              <a:t>It's versatile and can be used for classification and regression tasks.</a:t>
-            </a:r>
-          </a:p>
-          <a:p>
-            <a:pPr algn="just"/>
-            <a:r>
-              <a:rPr lang="en-US" sz="1800"/>
-              <a:t>Performance can be sensitive to the choice of k and the distance metric used.</a:t>
-            </a:r>
-          </a:p>
-          <a:p>
-            <a:pPr algn="just"/>
-            <a:endParaRPr lang="en-US" sz="1800"/>
-          </a:p>
-          <a:p>
-            <a:pPr algn="just"/>
-            <a:endParaRPr lang="en-US" sz="1800"/>
-          </a:p>
-          <a:p>
-            <a:pPr algn="just"/>
-            <a:endParaRPr lang="en-US" sz="1800"/>
-          </a:p>
-          <a:p>
-            <a:pPr algn="just"/>
-            <a:endParaRPr lang="en-US" sz="1800"/>
-          </a:p>
-          <a:p>
-            <a:pPr algn="just"/>
-            <a:endParaRPr lang="en-US" sz="1800"/>
-          </a:p>
-          <a:p>
-            <a:pPr algn="just"/>
-            <a:endParaRPr lang="en-US" sz="1800"/>
-          </a:p>
-          <a:p>
-            <a:pPr algn="just"/>
-            <a:endParaRPr lang="en-US" sz="1800"/>
-          </a:p>
-          <a:p>
-            <a:pPr algn="just"/>
-            <a:endParaRPr lang="en-US" sz="1800"/>
-          </a:p>
-        </p:txBody>
-      </p:sp>
-      <p:pic>
-        <p:nvPicPr>
-          <p:cNvPr id="11268" name="Picture 4" descr="K-Nearest Neighbor(KNN) Algorithm for Machine Learning">
-            <a:extLst>
-              <a:ext uri="{FF2B5EF4-FFF2-40B4-BE49-F238E27FC236}">
-                <a16:creationId xmlns:a16="http://schemas.microsoft.com/office/drawing/2014/main" id="{599AF339-3C6F-8E5F-8961-FAAB7FE5B5C7}"/>
-              </a:ext>
-            </a:extLst>
-          </p:cNvPr>
-          <p:cNvPicPr>
-            <a:picLocks noChangeAspect="1" noChangeArrowheads="1"/>
-          </p:cNvPicPr>
-          <p:nvPr/>
-        </p:nvPicPr>
-        <p:blipFill rotWithShape="1">
-          <a:blip r:embed="rId2">
-            <a:extLst>
-              <a:ext uri="{BEBA8EAE-BF5A-486C-A8C5-ECC9F3942E4B}">
-                <a14:imgProps xmlns:a14="http://schemas.microsoft.com/office/drawing/2010/main">
-                  <a14:imgLayer r:embed="rId3">
-                    <a14:imgEffect>
-                      <a14:saturation sat="66000"/>
-                    </a14:imgEffect>
-                  </a14:imgLayer>
-                </a14:imgProps>
-              </a:ext>
-              <a:ext uri="{28A0092B-C50C-407E-A947-70E740481C1C}">
-                <a14:useLocalDpi xmlns:a14="http://schemas.microsoft.com/office/drawing/2010/main" val="0"/>
-              </a:ext>
-            </a:extLst>
-          </a:blip>
-          <a:srcRect l="1" r="46540"/>
-          <a:stretch/>
-        </p:blipFill>
-        <p:spPr bwMode="auto">
-          <a:xfrm>
-            <a:off x="4490858" y="1523928"/>
-            <a:ext cx="4232518" cy="3794095"/>
+            <a:off x="170655" y="1932780"/>
+            <a:ext cx="5076032" cy="1643540"/>
           </a:xfrm>
           <a:prstGeom prst="rect">
             <a:avLst/>
           </a:prstGeom>
-          <a:noFill/>
-          <a:extLst>
-            <a:ext uri="{909E8E84-426E-40DD-AFC4-6F175D3DCCD1}">
-              <a14:hiddenFill xmlns:a14="http://schemas.microsoft.com/office/drawing/2010/main">
-                <a:solidFill>
-                  <a:srgbClr val="FFFFFF"/>
-                </a:solidFill>
-              </a14:hiddenFill>
-            </a:ext>
-          </a:extLst>
         </p:spPr>
-      </p:pic>
+        <p:txBody>
+          <a:bodyPr wrap="square">
+            <a:spAutoFit/>
+          </a:bodyPr>
+          <a:p>
+            <a:pPr>
+              <a:defRPr/>
+            </a:pPr>
+            <a:r>
+              <a:rPr lang="en-US" altLang="ko-KR" sz="2400" b="1"/>
+              <a:t>        original data: (251, 50)</a:t>
+            </a:r>
+            <a:endParaRPr lang="en-US" altLang="ko-KR" sz="2400" b="1"/>
+          </a:p>
+          <a:p>
+            <a:pPr>
+              <a:defRPr/>
+            </a:pPr>
+            <a:endParaRPr lang="en-US" altLang="ko-KR" sz="2400" b="1"/>
+          </a:p>
+          <a:p>
+            <a:pPr marL="257040" indent="-257040">
+              <a:buFont typeface="Arial"/>
+              <a:buChar char="•"/>
+              <a:defRPr/>
+            </a:pPr>
+            <a:r>
+              <a:rPr lang="en-US" altLang="ko-KR"/>
+              <a:t>features: 25 peaks (Wave length, Amplitude)</a:t>
+            </a:r>
+            <a:endParaRPr lang="en-US" altLang="ko-KR"/>
+          </a:p>
+          <a:p>
+            <a:pPr marL="257040" indent="-257040">
+              <a:buFont typeface="Arial"/>
+              <a:buChar char="•"/>
+              <a:defRPr/>
+            </a:pPr>
+            <a:endParaRPr lang="en-US" altLang="ko-KR"/>
+          </a:p>
+          <a:p>
+            <a:pPr marL="257040" indent="-257040">
+              <a:buFont typeface="Arial"/>
+              <a:buChar char="•"/>
+              <a:defRPr/>
+            </a:pPr>
+            <a:r>
+              <a:rPr lang="en-US" altLang="ko-KR"/>
+              <a:t>[Y</a:t>
+            </a:r>
+            <a:r>
+              <a:rPr lang="en-US" altLang="ko-KR" sz="1000"/>
+              <a:t>_max+1</a:t>
+            </a:r>
+            <a:r>
+              <a:rPr lang="en-US" altLang="ko-KR"/>
+              <a:t>, Y</a:t>
+            </a:r>
+            <a:r>
+              <a:rPr lang="en-US" altLang="ko-KR" sz="1000"/>
+              <a:t>_max-1</a:t>
+            </a:r>
+            <a:r>
+              <a:rPr lang="en-US" altLang="ko-KR"/>
+              <a:t>, X</a:t>
+            </a:r>
+            <a:r>
+              <a:rPr lang="en-US" altLang="ko-KR" sz="1000"/>
+              <a:t>_max+1</a:t>
+            </a:r>
+            <a:r>
+              <a:rPr lang="en-US" altLang="ko-KR"/>
+              <a:t>, X</a:t>
+            </a:r>
+            <a:r>
+              <a:rPr lang="en-US" altLang="ko-KR" sz="1000"/>
+              <a:t>_max-1</a:t>
+            </a:r>
+            <a:r>
+              <a:rPr lang="en-US" altLang="ko-KR"/>
+              <a:t>,  ...  , X</a:t>
+            </a:r>
+            <a:r>
+              <a:rPr lang="en-US" altLang="ko-KR" sz="1000"/>
+              <a:t>_max</a:t>
+            </a:r>
+            <a:r>
+              <a:rPr lang="en-US" altLang="ko-KR"/>
+              <a:t>, Y</a:t>
+            </a:r>
+            <a:r>
+              <a:rPr lang="en-US" altLang="ko-KR" sz="1000"/>
+              <a:t>_max</a:t>
+            </a:r>
+            <a:r>
+              <a:rPr lang="en-US" altLang="ko-KR"/>
+              <a:t>]</a:t>
+            </a:r>
+            <a:endParaRPr lang="en-US" altLang="ko-KR"/>
+          </a:p>
+        </p:txBody>
+      </p:sp>
+      <p:sp>
+        <p:nvSpPr>
+          <p:cNvPr id="7177" name=""/>
+          <p:cNvSpPr txBox="1"/>
+          <p:nvPr/>
+        </p:nvSpPr>
+        <p:spPr>
+          <a:xfrm>
+            <a:off x="183786" y="4231189"/>
+            <a:ext cx="7401721" cy="1641953"/>
+          </a:xfrm>
+          <a:prstGeom prst="rect">
+            <a:avLst/>
+          </a:prstGeom>
+        </p:spPr>
+        <p:txBody>
+          <a:bodyPr wrap="square">
+            <a:spAutoFit/>
+          </a:bodyPr>
+          <a:lstStyle/>
+          <a:p>
+            <a:pPr>
+              <a:defRPr/>
+            </a:pPr>
+            <a:r>
+              <a:rPr lang="en-US" altLang="ko-KR" sz="2400" b="1"/>
+              <a:t>         lable: (251, 1)</a:t>
+            </a:r>
+            <a:endParaRPr lang="en-US" altLang="ko-KR" sz="2400" b="1"/>
+          </a:p>
+          <a:p>
+            <a:pPr>
+              <a:defRPr/>
+            </a:pPr>
+            <a:endParaRPr lang="en-US" altLang="ko-KR" sz="2400" b="1"/>
+          </a:p>
+          <a:p>
+            <a:pPr marL="257040" indent="-257040">
+              <a:buFont typeface="Arial"/>
+              <a:buChar char="•"/>
+              <a:defRPr/>
+            </a:pPr>
+            <a:r>
+              <a:rPr lang="en-US" altLang="ko-KR"/>
+              <a:t>2 classfication: (0: normal), (1: abnormal)</a:t>
+            </a:r>
+            <a:endParaRPr lang="en-US" altLang="ko-KR"/>
+          </a:p>
+          <a:p>
+            <a:pPr marL="257040" indent="-257040">
+              <a:buFont typeface="Arial"/>
+              <a:buChar char="•"/>
+              <a:defRPr/>
+            </a:pPr>
+            <a:endParaRPr lang="en-US" altLang="ko-KR"/>
+          </a:p>
+          <a:p>
+            <a:pPr marL="257040" indent="-257040">
+              <a:buFont typeface="Arial"/>
+              <a:buChar char="•"/>
+              <a:defRPr/>
+            </a:pPr>
+            <a:r>
+              <a:rPr lang="en-US" altLang="ko-KR"/>
+              <a:t>5 classification: (0: normal), (1: Cin1), (2: Cin2), (3: Cin3), (4: worst)</a:t>
+            </a:r>
+            <a:endParaRPr lang="en-US" altLang="ko-KR"/>
+          </a:p>
+        </p:txBody>
+      </p:sp>
+      <p:cxnSp>
+        <p:nvCxnSpPr>
+          <p:cNvPr id="7178" name=""/>
+          <p:cNvCxnSpPr/>
+          <p:nvPr/>
+        </p:nvCxnSpPr>
+        <p:spPr>
+          <a:xfrm flipV="1">
+            <a:off x="230188" y="4028281"/>
+            <a:ext cx="8572499" cy="15875"/>
+          </a:xfrm>
+          <a:prstGeom prst="line">
+            <a:avLst/>
+          </a:prstGeom>
+          <a:ln>
+            <a:solidFill>
+              <a:schemeClr val="accent4"/>
+            </a:solidFill>
+          </a:ln>
+        </p:spPr>
+        <p:style>
+          <a:lnRef idx="1">
+            <a:schemeClr val="accent1"/>
+          </a:lnRef>
+          <a:fillRef idx="0">
+            <a:schemeClr val="accent1"/>
+          </a:fillRef>
+          <a:effectRef idx="0">
+            <a:schemeClr val="accent1"/>
+          </a:effectRef>
+          <a:fontRef idx="minor">
+            <a:schemeClr val="tx1"/>
+          </a:fontRef>
+        </p:style>
+      </p:cxnSp>
+      <p:sp>
+        <p:nvSpPr>
+          <p:cNvPr id="7179" name=""/>
+          <p:cNvSpPr txBox="1"/>
+          <p:nvPr/>
+        </p:nvSpPr>
+        <p:spPr>
+          <a:xfrm>
+            <a:off x="5429248" y="1932660"/>
+            <a:ext cx="3326896" cy="1096114"/>
+          </a:xfrm>
+          <a:prstGeom prst="rect">
+            <a:avLst/>
+          </a:prstGeom>
+        </p:spPr>
+        <p:txBody>
+          <a:bodyPr wrap="square">
+            <a:spAutoFit/>
+          </a:bodyPr>
+          <a:lstStyle/>
+          <a:p>
+            <a:pPr>
+              <a:defRPr/>
+            </a:pPr>
+            <a:r>
+              <a:rPr lang="en-US" altLang="ko-KR" sz="2400" b="1"/>
+              <a:t> Final data: (480, 50)</a:t>
+            </a:r>
+            <a:endParaRPr lang="en-US" altLang="ko-KR" sz="2400" b="1"/>
+          </a:p>
+          <a:p>
+            <a:pPr>
+              <a:defRPr/>
+            </a:pPr>
+            <a:endParaRPr lang="en-US" altLang="ko-KR" sz="2400" b="1"/>
+          </a:p>
+          <a:p>
+            <a:pPr marL="257040" indent="-257040">
+              <a:buFont typeface="Arial"/>
+              <a:buChar char="•"/>
+              <a:defRPr/>
+            </a:pPr>
+            <a:r>
+              <a:rPr lang="en-US" altLang="ko-KR"/>
+              <a:t>each label has 96 data</a:t>
+            </a:r>
+            <a:endParaRPr lang="en-US" altLang="ko-KR"/>
+          </a:p>
+        </p:txBody>
+      </p:sp>
     </p:spTree>
-    <p:extLst>
-      <p:ext uri="{BB962C8B-B14F-4D97-AF65-F5344CB8AC3E}">
-        <p14:creationId xmlns:p14="http://schemas.microsoft.com/office/powerpoint/2010/main" val="2536487675"/>
-      </p:ext>
-    </p:extLst>
   </p:cSld>
   <p:clrMapOvr>
     <a:masterClrMapping/>
   </p:clrMapOvr>
+  <mc:AlternateContent xmlns:mc="http://schemas.openxmlformats.org/markup-compatibility/2006">
+    <mc:Choice xmlns:p14="http://schemas.microsoft.com/office/powerpoint/2010/main" Requires="p14">
+      <p:transition xmlns:mc="http://schemas.openxmlformats.org/markup-compatibility/2006" xmlns:p14="http://schemas.microsoft.com/office/powerpoint/2010/main" mc:Ignorable="p14" p14:dur="500"/>
+    </mc:Choice>
+    <mc:Fallback>
+      <p:transition/>
+    </mc:Fallback>
+  </mc:AlternateContent>
 </p:sld>
 </file>
 
 <file path=ppt/slides/slide7.xml><?xml version="1.0" encoding="utf-8"?>
-<p:sld xmlns:a="http://schemas.openxmlformats.org/drawingml/2006/main" xmlns:r="http://schemas.openxmlformats.org/officeDocument/2006/relationships" xmlns:p="http://schemas.openxmlformats.org/presentationml/2006/main">
+<p:sld xmlns:r="http://schemas.openxmlformats.org/officeDocument/2006/relationships" xmlns:c="http://schemas.openxmlformats.org/drawingml/2006/chart" xmlns:a="http://schemas.openxmlformats.org/drawingml/2006/main" xmlns:dgm="http://schemas.openxmlformats.org/drawingml/2006/diagram" xmlns:dsp="http://schemas.microsoft.com/office/drawing/2008/diagram" xmlns:p="http://schemas.openxmlformats.org/presentationml/2006/main">
   <p:cSld>
     <p:spTree>
       <p:nvGrpSpPr>
-        <p:cNvPr id="1" name="">
-          <a:extLst>
-            <a:ext uri="{FF2B5EF4-FFF2-40B4-BE49-F238E27FC236}">
-              <a16:creationId xmlns:a16="http://schemas.microsoft.com/office/drawing/2014/main" id="{AF1CAB74-8287-E7DF-22D0-44B1B4E38349}"/>
-            </a:ext>
-          </a:extLst>
-        </p:cNvPr>
+        <p:cNvPr id="1" name=""/>
         <p:cNvGrpSpPr/>
         <p:nvPr/>
       </p:nvGrpSpPr>
@@ -7686,13 +7820,7 @@
       </p:grpSpPr>
       <p:sp>
         <p:nvSpPr>
-          <p:cNvPr id="4" name="Slide Number Placeholder 3">
-            <a:extLst>
-              <a:ext uri="{FF2B5EF4-FFF2-40B4-BE49-F238E27FC236}">
-                <a16:creationId xmlns:a16="http://schemas.microsoft.com/office/drawing/2014/main" id="{DFCCFEA5-7D48-174F-8A23-8FA85613372F}"/>
-              </a:ext>
-            </a:extLst>
-          </p:cNvPr>
+          <p:cNvPr id="4" name="Slide Number Placeholder 3"/>
           <p:cNvSpPr>
             <a:spLocks noGrp="1"/>
           </p:cNvSpPr>
@@ -7705,8 +7833,14 @@
           <a:bodyPr/>
           <a:lstStyle/>
           <a:p>
+            <a:pPr lvl="0">
+              <a:defRPr/>
+            </a:pPr>
             <a:fld id="{5692316A-719A-48D9-85D6-6D363263384A}" type="slidenum">
-              <a:rPr lang="en-US" smtClean="0"/>
+              <a:rPr lang="en-US"/>
+              <a:pPr lvl="0">
+                <a:defRPr/>
+              </a:pPr>
               <a:t>7</a:t>
             </a:fld>
             <a:endParaRPr lang="en-US"/>
@@ -7715,24 +7849,53 @@
       </p:sp>
       <p:sp>
         <p:nvSpPr>
-          <p:cNvPr id="5" name="Title 1">
-            <a:extLst>
-              <a:ext uri="{FF2B5EF4-FFF2-40B4-BE49-F238E27FC236}">
-                <a16:creationId xmlns:a16="http://schemas.microsoft.com/office/drawing/2014/main" id="{BC0041E1-7686-8829-2002-F1D14F65AAE2}"/>
-              </a:ext>
-            </a:extLst>
-          </p:cNvPr>
-          <p:cNvSpPr>
-            <a:spLocks noGrp="1"/>
-          </p:cNvSpPr>
-          <p:nvPr>
-            <p:ph type="title"/>
+          <p:cNvPr id="5" name="Title 1"/>
+          <p:cNvSpPr>
+            <a:spLocks noGrp="1"/>
+          </p:cNvSpPr>
+          <p:nvPr>
+            <p:ph type="title" idx="0"/>
           </p:nvPr>
         </p:nvSpPr>
         <p:spPr>
           <a:xfrm>
             <a:off x="685800" y="337988"/>
             <a:ext cx="7772400" cy="921474"/>
+          </a:xfrm>
+        </p:spPr>
+        <p:txBody>
+          <a:bodyPr/>
+          <a:lstStyle/>
+          <a:p>
+            <a:pPr algn="ctr">
+              <a:defRPr/>
+            </a:pPr>
+            <a:r>
+              <a:rPr lang="en-US"/>
+              <a:t>CLASSIFICATION: </a:t>
+            </a:r>
+            <a:r>
+              <a:rPr lang="en-US" altLang="ko-KR"/>
+              <a:t>Analyze</a:t>
+            </a:r>
+            <a:endParaRPr lang="en-US" altLang="ko-KR"/>
+          </a:p>
+        </p:txBody>
+      </p:sp>
+      <p:sp>
+        <p:nvSpPr>
+          <p:cNvPr id="2" name="Content Placeholder 2"/>
+          <p:cNvSpPr>
+            <a:spLocks noGrp="1"/>
+          </p:cNvSpPr>
+          <p:nvPr>
+            <p:ph idx="1"/>
+          </p:nvPr>
+        </p:nvSpPr>
+        <p:spPr>
+          <a:xfrm>
+            <a:off x="916997" y="1104864"/>
+            <a:ext cx="7310005" cy="4648272"/>
           </a:xfrm>
         </p:spPr>
         <p:txBody>
@@ -7741,196 +7904,142 @@
           </a:bodyPr>
           <a:lstStyle/>
           <a:p>
-            <a:pPr algn="ctr"/>
-            <a:r>
-              <a:rPr lang="en-US"/>
-              <a:t>CLASSIFICATION: Decision tree</a:t>
-            </a:r>
-          </a:p>
-        </p:txBody>
-      </p:sp>
-      <p:sp>
-        <p:nvSpPr>
-          <p:cNvPr id="2" name="Content Placeholder 2">
-            <a:extLst>
-              <a:ext uri="{FF2B5EF4-FFF2-40B4-BE49-F238E27FC236}">
-                <a16:creationId xmlns:a16="http://schemas.microsoft.com/office/drawing/2014/main" id="{2FB3FF8F-40DE-0364-C1FB-08AB30D5CECB}"/>
-              </a:ext>
-            </a:extLst>
-          </p:cNvPr>
-          <p:cNvSpPr>
-            <a:spLocks noGrp="1"/>
-          </p:cNvSpPr>
-          <p:nvPr>
-            <p:ph idx="1"/>
-          </p:nvPr>
-        </p:nvSpPr>
-        <p:spPr>
-          <a:xfrm>
-            <a:off x="685799" y="1523928"/>
-            <a:ext cx="3774057" cy="4648272"/>
-          </a:xfrm>
-        </p:spPr>
-        <p:txBody>
-          <a:bodyPr>
-            <a:noAutofit/>
-          </a:bodyPr>
-          <a:lstStyle/>
-          <a:p>
-            <a:pPr marL="0" indent="0" algn="just">
+            <a:pPr marL="0" indent="0">
               <a:buNone/>
-            </a:pPr>
-            <a:r>
-              <a:rPr lang="en-US" sz="1800" b="1"/>
-              <a:t>DECISION TREE</a:t>
-            </a:r>
-          </a:p>
-          <a:p>
-            <a:pPr algn="just"/>
-            <a:r>
-              <a:rPr lang="en-US" sz="1800"/>
-              <a:t>Splits the data into subsets based on features to create a tree-like structure of decisions.</a:t>
-            </a:r>
-          </a:p>
-          <a:p>
-            <a:pPr algn="just"/>
-            <a:r>
-              <a:rPr lang="en-US" sz="1800"/>
-              <a:t>Each node represents a decision based on a feature, leading to the classification of instances.</a:t>
-            </a:r>
-          </a:p>
-          <a:p>
-            <a:pPr algn="just"/>
-            <a:r>
-              <a:rPr lang="en-US" sz="1800"/>
-              <a:t>Decision trees are interpretable and easy to visualize, useful for understanding the decision-making process.</a:t>
-            </a:r>
-          </a:p>
-          <a:p>
-            <a:pPr algn="just"/>
-            <a:r>
-              <a:rPr lang="en-US" sz="1800"/>
-              <a:t>However, they can overfit the training data and may not generalize well to unseen data.</a:t>
-            </a:r>
-          </a:p>
-          <a:p>
-            <a:pPr marL="0" indent="0" algn="just">
-              <a:buNone/>
-            </a:pPr>
-            <a:endParaRPr lang="en-US" sz="1800"/>
-          </a:p>
-          <a:p>
-            <a:pPr algn="just"/>
-            <a:endParaRPr lang="en-US" sz="1800"/>
-          </a:p>
-          <a:p>
-            <a:pPr algn="just"/>
-            <a:endParaRPr lang="en-US" sz="1800"/>
-          </a:p>
-          <a:p>
-            <a:pPr algn="just"/>
-            <a:endParaRPr lang="en-US" sz="1800"/>
-          </a:p>
-          <a:p>
-            <a:pPr algn="just"/>
-            <a:endParaRPr lang="en-US" sz="1800"/>
-          </a:p>
-          <a:p>
-            <a:pPr algn="just"/>
-            <a:endParaRPr lang="en-US" sz="1800"/>
-          </a:p>
-          <a:p>
-            <a:pPr algn="just"/>
-            <a:endParaRPr lang="en-US" sz="1800"/>
-          </a:p>
-          <a:p>
-            <a:pPr algn="just"/>
-            <a:endParaRPr lang="en-US" sz="1800"/>
-          </a:p>
-          <a:p>
-            <a:pPr algn="just"/>
-            <a:endParaRPr lang="en-US" sz="1800"/>
-          </a:p>
-          <a:p>
-            <a:pPr algn="just"/>
-            <a:endParaRPr lang="en-US" sz="1800"/>
-          </a:p>
-          <a:p>
-            <a:pPr algn="just"/>
-            <a:endParaRPr lang="en-US" sz="1800"/>
-          </a:p>
-        </p:txBody>
-      </p:sp>
-      <p:pic>
-        <p:nvPicPr>
-          <p:cNvPr id="12290" name="Picture 2" descr="Fully Explained Decision Tree Classification with Python | by Amit Chauhan  | Towards AI">
-            <a:extLst>
-              <a:ext uri="{FF2B5EF4-FFF2-40B4-BE49-F238E27FC236}">
-                <a16:creationId xmlns:a16="http://schemas.microsoft.com/office/drawing/2014/main" id="{168593DC-7163-E96C-3869-659F85E2D96E}"/>
-              </a:ext>
-            </a:extLst>
-          </p:cNvPr>
-          <p:cNvPicPr>
-            <a:picLocks noChangeAspect="1" noChangeArrowheads="1"/>
-          </p:cNvPicPr>
-          <p:nvPr/>
-        </p:nvPicPr>
-        <p:blipFill rotWithShape="1">
-          <a:blip r:embed="rId2">
-            <a:extLst>
-              <a:ext uri="{28A0092B-C50C-407E-A947-70E740481C1C}">
-                <a14:useLocalDpi xmlns:a14="http://schemas.microsoft.com/office/drawing/2010/main" val="0"/>
-              </a:ext>
-            </a:extLst>
-          </a:blip>
-          <a:srcRect l="44412" r="1458"/>
-          <a:stretch/>
-        </p:blipFill>
-        <p:spPr bwMode="auto">
-          <a:xfrm>
-            <a:off x="4712093" y="1523928"/>
-            <a:ext cx="4011283" cy="4267200"/>
-          </a:xfrm>
-          <a:prstGeom prst="rect">
-            <a:avLst/>
-          </a:prstGeom>
-          <a:noFill/>
-          <a:extLst>
-            <a:ext uri="{909E8E84-426E-40DD-AFC4-6F175D3DCCD1}">
-              <a14:hiddenFill xmlns:a14="http://schemas.microsoft.com/office/drawing/2010/main">
-                <a:solidFill>
-                  <a:srgbClr val="FFFFFF"/>
-                </a:solidFill>
-              </a14:hiddenFill>
-            </a:ext>
-          </a:extLst>
-        </p:spPr>
-      </p:pic>
+              <a:defRPr/>
+            </a:pPr>
+            <a:endParaRPr lang="en-US" sz="1800" b="1"/>
+          </a:p>
+          <a:p>
+            <a:pPr lvl="0">
+              <a:defRPr/>
+            </a:pPr>
+            <a:endParaRPr lang="en-US" sz="1800" b="1"/>
+          </a:p>
+          <a:p>
+            <a:pPr lvl="0">
+              <a:defRPr/>
+            </a:pPr>
+            <a:r>
+              <a:rPr lang="en-US" altLang="ko-KR" sz="1800" b="1"/>
+              <a:t>Model: XGBoost</a:t>
+            </a:r>
+            <a:endParaRPr lang="en-US" altLang="ko-KR" sz="1800" b="1"/>
+          </a:p>
+          <a:p>
+            <a:pPr lvl="0">
+              <a:defRPr/>
+            </a:pPr>
+            <a:r>
+              <a:rPr lang="en-US" altLang="ko-KR" sz="1800" b="1"/>
+              <a:t>Oversampling: SMOTE</a:t>
+            </a:r>
+            <a:endParaRPr lang="en-US" altLang="ko-KR" sz="1800" b="1"/>
+          </a:p>
+          <a:p>
+            <a:pPr lvl="0">
+              <a:defRPr/>
+            </a:pPr>
+            <a:r>
+              <a:rPr lang="en-US" altLang="ko-KR" sz="1800" b="1"/>
+              <a:t>Data(480, 50), Label(5 classification)</a:t>
+            </a:r>
+            <a:endParaRPr lang="en-US" altLang="ko-KR" sz="1800" b="1"/>
+          </a:p>
+          <a:p>
+            <a:pPr lvl="0">
+              <a:defRPr/>
+            </a:pPr>
+            <a:r>
+              <a:rPr lang="en-US" altLang="ko-KR" sz="1800" b="1"/>
+              <a:t>Overall accuracy: 92.10%</a:t>
+            </a:r>
+            <a:endParaRPr lang="en-US" altLang="ko-KR" sz="1800" b="1"/>
+          </a:p>
+          <a:p>
+            <a:pPr lvl="0">
+              <a:defRPr/>
+            </a:pPr>
+            <a:r>
+              <a:rPr lang="en-US" altLang="ko-KR" sz="1800" b="1"/>
+              <a:t>Accuracy of each label</a:t>
+            </a:r>
+            <a:endParaRPr lang="en-US" altLang="ko-KR" sz="1800" b="1"/>
+          </a:p>
+          <a:p>
+            <a:pPr lvl="1">
+              <a:defRPr/>
+            </a:pPr>
+            <a:r>
+              <a:rPr lang="en-US" altLang="ko-KR" sz="1800" b="1"/>
+              <a:t>Normal(0): 100%</a:t>
+            </a:r>
+            <a:endParaRPr lang="en-US" altLang="ko-KR" sz="1800" b="1"/>
+          </a:p>
+          <a:p>
+            <a:pPr lvl="1">
+              <a:defRPr/>
+            </a:pPr>
+            <a:r>
+              <a:rPr lang="en-US" altLang="ko-KR" sz="1800" b="1"/>
+              <a:t>CIN 1(1): 100%</a:t>
+            </a:r>
+            <a:endParaRPr lang="en-US" altLang="ko-KR" sz="1800" b="1"/>
+          </a:p>
+          <a:p>
+            <a:pPr lvl="1">
+              <a:defRPr/>
+            </a:pPr>
+            <a:r>
+              <a:rPr lang="en-US" altLang="ko-KR" sz="1800" b="1"/>
+              <a:t>CIN 2(2): 81%</a:t>
+            </a:r>
+            <a:endParaRPr lang="en-US" altLang="ko-KR" sz="1800" b="1"/>
+          </a:p>
+          <a:p>
+            <a:pPr lvl="1">
+              <a:defRPr/>
+            </a:pPr>
+            <a:r>
+              <a:rPr lang="en-US" altLang="ko-KR" sz="1800" b="1"/>
+              <a:t>CIN 3(3): 75%</a:t>
+            </a:r>
+            <a:endParaRPr lang="en-US" altLang="ko-KR" sz="1800" b="1"/>
+          </a:p>
+          <a:p>
+            <a:pPr lvl="1">
+              <a:defRPr/>
+            </a:pPr>
+            <a:r>
+              <a:rPr lang="en-US" altLang="ko-KR" sz="1800" b="1"/>
+              <a:t>Worst(4): 98%</a:t>
+            </a:r>
+            <a:endParaRPr lang="en-US" altLang="ko-KR" sz="1800" b="1"/>
+          </a:p>
+        </p:txBody>
+      </p:sp>
     </p:spTree>
-    <p:extLst>
-      <p:ext uri="{BB962C8B-B14F-4D97-AF65-F5344CB8AC3E}">
-        <p14:creationId xmlns:p14="http://schemas.microsoft.com/office/powerpoint/2010/main" val="687940041"/>
-      </p:ext>
-    </p:extLst>
   </p:cSld>
   <p:clrMapOvr>
     <a:masterClrMapping/>
   </p:clrMapOvr>
+  <mc:AlternateContent xmlns:mc="http://schemas.openxmlformats.org/markup-compatibility/2006">
+    <mc:Choice xmlns:p14="http://schemas.microsoft.com/office/powerpoint/2010/main" Requires="p14">
+      <p:transition xmlns:mc="http://schemas.openxmlformats.org/markup-compatibility/2006" xmlns:p14="http://schemas.microsoft.com/office/powerpoint/2010/main" mc:Ignorable="p14" p14:dur="500"/>
+    </mc:Choice>
+    <mc:Fallback>
+      <p:transition/>
+    </mc:Fallback>
+  </mc:AlternateContent>
 </p:sld>
 </file>
 
 <file path=ppt/slides/slide8.xml><?xml version="1.0" encoding="utf-8"?>
-<p:sld xmlns:a="http://schemas.openxmlformats.org/drawingml/2006/main" xmlns:r="http://schemas.openxmlformats.org/officeDocument/2006/relationships" xmlns:p="http://schemas.openxmlformats.org/presentationml/2006/main">
+<p:sld xmlns:r="http://schemas.openxmlformats.org/officeDocument/2006/relationships" xmlns:c="http://schemas.openxmlformats.org/drawingml/2006/chart" xmlns:a="http://schemas.openxmlformats.org/drawingml/2006/main" xmlns:dgm="http://schemas.openxmlformats.org/drawingml/2006/diagram" xmlns:dsp="http://schemas.microsoft.com/office/drawing/2008/diagram" xmlns:p="http://schemas.openxmlformats.org/presentationml/2006/main">
   <p:cSld>
     <p:spTree>
       <p:nvGrpSpPr>
-        <p:cNvPr id="1" name="">
-          <a:extLst>
-            <a:ext uri="{FF2B5EF4-FFF2-40B4-BE49-F238E27FC236}">
-              <a16:creationId xmlns:a16="http://schemas.microsoft.com/office/drawing/2014/main" id="{2DAFF014-43AE-7AEF-A877-6932B817C621}"/>
-            </a:ext>
-          </a:extLst>
-        </p:cNvPr>
+        <p:cNvPr id="1" name=""/>
         <p:cNvGrpSpPr/>
         <p:nvPr/>
       </p:nvGrpSpPr>
@@ -7944,13 +8053,7 @@
       </p:grpSpPr>
       <p:sp>
         <p:nvSpPr>
-          <p:cNvPr id="4" name="Slide Number Placeholder 3">
-            <a:extLst>
-              <a:ext uri="{FF2B5EF4-FFF2-40B4-BE49-F238E27FC236}">
-                <a16:creationId xmlns:a16="http://schemas.microsoft.com/office/drawing/2014/main" id="{20553842-00A4-C8DB-52B2-9537F8BA7E07}"/>
-              </a:ext>
-            </a:extLst>
-          </p:cNvPr>
+          <p:cNvPr id="4" name="Slide Number Placeholder 3"/>
           <p:cNvSpPr>
             <a:spLocks noGrp="1"/>
           </p:cNvSpPr>
@@ -7963,8 +8066,14 @@
           <a:bodyPr/>
           <a:lstStyle/>
           <a:p>
+            <a:pPr lvl="0">
+              <a:defRPr/>
+            </a:pPr>
             <a:fld id="{5692316A-719A-48D9-85D6-6D363263384A}" type="slidenum">
-              <a:rPr lang="en-US" smtClean="0"/>
+              <a:rPr lang="en-US"/>
+              <a:pPr lvl="0">
+                <a:defRPr/>
+              </a:pPr>
               <a:t>8</a:t>
             </a:fld>
             <a:endParaRPr lang="en-US"/>
@@ -7973,23 +8082,17 @@
       </p:sp>
       <p:sp>
         <p:nvSpPr>
-          <p:cNvPr id="5" name="Title 1">
-            <a:extLst>
-              <a:ext uri="{FF2B5EF4-FFF2-40B4-BE49-F238E27FC236}">
-                <a16:creationId xmlns:a16="http://schemas.microsoft.com/office/drawing/2014/main" id="{35ECF490-0B2F-B0B1-9C01-1037FFC9D4B2}"/>
-              </a:ext>
-            </a:extLst>
-          </p:cNvPr>
-          <p:cNvSpPr>
-            <a:spLocks noGrp="1"/>
-          </p:cNvSpPr>
-          <p:nvPr>
-            <p:ph type="title"/>
+          <p:cNvPr id="5" name="Title 1"/>
+          <p:cNvSpPr>
+            <a:spLocks noGrp="1"/>
+          </p:cNvSpPr>
+          <p:nvPr>
+            <p:ph type="title" idx="0"/>
           </p:nvPr>
         </p:nvSpPr>
         <p:spPr>
           <a:xfrm>
-            <a:off x="685800" y="337988"/>
+            <a:off x="685800" y="286033"/>
             <a:ext cx="7772400" cy="921474"/>
           </a:xfrm>
         </p:spPr>
@@ -7997,131 +8100,20 @@
           <a:bodyPr/>
           <a:lstStyle/>
           <a:p>
-            <a:pPr algn="ctr"/>
-            <a:r>
-              <a:rPr lang="en-US"/>
-              <a:t>CLASSIFICATION: xgboost model</a:t>
-            </a:r>
-          </a:p>
-        </p:txBody>
-      </p:sp>
-      <p:grpSp>
-        <p:nvGrpSpPr>
-          <p:cNvPr id="11" name="Group 10">
-            <a:extLst>
-              <a:ext uri="{FF2B5EF4-FFF2-40B4-BE49-F238E27FC236}">
-                <a16:creationId xmlns:a16="http://schemas.microsoft.com/office/drawing/2014/main" id="{5FA8FBF8-FA39-B003-2A9C-96839934A892}"/>
-              </a:ext>
-            </a:extLst>
-          </p:cNvPr>
-          <p:cNvGrpSpPr>
-            <a:grpSpLocks noChangeAspect="1"/>
-          </p:cNvGrpSpPr>
-          <p:nvPr/>
-        </p:nvGrpSpPr>
-        <p:grpSpPr>
-          <a:xfrm>
-            <a:off x="4395934" y="1482255"/>
-            <a:ext cx="4062266" cy="4731617"/>
-            <a:chOff x="4395934" y="1523928"/>
-            <a:chExt cx="4062266" cy="4731617"/>
-          </a:xfrm>
-        </p:grpSpPr>
-        <p:pic>
-          <p:nvPicPr>
-            <p:cNvPr id="5126" name="Picture 6" descr="Flowchart of logistic regression.">
-              <a:extLst>
-                <a:ext uri="{FF2B5EF4-FFF2-40B4-BE49-F238E27FC236}">
-                  <a16:creationId xmlns:a16="http://schemas.microsoft.com/office/drawing/2014/main" id="{42B016D8-DCBB-FC6E-1ADD-2BEE2DB1BA5F}"/>
-                </a:ext>
-              </a:extLst>
-            </p:cNvPr>
-            <p:cNvPicPr>
-              <a:picLocks noChangeAspect="1" noChangeArrowheads="1"/>
-            </p:cNvPicPr>
-            <p:nvPr/>
-          </p:nvPicPr>
-          <p:blipFill>
-            <a:blip r:embed="rId2">
-              <a:extLst>
-                <a:ext uri="{28A0092B-C50C-407E-A947-70E740481C1C}">
-                  <a14:useLocalDpi xmlns:a14="http://schemas.microsoft.com/office/drawing/2010/main" val="0"/>
-                </a:ext>
-              </a:extLst>
-            </a:blip>
-            <a:srcRect/>
-            <a:stretch>
-              <a:fillRect/>
-            </a:stretch>
-          </p:blipFill>
-          <p:spPr bwMode="auto">
-            <a:xfrm>
-              <a:off x="4395934" y="4099882"/>
-              <a:ext cx="4062266" cy="2155663"/>
-            </a:xfrm>
-            <a:prstGeom prst="rect">
-              <a:avLst/>
-            </a:prstGeom>
-            <a:noFill/>
-          </p:spPr>
-        </p:pic>
-        <p:pic>
-          <p:nvPicPr>
-            <p:cNvPr id="5124" name="Picture 4" descr="Flow chart of XGBoost. | Download Scientific Diagram">
-              <a:extLst>
-                <a:ext uri="{FF2B5EF4-FFF2-40B4-BE49-F238E27FC236}">
-                  <a16:creationId xmlns:a16="http://schemas.microsoft.com/office/drawing/2014/main" id="{54B16BAB-E0AB-711A-40DD-364652195DCC}"/>
-                </a:ext>
-              </a:extLst>
-            </p:cNvPr>
-            <p:cNvPicPr>
-              <a:picLocks noChangeAspect="1" noChangeArrowheads="1"/>
-            </p:cNvPicPr>
-            <p:nvPr/>
-          </p:nvPicPr>
-          <p:blipFill>
-            <a:blip r:embed="rId3">
-              <a:extLst>
-                <a:ext uri="{28A0092B-C50C-407E-A947-70E740481C1C}">
-                  <a14:useLocalDpi xmlns:a14="http://schemas.microsoft.com/office/drawing/2010/main" val="0"/>
-                </a:ext>
-              </a:extLst>
-            </a:blip>
-            <a:srcRect/>
-            <a:stretch>
-              <a:fillRect/>
-            </a:stretch>
-          </p:blipFill>
-          <p:spPr bwMode="auto">
-            <a:xfrm>
-              <a:off x="4395934" y="1523928"/>
-              <a:ext cx="4062266" cy="2575954"/>
-            </a:xfrm>
-            <a:prstGeom prst="rect">
-              <a:avLst/>
-            </a:prstGeom>
-            <a:noFill/>
-            <a:extLst>
-              <a:ext uri="{909E8E84-426E-40DD-AFC4-6F175D3DCCD1}">
-                <a14:hiddenFill xmlns:a14="http://schemas.microsoft.com/office/drawing/2010/main">
-                  <a:solidFill>
-                    <a:srgbClr val="FFFFFF"/>
-                  </a:solidFill>
-                </a14:hiddenFill>
-              </a:ext>
-            </a:extLst>
-          </p:spPr>
-        </p:pic>
-      </p:grpSp>
-      <p:sp>
-        <p:nvSpPr>
-          <p:cNvPr id="2" name="Content Placeholder 2">
-            <a:extLst>
-              <a:ext uri="{FF2B5EF4-FFF2-40B4-BE49-F238E27FC236}">
-                <a16:creationId xmlns:a16="http://schemas.microsoft.com/office/drawing/2014/main" id="{B0864969-5128-B3CB-F3F9-DDF70916F321}"/>
-              </a:ext>
-            </a:extLst>
-          </p:cNvPr>
+            <a:pPr algn="ctr">
+              <a:defRPr/>
+            </a:pPr>
+            <a:r>
+              <a:rPr lang="en-US" altLang="ko-KR"/>
+              <a:t>Parameters weight</a:t>
+            </a:r>
+            <a:endParaRPr lang="en-US" altLang="ko-KR"/>
+          </a:p>
+        </p:txBody>
+      </p:sp>
+      <p:sp>
+        <p:nvSpPr>
+          <p:cNvPr id="8" name="Content Placeholder 2"/>
           <p:cNvSpPr>
             <a:spLocks noGrp="1"/>
           </p:cNvSpPr>
@@ -8131,106 +8123,134 @@
         </p:nvSpPr>
         <p:spPr>
           <a:xfrm>
-            <a:off x="685800" y="1523928"/>
-            <a:ext cx="3200400" cy="4648272"/>
+            <a:off x="5350452" y="1234750"/>
+            <a:ext cx="3638550" cy="5124522"/>
           </a:xfrm>
         </p:spPr>
         <p:txBody>
-          <a:bodyPr>
+          <a:bodyPr vert="horz" lIns="91440" tIns="45720" rIns="91440" bIns="45720">
             <a:normAutofit/>
           </a:bodyPr>
           <a:lstStyle/>
           <a:p>
-            <a:pPr marL="0" indent="0" algn="just">
+            <a:pPr marL="0" indent="0">
               <a:buNone/>
-            </a:pPr>
-            <a:r>
-              <a:rPr lang="en-US" sz="1800" b="1"/>
-              <a:t>XGBOOST MODEL</a:t>
-            </a:r>
-          </a:p>
-          <a:p>
-            <a:pPr algn="just"/>
-            <a:r>
-              <a:rPr lang="en-US" sz="1800"/>
-              <a:t>XGBoost is a fast and powerful machine learning algorithm.</a:t>
-            </a:r>
-          </a:p>
-          <a:p>
-            <a:pPr algn="just"/>
-            <a:r>
-              <a:rPr lang="en-US" sz="1800"/>
-              <a:t>It combines weak models to create a stronger one.</a:t>
-            </a:r>
-          </a:p>
-          <a:p>
-            <a:pPr algn="just"/>
-            <a:r>
-              <a:rPr lang="en-US" sz="1800"/>
-              <a:t>Efficient for large datasets, it uses parallel and distributed computing.</a:t>
-            </a:r>
-          </a:p>
-          <a:p>
-            <a:pPr algn="just"/>
-            <a:r>
-              <a:rPr lang="en-US" sz="1800"/>
-              <a:t>Flexible hyperparameters allow for fine-tuning.</a:t>
-            </a:r>
-          </a:p>
-          <a:p>
-            <a:pPr algn="just"/>
-            <a:r>
-              <a:rPr lang="en-US" sz="1800"/>
-              <a:t>Widely used for its accuracy and scalability.</a:t>
-            </a:r>
-          </a:p>
-          <a:p>
-            <a:pPr algn="just"/>
-            <a:endParaRPr lang="en-US" sz="1800"/>
-          </a:p>
-          <a:p>
-            <a:pPr algn="just"/>
-            <a:endParaRPr lang="en-US" sz="1800"/>
-          </a:p>
-          <a:p>
-            <a:pPr algn="just"/>
-            <a:endParaRPr lang="en-US" sz="1800"/>
-          </a:p>
-          <a:p>
-            <a:pPr algn="just"/>
-            <a:endParaRPr lang="en-US" sz="1800"/>
-          </a:p>
-          <a:p>
-            <a:pPr algn="just"/>
-            <a:endParaRPr lang="en-US" sz="1800"/>
-          </a:p>
-        </p:txBody>
-      </p:sp>
+              <a:defRPr/>
+            </a:pPr>
+            <a:r>
+              <a:rPr lang="en-US" altLang="ko-KR" sz="1800" b="1"/>
+              <a:t>Top 5</a:t>
+            </a:r>
+            <a:endParaRPr lang="en-US" altLang="ko-KR" sz="1800" b="1"/>
+          </a:p>
+          <a:p>
+            <a:pPr marL="257040" indent="-257040">
+              <a:buFont typeface="Arial"/>
+              <a:buChar char="•"/>
+              <a:defRPr/>
+            </a:pPr>
+            <a:r>
+              <a:rPr lang="en-US" altLang="ko-KR" sz="1800" b="1"/>
+              <a:t>index 39: 14.47%</a:t>
+            </a:r>
+            <a:endParaRPr lang="en-US" altLang="ko-KR" sz="1800" b="1"/>
+          </a:p>
+          <a:p>
+            <a:pPr marL="257040" indent="-257040">
+              <a:buFont typeface="Arial"/>
+              <a:buChar char="•"/>
+              <a:defRPr/>
+            </a:pPr>
+            <a:r>
+              <a:rPr lang="en-US" altLang="ko-KR" sz="1800" b="1"/>
+              <a:t>index 34: 10.08%</a:t>
+            </a:r>
+            <a:endParaRPr lang="en-US" altLang="ko-KR" sz="1800" b="1"/>
+          </a:p>
+          <a:p>
+            <a:pPr marL="257040" indent="-257040">
+              <a:buFont typeface="Arial"/>
+              <a:buChar char="•"/>
+              <a:defRPr/>
+            </a:pPr>
+            <a:r>
+              <a:rPr lang="en-US" altLang="ko-KR" sz="1800" b="1"/>
+              <a:t>index 33: 8.70%</a:t>
+            </a:r>
+            <a:endParaRPr lang="en-US" altLang="ko-KR" sz="1800" b="1"/>
+          </a:p>
+          <a:p>
+            <a:pPr marL="257040" indent="-257040">
+              <a:buFont typeface="Arial"/>
+              <a:buChar char="•"/>
+              <a:defRPr/>
+            </a:pPr>
+            <a:r>
+              <a:rPr lang="en-US" altLang="ko-KR" sz="1800" b="1"/>
+              <a:t>index 28: 8.42%</a:t>
+            </a:r>
+            <a:endParaRPr lang="en-US" altLang="ko-KR" sz="1800" b="1"/>
+          </a:p>
+          <a:p>
+            <a:pPr marL="257040" indent="-257040">
+              <a:buFont typeface="Arial"/>
+              <a:buChar char="•"/>
+              <a:defRPr/>
+            </a:pPr>
+            <a:r>
+              <a:rPr lang="en-US" altLang="ko-KR" sz="1800" b="1"/>
+              <a:t>index 22: 7.94%</a:t>
+            </a:r>
+            <a:endParaRPr lang="en-US" altLang="ko-KR" sz="1800" b="1"/>
+          </a:p>
+        </p:txBody>
+      </p:sp>
+      <p:pic>
+        <p:nvPicPr>
+          <p:cNvPr id="9" name=""/>
+          <p:cNvPicPr>
+            <a:picLocks noChangeAspect="1"/>
+          </p:cNvPicPr>
+          <p:nvPr/>
+        </p:nvPicPr>
+        <p:blipFill rotWithShape="1">
+          <a:blip r:embed="rId2"/>
+          <a:stretch>
+            <a:fillRect/>
+          </a:stretch>
+        </p:blipFill>
+        <p:spPr>
+          <a:xfrm>
+            <a:off x="414049" y="1117021"/>
+            <a:ext cx="4575085" cy="5524501"/>
+          </a:xfrm>
+          <a:prstGeom prst="rect">
+            <a:avLst/>
+          </a:prstGeom>
+        </p:spPr>
+      </p:pic>
     </p:spTree>
-    <p:extLst>
-      <p:ext uri="{BB962C8B-B14F-4D97-AF65-F5344CB8AC3E}">
-        <p14:creationId xmlns:p14="http://schemas.microsoft.com/office/powerpoint/2010/main" val="3957534323"/>
-      </p:ext>
-    </p:extLst>
   </p:cSld>
   <p:clrMapOvr>
     <a:masterClrMapping/>
   </p:clrMapOvr>
+  <mc:AlternateContent xmlns:mc="http://schemas.openxmlformats.org/markup-compatibility/2006">
+    <mc:Choice xmlns:p14="http://schemas.microsoft.com/office/powerpoint/2010/main" Requires="p14">
+      <p:transition xmlns:mc="http://schemas.openxmlformats.org/markup-compatibility/2006" xmlns:p14="http://schemas.microsoft.com/office/powerpoint/2010/main" mc:Ignorable="p14" p14:dur="500"/>
+    </mc:Choice>
+    <mc:Fallback>
+      <p:transition/>
+    </mc:Fallback>
+  </mc:AlternateContent>
 </p:sld>
 </file>
 
 <file path=ppt/slides/slide9.xml><?xml version="1.0" encoding="utf-8"?>
-<p:sld xmlns:a="http://schemas.openxmlformats.org/drawingml/2006/main" xmlns:r="http://schemas.openxmlformats.org/officeDocument/2006/relationships" xmlns:p="http://schemas.openxmlformats.org/presentationml/2006/main">
+<p:sld xmlns:r="http://schemas.openxmlformats.org/officeDocument/2006/relationships" xmlns:c="http://schemas.openxmlformats.org/drawingml/2006/chart" xmlns:a="http://schemas.openxmlformats.org/drawingml/2006/main" xmlns:dgm="http://schemas.openxmlformats.org/drawingml/2006/diagram" xmlns:dsp="http://schemas.microsoft.com/office/drawing/2008/diagram" xmlns:p="http://schemas.openxmlformats.org/presentationml/2006/main">
   <p:cSld>
     <p:spTree>
       <p:nvGrpSpPr>
-        <p:cNvPr id="1" name="">
-          <a:extLst>
-            <a:ext uri="{FF2B5EF4-FFF2-40B4-BE49-F238E27FC236}">
-              <a16:creationId xmlns:a16="http://schemas.microsoft.com/office/drawing/2014/main" id="{501C8A6C-548B-FA34-2D26-22AE7371575D}"/>
-            </a:ext>
-          </a:extLst>
-        </p:cNvPr>
+        <p:cNvPr id="1" name=""/>
         <p:cNvGrpSpPr/>
         <p:nvPr/>
       </p:nvGrpSpPr>
@@ -8244,13 +8264,7 @@
       </p:grpSpPr>
       <p:sp>
         <p:nvSpPr>
-          <p:cNvPr id="4" name="Slide Number Placeholder 3">
-            <a:extLst>
-              <a:ext uri="{FF2B5EF4-FFF2-40B4-BE49-F238E27FC236}">
-                <a16:creationId xmlns:a16="http://schemas.microsoft.com/office/drawing/2014/main" id="{7C918476-0517-2780-8723-4D02B8F9BE1C}"/>
-              </a:ext>
-            </a:extLst>
-          </p:cNvPr>
+          <p:cNvPr id="4" name="Slide Number Placeholder 3"/>
           <p:cNvSpPr>
             <a:spLocks noGrp="1"/>
           </p:cNvSpPr>
@@ -8263,8 +8277,14 @@
           <a:bodyPr/>
           <a:lstStyle/>
           <a:p>
+            <a:pPr lvl="0">
+              <a:defRPr/>
+            </a:pPr>
             <a:fld id="{5692316A-719A-48D9-85D6-6D363263384A}" type="slidenum">
-              <a:rPr lang="en-US" smtClean="0"/>
+              <a:rPr lang="en-US"/>
+              <a:pPr lvl="0">
+                <a:defRPr/>
+              </a:pPr>
               <a:t>9</a:t>
             </a:fld>
             <a:endParaRPr lang="en-US"/>
@@ -8273,23 +8293,17 @@
       </p:sp>
       <p:sp>
         <p:nvSpPr>
-          <p:cNvPr id="5" name="Title 1">
-            <a:extLst>
-              <a:ext uri="{FF2B5EF4-FFF2-40B4-BE49-F238E27FC236}">
-                <a16:creationId xmlns:a16="http://schemas.microsoft.com/office/drawing/2014/main" id="{6FE8BBF1-3B1A-7FD8-38A7-5EF80F11E17E}"/>
-              </a:ext>
-            </a:extLst>
-          </p:cNvPr>
-          <p:cNvSpPr>
-            <a:spLocks noGrp="1"/>
-          </p:cNvSpPr>
-          <p:nvPr>
-            <p:ph type="title"/>
+          <p:cNvPr id="5" name="Title 1"/>
+          <p:cNvSpPr>
+            <a:spLocks noGrp="1"/>
+          </p:cNvSpPr>
+          <p:nvPr>
+            <p:ph type="title" idx="0"/>
           </p:nvPr>
         </p:nvSpPr>
         <p:spPr>
           <a:xfrm>
-            <a:off x="685800" y="337988"/>
+            <a:off x="685800" y="286033"/>
             <a:ext cx="7772400" cy="921474"/>
           </a:xfrm>
         </p:spPr>
@@ -8297,169 +8311,150 @@
           <a:bodyPr/>
           <a:lstStyle/>
           <a:p>
-            <a:pPr algn="ctr"/>
-            <a:r>
-              <a:rPr lang="en-US"/>
-              <a:t>CLASSIFICATION: Random forest</a:t>
-            </a:r>
-          </a:p>
-        </p:txBody>
-      </p:sp>
-      <p:sp>
-        <p:nvSpPr>
-          <p:cNvPr id="2" name="Content Placeholder 2">
-            <a:extLst>
-              <a:ext uri="{FF2B5EF4-FFF2-40B4-BE49-F238E27FC236}">
-                <a16:creationId xmlns:a16="http://schemas.microsoft.com/office/drawing/2014/main" id="{8434DE74-7B79-5B42-1A5E-D9C62218A961}"/>
-              </a:ext>
-            </a:extLst>
-          </p:cNvPr>
-          <p:cNvSpPr>
-            <a:spLocks noGrp="1"/>
-          </p:cNvSpPr>
-          <p:nvPr>
-            <p:ph idx="1"/>
-          </p:nvPr>
-        </p:nvSpPr>
-        <p:spPr>
-          <a:xfrm>
-            <a:off x="685799" y="1523928"/>
-            <a:ext cx="3575649" cy="4648272"/>
-          </a:xfrm>
-        </p:spPr>
-        <p:txBody>
-          <a:bodyPr>
-            <a:normAutofit/>
-          </a:bodyPr>
-          <a:lstStyle/>
-          <a:p>
-            <a:pPr marL="0" indent="0" algn="just">
-              <a:buNone/>
-            </a:pPr>
-            <a:r>
-              <a:rPr lang="en-US" sz="1800" b="1"/>
-              <a:t>RANDOM FOREST</a:t>
-            </a:r>
-          </a:p>
-          <a:p>
-            <a:pPr algn="just"/>
-            <a:r>
-              <a:rPr lang="en-US" sz="1800"/>
-              <a:t>Constructs multiple decision trees during training and outputs the mode of the classes (classification) or the mean prediction (regression) of the individual trees.</a:t>
-            </a:r>
-          </a:p>
-          <a:p>
-            <a:pPr algn="just"/>
-            <a:r>
-              <a:rPr lang="en-US" sz="1800"/>
-              <a:t>Be robust against overfitting and perform well on a variety of datasets.</a:t>
-            </a:r>
-          </a:p>
-          <a:p>
-            <a:pPr algn="just"/>
-            <a:r>
-              <a:rPr lang="en-US" sz="1800"/>
-              <a:t>Can handle both categorical and numerical data and provide feature importance scores.</a:t>
-            </a:r>
-          </a:p>
-          <a:p>
-            <a:pPr algn="just"/>
-            <a:endParaRPr lang="en-US" sz="1800"/>
-          </a:p>
-          <a:p>
-            <a:pPr algn="just"/>
-            <a:endParaRPr lang="en-US" sz="1800"/>
-          </a:p>
-          <a:p>
-            <a:pPr algn="just"/>
-            <a:endParaRPr lang="en-US" sz="1800"/>
+            <a:pPr algn="ctr">
+              <a:defRPr/>
+            </a:pPr>
+            <a:r>
+              <a:rPr lang="en-US" altLang="ko-KR"/>
+              <a:t>Isolate plot</a:t>
+            </a:r>
+            <a:endParaRPr lang="en-US" altLang="ko-KR"/>
           </a:p>
         </p:txBody>
       </p:sp>
       <p:pic>
         <p:nvPicPr>
-          <p:cNvPr id="12294" name="Picture 6" descr="Random Forest - 인코덤, 생물정보 전문위키">
-            <a:extLst>
-              <a:ext uri="{FF2B5EF4-FFF2-40B4-BE49-F238E27FC236}">
-                <a16:creationId xmlns:a16="http://schemas.microsoft.com/office/drawing/2014/main" id="{4E54F2B3-2590-B8B6-6A32-426F1D040E31}"/>
-              </a:ext>
-            </a:extLst>
-          </p:cNvPr>
+          <p:cNvPr id="11" name=""/>
           <p:cNvPicPr>
-            <a:picLocks noChangeAspect="1" noChangeArrowheads="1"/>
+            <a:picLocks noChangeAspect="1"/>
           </p:cNvPicPr>
           <p:nvPr/>
         </p:nvPicPr>
-        <p:blipFill>
-          <a:blip r:embed="rId2">
-            <a:extLst>
-              <a:ext uri="{28A0092B-C50C-407E-A947-70E740481C1C}">
-                <a14:useLocalDpi xmlns:a14="http://schemas.microsoft.com/office/drawing/2010/main" val="0"/>
-              </a:ext>
-            </a:extLst>
-          </a:blip>
-          <a:srcRect/>
+        <p:blipFill rotWithShape="1">
+          <a:blip r:embed="rId2"/>
           <a:stretch>
             <a:fillRect/>
           </a:stretch>
         </p:blipFill>
-        <p:spPr bwMode="auto">
-          <a:xfrm>
-            <a:off x="4433977" y="1818106"/>
-            <a:ext cx="4710023" cy="3221787"/>
+        <p:spPr>
+          <a:xfrm>
+            <a:off x="199158" y="1875098"/>
+            <a:ext cx="5620039" cy="4149759"/>
           </a:xfrm>
           <a:prstGeom prst="rect">
             <a:avLst/>
           </a:prstGeom>
-          <a:noFill/>
-          <a:extLst>
-            <a:ext uri="{909E8E84-426E-40DD-AFC4-6F175D3DCCD1}">
-              <a14:hiddenFill xmlns:a14="http://schemas.microsoft.com/office/drawing/2010/main">
-                <a:solidFill>
-                  <a:srgbClr val="FFFFFF"/>
-                </a:solidFill>
-              </a14:hiddenFill>
-            </a:ext>
-          </a:extLst>
         </p:spPr>
       </p:pic>
+      <p:pic>
+        <p:nvPicPr>
+          <p:cNvPr id="12" name=""/>
+          <p:cNvPicPr>
+            <a:picLocks noChangeAspect="1"/>
+          </p:cNvPicPr>
+          <p:nvPr/>
+        </p:nvPicPr>
+        <p:blipFill rotWithShape="1">
+          <a:blip r:embed="rId3"/>
+          <a:stretch>
+            <a:fillRect/>
+          </a:stretch>
+        </p:blipFill>
+        <p:spPr>
+          <a:xfrm>
+            <a:off x="6021056" y="3768138"/>
+            <a:ext cx="2846119" cy="2232612"/>
+          </a:xfrm>
+          <a:prstGeom prst="rect">
+            <a:avLst/>
+          </a:prstGeom>
+        </p:spPr>
+      </p:pic>
+      <p:sp>
+        <p:nvSpPr>
+          <p:cNvPr id="13" name="Content Placeholder 2"/>
+          <p:cNvSpPr>
+            <a:spLocks noGrp="1"/>
+          </p:cNvSpPr>
+          <p:nvPr>
+            <p:ph idx="1"/>
+          </p:nvPr>
+        </p:nvSpPr>
+        <p:spPr>
+          <a:xfrm>
+            <a:off x="5999883" y="1996749"/>
+            <a:ext cx="3638550" cy="1149999"/>
+          </a:xfrm>
+        </p:spPr>
+        <p:txBody>
+          <a:bodyPr vert="horz" lIns="91440" tIns="45720" rIns="91440" bIns="45720">
+            <a:normAutofit/>
+          </a:bodyPr>
+          <a:lstStyle/>
+          <a:p>
+            <a:pPr marL="0" indent="0">
+              <a:buNone/>
+              <a:defRPr/>
+            </a:pPr>
+            <a:r>
+              <a:rPr lang="en-US" altLang="ko-KR" sz="1800" b="1"/>
+              <a:t>Index: 28</a:t>
+            </a:r>
+            <a:endParaRPr lang="en-US" altLang="ko-KR" sz="1800" b="1"/>
+          </a:p>
+          <a:p>
+            <a:pPr marL="0" indent="0">
+              <a:buNone/>
+              <a:defRPr/>
+            </a:pPr>
+            <a:r>
+              <a:rPr lang="en-US" altLang="ko-KR" sz="1800" b="1"/>
+              <a:t>can detect the ‘worst’ label</a:t>
+            </a:r>
+            <a:endParaRPr lang="en-US" altLang="ko-KR" sz="1800" b="1"/>
+          </a:p>
+        </p:txBody>
+      </p:sp>
     </p:spTree>
-    <p:extLst>
-      <p:ext uri="{BB962C8B-B14F-4D97-AF65-F5344CB8AC3E}">
-        <p14:creationId xmlns:p14="http://schemas.microsoft.com/office/powerpoint/2010/main" val="3837292613"/>
-      </p:ext>
-    </p:extLst>
   </p:cSld>
   <p:clrMapOvr>
     <a:masterClrMapping/>
   </p:clrMapOvr>
+  <mc:AlternateContent xmlns:mc="http://schemas.openxmlformats.org/markup-compatibility/2006">
+    <mc:Choice xmlns:p14="http://schemas.microsoft.com/office/powerpoint/2010/main" Requires="p14">
+      <p:transition xmlns:mc="http://schemas.openxmlformats.org/markup-compatibility/2006" xmlns:p14="http://schemas.microsoft.com/office/powerpoint/2010/main" mc:Ignorable="p14" p14:dur="500"/>
+    </mc:Choice>
+    <mc:Fallback>
+      <p:transition/>
+    </mc:Fallback>
+  </mc:AlternateContent>
 </p:sld>
 </file>
 
 <file path=ppt/theme/theme1.xml><?xml version="1.0" encoding="utf-8"?>
-<a:theme xmlns:a="http://schemas.openxmlformats.org/drawingml/2006/main" name="Wood Type">
+<a:theme xmlns:r="http://schemas.openxmlformats.org/officeDocument/2006/relationships" xmlns:c="http://schemas.openxmlformats.org/drawingml/2006/chart" xmlns:dgm="http://schemas.openxmlformats.org/drawingml/2006/diagram" xmlns:dsp="http://schemas.microsoft.com/office/drawing/2008/diagram" xmlns:a="http://schemas.openxmlformats.org/drawingml/2006/main" xmlns:pic="http://schemas.openxmlformats.org/drawingml/2006/picture" xmlns:wp="http://schemas.openxmlformats.org/drawingml/2006/wordprocessingDrawing" xmlns:xdr="http://schemas.openxmlformats.org/drawingml/2006/spreadsheetDrawing" xmlns:lc="http://schemas.openxmlformats.org/drawingml/2006/lockedCanvas" xmlns:p="http://schemas.openxmlformats.org/presentationml/2006/main" name="Wood Type">
   <a:themeElements>
     <a:clrScheme name="Wood Type">
       <a:dk1>
         <a:sysClr val="windowText" lastClr="000000"/>
       </a:dk1>
       <a:lt1>
-        <a:sysClr val="window" lastClr="FFFFFF"/>
+        <a:sysClr val="window" lastClr="ffffff"/>
       </a:lt1>
       <a:dk2>
         <a:srgbClr val="696464"/>
       </a:dk2>
       <a:lt2>
-        <a:srgbClr val="E9E5DC"/>
+        <a:srgbClr val="e9e5dc"/>
       </a:lt2>
       <a:accent1>
-        <a:srgbClr val="D34817"/>
+        <a:srgbClr val="d34817"/>
       </a:accent1>
       <a:accent2>
-        <a:srgbClr val="9B2D1F"/>
+        <a:srgbClr val="9b2d1f"/>
       </a:accent2>
       <a:accent3>
-        <a:srgbClr val="A28E6A"/>
+        <a:srgbClr val="a28e6a"/>
       </a:accent3>
       <a:accent4>
         <a:srgbClr val="956251"/>
@@ -8468,13 +8463,13 @@
         <a:srgbClr val="918485"/>
       </a:accent5>
       <a:accent6>
-        <a:srgbClr val="855D5D"/>
+        <a:srgbClr val="855d5d"/>
       </a:accent6>
       <a:hlink>
-        <a:srgbClr val="CC9900"/>
+        <a:srgbClr val="cc9900"/>
       </a:hlink>
       <a:folHlink>
-        <a:srgbClr val="96A9A9"/>
+        <a:srgbClr val="96a9a9"/>
       </a:folHlink>
     </a:clrScheme>
     <a:fontScheme name="Wood Type">
@@ -8487,7 +8482,7 @@
         <a:font script="Jpan" typeface="HG明朝B"/>
         <a:font script="Hang" typeface="바탕"/>
         <a:font script="Hans" typeface="方正姚体"/>
-        <a:font script="Hant" typeface="微軟正黑體"/>
+        <a:font script="Hant" typeface="Microsoft JhengHei"/>
         <a:font script="Arab" typeface="Times New Roman"/>
         <a:font script="Hebr" typeface="David"/>
         <a:font script="Thai" typeface="JasmineUPC"/>
@@ -8557,7 +8552,7 @@
           <a:schemeClr val="phClr"/>
         </a:solidFill>
         <a:blipFill rotWithShape="1">
-          <a:blip xmlns:r="http://schemas.openxmlformats.org/officeDocument/2006/relationships" r:embed="rId1">
+          <a:blip r:embed="rId1">
             <a:duotone>
               <a:schemeClr val="phClr">
                 <a:tint val="70000"/>
@@ -8572,7 +8567,7 @@
           <a:tile tx="0" ty="0" sx="60000" sy="59000" flip="none" algn="tl"/>
         </a:blipFill>
         <a:blipFill rotWithShape="1">
-          <a:blip xmlns:r="http://schemas.openxmlformats.org/officeDocument/2006/relationships" r:embed="rId1">
+          <a:blip r:embed="rId2">
             <a:duotone>
               <a:schemeClr val="phClr">
                 <a:shade val="36000"/>
@@ -8637,7 +8632,7 @@
           </a:schemeClr>
         </a:solidFill>
         <a:blipFill rotWithShape="1">
-          <a:blip xmlns:r="http://schemas.openxmlformats.org/officeDocument/2006/relationships" r:embed="rId1">
+          <a:blip r:embed="rId3">
             <a:duotone>
               <a:schemeClr val="phClr">
                 <a:tint val="75000"/>
@@ -8655,55 +8650,48 @@
       </a:bgFillStyleLst>
     </a:fmtScheme>
   </a:themeElements>
-  <a:objectDefaults/>
-  <a:extraClrSchemeLst/>
-  <a:extLst>
-    <a:ext uri="{05A4C25C-085E-4340-85A3-A5531E510DB2}">
-      <thm15:themeFamily xmlns:thm15="http://schemas.microsoft.com/office/thememl/2012/main" name="Wood Type" id="{7ACABC62-BF99-48CF-A9DC-4DB89C7B13DC}" vid="{142A1326-48AB-42A9-8428-CB14AA30176D}"/>
-    </a:ext>
-  </a:extLst>
 </a:theme>
 </file>
 
 <file path=ppt/theme/theme2.xml><?xml version="1.0" encoding="utf-8"?>
-<a:theme xmlns:a="http://schemas.openxmlformats.org/drawingml/2006/main" name="Office Theme">
+<a:theme xmlns:r="http://schemas.openxmlformats.org/officeDocument/2006/relationships" xmlns:c="http://schemas.openxmlformats.org/drawingml/2006/chart" xmlns:dgm="http://schemas.openxmlformats.org/drawingml/2006/diagram" xmlns:dsp="http://schemas.microsoft.com/office/drawing/2008/diagram" xmlns:a="http://schemas.openxmlformats.org/drawingml/2006/main" xmlns:pic="http://schemas.openxmlformats.org/drawingml/2006/picture" xmlns:wp="http://schemas.openxmlformats.org/drawingml/2006/wordprocessingDrawing" xmlns:xdr="http://schemas.openxmlformats.org/drawingml/2006/spreadsheetDrawing" xmlns:lc="http://schemas.openxmlformats.org/drawingml/2006/lockedCanvas" xmlns:p="http://schemas.openxmlformats.org/presentationml/2006/main" name="Office Theme">
   <a:themeElements>
     <a:clrScheme name="Office">
       <a:dk1>
         <a:sysClr val="windowText" lastClr="000000"/>
       </a:dk1>
       <a:lt1>
-        <a:sysClr val="window" lastClr="FFFFFF"/>
+        <a:sysClr val="window" lastClr="ffffff"/>
       </a:lt1>
       <a:dk2>
-        <a:srgbClr val="44546A"/>
+        <a:srgbClr val="44546a"/>
       </a:dk2>
       <a:lt2>
-        <a:srgbClr val="E7E6E6"/>
+        <a:srgbClr val="e7e6e6"/>
       </a:lt2>
       <a:accent1>
-        <a:srgbClr val="4472C4"/>
+        <a:srgbClr val="4472c4"/>
       </a:accent1>
       <a:accent2>
-        <a:srgbClr val="ED7D31"/>
+        <a:srgbClr val="ed7d31"/>
       </a:accent2>
       <a:accent3>
-        <a:srgbClr val="A5A5A5"/>
+        <a:srgbClr val="a5a5a5"/>
       </a:accent3>
       <a:accent4>
-        <a:srgbClr val="FFC000"/>
+        <a:srgbClr val="ffc000"/>
       </a:accent4>
       <a:accent5>
-        <a:srgbClr val="5B9BD5"/>
+        <a:srgbClr val="5b9bd5"/>
       </a:accent5>
       <a:accent6>
-        <a:srgbClr val="70AD47"/>
+        <a:srgbClr val="70ad47"/>
       </a:accent6>
       <a:hlink>
-        <a:srgbClr val="0563C1"/>
+        <a:srgbClr val="0563c1"/>
       </a:hlink>
       <a:folHlink>
-        <a:srgbClr val="954F72"/>
+        <a:srgbClr val="954f72"/>
       </a:folHlink>
     </a:clrScheme>
     <a:fontScheme name="Office">
@@ -8711,7 +8699,7 @@
         <a:latin typeface="Calibri Light" panose="020F0302020204030204"/>
         <a:ea typeface=""/>
         <a:cs typeface=""/>
-        <a:font script="Jpan" typeface="游ゴシック Light"/>
+        <a:font script="Jpan" typeface="Yu Gothic Light"/>
         <a:font script="Hang" typeface="맑은 고딕"/>
         <a:font script="Hans" typeface="等线 Light"/>
         <a:font script="Hant" typeface="新細明體"/>
@@ -8763,7 +8751,7 @@
         <a:latin typeface="Calibri" panose="020F0502020204030204"/>
         <a:ea typeface=""/>
         <a:cs typeface=""/>
-        <a:font script="Jpan" typeface="游ゴシック"/>
+        <a:font script="Jpan" typeface="Yu Gothic"/>
         <a:font script="Hang" typeface="맑은 고딕"/>
         <a:font script="Hans" typeface="等线"/>
         <a:font script="Hant" typeface="新細明體"/>
@@ -8876,21 +8864,21 @@
             <a:schemeClr val="phClr"/>
           </a:solidFill>
           <a:prstDash val="solid"/>
-          <a:miter lim="800000"/>
+          <a:miter/>
         </a:ln>
         <a:ln w="12700" cap="flat" cmpd="sng" algn="ctr">
           <a:solidFill>
             <a:schemeClr val="phClr"/>
           </a:solidFill>
           <a:prstDash val="solid"/>
-          <a:miter lim="800000"/>
+          <a:miter/>
         </a:ln>
         <a:ln w="19050" cap="flat" cmpd="sng" algn="ctr">
           <a:solidFill>
             <a:schemeClr val="phClr"/>
           </a:solidFill>
           <a:prstDash val="solid"/>
-          <a:miter lim="800000"/>
+          <a:miter/>
         </a:ln>
       </a:lnStyleLst>
       <a:effectStyleLst>
@@ -8950,12 +8938,5 @@
       </a:bgFillStyleLst>
     </a:fmtScheme>
   </a:themeElements>
-  <a:objectDefaults/>
-  <a:extraClrSchemeLst/>
-  <a:extLst>
-    <a:ext uri="{05A4C25C-085E-4340-85A3-A5531E510DB2}">
-      <thm15:themeFamily xmlns:thm15="http://schemas.microsoft.com/office/thememl/2012/main" name="Office Theme" id="{62F939B6-93AF-4DB8-9C6B-D6C7DFDC589F}" vid="{4A3C46E8-61CC-4603-A589-7422A47A8E4A}"/>
-    </a:ext>
-  </a:extLst>
 </a:theme>
 </file>